--- a/rafal-sowiak-prezentacja-v1.pptx
+++ b/rafal-sowiak-prezentacja-v1.pptx
@@ -5,26 +5,21 @@
     <p:sldMasterId id="2147483780" r:id="rId1"/>
   </p:sldMasterIdLst>
   <p:notesMasterIdLst>
-    <p:notesMasterId r:id="rId19"/>
+    <p:notesMasterId r:id="rId14"/>
   </p:notesMasterIdLst>
   <p:sldIdLst>
     <p:sldId id="256" r:id="rId2"/>
     <p:sldId id="257" r:id="rId3"/>
-    <p:sldId id="267" r:id="rId4"/>
-    <p:sldId id="268" r:id="rId5"/>
-    <p:sldId id="258" r:id="rId6"/>
-    <p:sldId id="259" r:id="rId7"/>
-    <p:sldId id="260" r:id="rId8"/>
-    <p:sldId id="262" r:id="rId9"/>
-    <p:sldId id="263" r:id="rId10"/>
-    <p:sldId id="277" r:id="rId11"/>
-    <p:sldId id="285" r:id="rId12"/>
-    <p:sldId id="286" r:id="rId13"/>
-    <p:sldId id="278" r:id="rId14"/>
-    <p:sldId id="283" r:id="rId15"/>
-    <p:sldId id="284" r:id="rId16"/>
-    <p:sldId id="287" r:id="rId17"/>
-    <p:sldId id="266" r:id="rId18"/>
+    <p:sldId id="288" r:id="rId4"/>
+    <p:sldId id="258" r:id="rId5"/>
+    <p:sldId id="263" r:id="rId6"/>
+    <p:sldId id="277" r:id="rId7"/>
+    <p:sldId id="285" r:id="rId8"/>
+    <p:sldId id="278" r:id="rId9"/>
+    <p:sldId id="283" r:id="rId10"/>
+    <p:sldId id="287" r:id="rId11"/>
+    <p:sldId id="289" r:id="rId12"/>
+    <p:sldId id="290" r:id="rId13"/>
   </p:sldIdLst>
   <p:sldSz cx="9144000" cy="6858000" type="screen4x3"/>
   <p:notesSz cx="6858000" cy="9144000"/>
@@ -208,7 +203,7 @@
           <a:p>
             <a:fld id="{5126046C-41AF-4C30-B587-8D347D278FB8}" type="datetimeFigureOut">
               <a:rPr lang="pl-PL" smtClean="0"/>
-              <a:t>2016-05-01</a:t>
+              <a:t>2016-05-03</a:t>
             </a:fld>
             <a:endParaRPr lang="pl-PL"/>
           </a:p>
@@ -604,133 +599,6 @@
           <a:bodyPr/>
           <a:lstStyle/>
           <a:p>
-            <a:r>
-              <a:rPr lang="en-US" b="1" dirty="0" smtClean="0"/>
-              <a:t>Android Architecture</a:t>
-            </a:r>
-          </a:p>
-          <a:p>
-            <a:r>
-              <a:rPr lang="en-US" dirty="0" smtClean="0"/>
-              <a:t>The objective is the </a:t>
-            </a:r>
-            <a:r>
-              <a:rPr lang="en-US" sz="1200" b="1" kern="1200" dirty="0" smtClean="0">
-                <a:solidFill>
-                  <a:schemeClr val="tx1"/>
-                </a:solidFill>
-                <a:effectLst/>
-                <a:latin typeface="+mn-lt"/>
-                <a:ea typeface="+mn-ea"/>
-                <a:cs typeface="+mn-cs"/>
-              </a:rPr>
-              <a:t>separation of concerns</a:t>
-            </a:r>
-            <a:r>
-              <a:rPr lang="en-US" dirty="0" smtClean="0"/>
-              <a:t> by keeping the business rules not knowing anything at all about the outside world, thus, they can </a:t>
-            </a:r>
-            <a:r>
-              <a:rPr lang="en-US" dirty="0" err="1" smtClean="0"/>
-              <a:t>can</a:t>
-            </a:r>
-            <a:r>
-              <a:rPr lang="en-US" dirty="0" smtClean="0"/>
-              <a:t> be tested without any dependency to any external element.</a:t>
-            </a:r>
-            <a:br>
-              <a:rPr lang="en-US" dirty="0" smtClean="0"/>
-            </a:br>
-            <a:r>
-              <a:rPr lang="en-US" dirty="0" smtClean="0"/>
-              <a:t>To achieve this, </a:t>
-            </a:r>
-            <a:r>
-              <a:rPr lang="en-US" sz="1200" b="1" kern="1200" dirty="0" smtClean="0">
-                <a:solidFill>
-                  <a:schemeClr val="tx1"/>
-                </a:solidFill>
-                <a:effectLst/>
-                <a:latin typeface="+mn-lt"/>
-                <a:ea typeface="+mn-ea"/>
-                <a:cs typeface="+mn-cs"/>
-              </a:rPr>
-              <a:t>my proposal is about breaking up the project into 3 different layers,</a:t>
-            </a:r>
-            <a:r>
-              <a:rPr lang="en-US" dirty="0" smtClean="0"/>
-              <a:t> in which each one has its own purpose and works separately from the others.</a:t>
-            </a:r>
-            <a:br>
-              <a:rPr lang="en-US" dirty="0" smtClean="0"/>
-            </a:br>
-            <a:r>
-              <a:rPr lang="en-US" dirty="0" smtClean="0"/>
-              <a:t>It is worth mentioning that each layer uses its own data model so this independence can be reached (you will see in code that a data mapper is needed in order to accomplish data transformation, a price to be paid if you do not want to cross the use of your models over the entire application).</a:t>
-            </a:r>
-            <a:br>
-              <a:rPr lang="en-US" dirty="0" smtClean="0"/>
-            </a:br>
-            <a:r>
-              <a:rPr lang="en-US" dirty="0" smtClean="0"/>
-              <a:t>Here is an schema so you can see how it looks like:</a:t>
-            </a:r>
-          </a:p>
-          <a:p>
-            <a:endParaRPr lang="pl-PL" dirty="0" smtClean="0"/>
-          </a:p>
-          <a:p>
-            <a:endParaRPr lang="pl-PL" dirty="0" smtClean="0"/>
-          </a:p>
-          <a:p>
-            <a:pPr marL="0" marR="0" indent="0" algn="l" defTabSz="914400" rtl="0" eaLnBrk="1" fontAlgn="auto" latinLnBrk="0" hangingPunct="1">
-              <a:lnSpc>
-                <a:spcPct val="100000"/>
-              </a:lnSpc>
-              <a:spcBef>
-                <a:spcPts val="0"/>
-              </a:spcBef>
-              <a:spcAft>
-                <a:spcPts val="0"/>
-              </a:spcAft>
-              <a:buClrTx/>
-              <a:buSzTx/>
-              <a:buFontTx/>
-              <a:buNone/>
-              <a:tabLst/>
-              <a:defRPr/>
-            </a:pPr>
-            <a:r>
-              <a:rPr lang="pl-PL" altLang="pl-PL" sz="1200" dirty="0" smtClean="0"/>
-              <a:t>Czy nowoczesne podejście do programowania w Android, tzw. </a:t>
-            </a:r>
-            <a:r>
-              <a:rPr lang="pl-PL" sz="1200" b="1" dirty="0" smtClean="0"/>
-              <a:t>“the </a:t>
-            </a:r>
-            <a:r>
-              <a:rPr lang="pl-PL" sz="1200" b="1" dirty="0" err="1" smtClean="0"/>
-              <a:t>clean</a:t>
-            </a:r>
-            <a:r>
-              <a:rPr lang="pl-PL" sz="1200" b="1" dirty="0" smtClean="0"/>
-              <a:t> </a:t>
-            </a:r>
-            <a:r>
-              <a:rPr lang="pl-PL" sz="1200" b="1" dirty="0" err="1" smtClean="0"/>
-              <a:t>architecture</a:t>
-            </a:r>
-            <a:r>
-              <a:rPr lang="pl-PL" sz="1200" b="1" dirty="0" smtClean="0"/>
-              <a:t>”</a:t>
-            </a:r>
-            <a:r>
-              <a:rPr lang="pl-PL" sz="1200" dirty="0" smtClean="0"/>
-              <a:t>, będzie miało wpływ na poprawienie testowalności i pielęgnowalności aplikacji</a:t>
-            </a:r>
-            <a:endParaRPr lang="pl-PL" altLang="pl-PL" sz="1200" dirty="0" smtClean="0"/>
-          </a:p>
-          <a:p>
             <a:endParaRPr lang="pl-PL" dirty="0"/>
           </a:p>
         </p:txBody>
@@ -752,638 +620,7 @@
           <a:p>
             <a:fld id="{22743367-B784-4F71-8C29-C0F62797FE66}" type="slidenum">
               <a:rPr lang="pl-PL" smtClean="0"/>
-              <a:t>11</a:t>
-            </a:fld>
-            <a:endParaRPr lang="pl-PL"/>
-          </a:p>
-        </p:txBody>
-      </p:sp>
-    </p:spTree>
-    <p:extLst>
-      <p:ext uri="{BB962C8B-B14F-4D97-AF65-F5344CB8AC3E}">
-        <p14:creationId xmlns:p14="http://schemas.microsoft.com/office/powerpoint/2010/main" val="2236322427"/>
-      </p:ext>
-    </p:extLst>
-  </p:cSld>
-  <p:clrMapOvr>
-    <a:masterClrMapping/>
-  </p:clrMapOvr>
-</p:notes>
-</file>
-
-<file path=ppt/notesSlides/notesSlide11.xml><?xml version="1.0" encoding="utf-8"?>
-<p:notes xmlns:a="http://schemas.openxmlformats.org/drawingml/2006/main" xmlns:r="http://schemas.openxmlformats.org/officeDocument/2006/relationships" xmlns:p="http://schemas.openxmlformats.org/presentationml/2006/main">
-  <p:cSld>
-    <p:spTree>
-      <p:nvGrpSpPr>
-        <p:cNvPr id="1" name=""/>
-        <p:cNvGrpSpPr/>
-        <p:nvPr/>
-      </p:nvGrpSpPr>
-      <p:grpSpPr>
-        <a:xfrm>
-          <a:off x="0" y="0"/>
-          <a:ext cx="0" cy="0"/>
-          <a:chOff x="0" y="0"/>
-          <a:chExt cx="0" cy="0"/>
-        </a:xfrm>
-      </p:grpSpPr>
-      <p:sp>
-        <p:nvSpPr>
-          <p:cNvPr id="2" name="Symbol zastępczy obrazu slajdu 1"/>
-          <p:cNvSpPr>
-            <a:spLocks noGrp="1" noRot="1" noChangeAspect="1"/>
-          </p:cNvSpPr>
-          <p:nvPr>
-            <p:ph type="sldImg"/>
-          </p:nvPr>
-        </p:nvSpPr>
-        <p:spPr/>
-      </p:sp>
-      <p:sp>
-        <p:nvSpPr>
-          <p:cNvPr id="3" name="Symbol zastępczy notatek 2"/>
-          <p:cNvSpPr>
-            <a:spLocks noGrp="1"/>
-          </p:cNvSpPr>
-          <p:nvPr>
-            <p:ph type="body" idx="1"/>
-          </p:nvPr>
-        </p:nvSpPr>
-        <p:spPr/>
-        <p:txBody>
-          <a:bodyPr/>
-          <a:lstStyle/>
-          <a:p>
-            <a:r>
-              <a:rPr lang="en-US" b="1" dirty="0" smtClean="0"/>
-              <a:t>Android Architecture</a:t>
-            </a:r>
-          </a:p>
-          <a:p>
-            <a:r>
-              <a:rPr lang="en-US" dirty="0" smtClean="0"/>
-              <a:t>The objective is the </a:t>
-            </a:r>
-            <a:r>
-              <a:rPr lang="en-US" sz="1200" b="1" kern="1200" dirty="0" smtClean="0">
-                <a:solidFill>
-                  <a:schemeClr val="tx1"/>
-                </a:solidFill>
-                <a:effectLst/>
-                <a:latin typeface="+mn-lt"/>
-                <a:ea typeface="+mn-ea"/>
-                <a:cs typeface="+mn-cs"/>
-              </a:rPr>
-              <a:t>separation of concerns</a:t>
-            </a:r>
-            <a:r>
-              <a:rPr lang="en-US" dirty="0" smtClean="0"/>
-              <a:t> by keeping the business rules not knowing anything at all about the outside world, thus, they can </a:t>
-            </a:r>
-            <a:r>
-              <a:rPr lang="en-US" dirty="0" err="1" smtClean="0"/>
-              <a:t>can</a:t>
-            </a:r>
-            <a:r>
-              <a:rPr lang="en-US" dirty="0" smtClean="0"/>
-              <a:t> be tested without any dependency to any external element.</a:t>
-            </a:r>
-            <a:br>
-              <a:rPr lang="en-US" dirty="0" smtClean="0"/>
-            </a:br>
-            <a:r>
-              <a:rPr lang="en-US" dirty="0" smtClean="0"/>
-              <a:t>To achieve this, </a:t>
-            </a:r>
-            <a:r>
-              <a:rPr lang="en-US" sz="1200" b="1" kern="1200" dirty="0" smtClean="0">
-                <a:solidFill>
-                  <a:schemeClr val="tx1"/>
-                </a:solidFill>
-                <a:effectLst/>
-                <a:latin typeface="+mn-lt"/>
-                <a:ea typeface="+mn-ea"/>
-                <a:cs typeface="+mn-cs"/>
-              </a:rPr>
-              <a:t>my proposal is about breaking up the project into 3 different layers,</a:t>
-            </a:r>
-            <a:r>
-              <a:rPr lang="en-US" dirty="0" smtClean="0"/>
-              <a:t> in which each one has its own purpose and works separately from the others.</a:t>
-            </a:r>
-            <a:br>
-              <a:rPr lang="en-US" dirty="0" smtClean="0"/>
-            </a:br>
-            <a:r>
-              <a:rPr lang="en-US" dirty="0" smtClean="0"/>
-              <a:t>It is worth mentioning that each layer uses its own data model so this independence can be reached (you will see in code that a data mapper is needed in order to accomplish data transformation, a price to be paid if you do not want to cross the use of your models over the entire application).</a:t>
-            </a:r>
-            <a:br>
-              <a:rPr lang="en-US" dirty="0" smtClean="0"/>
-            </a:br>
-            <a:r>
-              <a:rPr lang="en-US" dirty="0" smtClean="0"/>
-              <a:t>Here is an schema so you can see how it looks like:</a:t>
-            </a:r>
-          </a:p>
-          <a:p>
-            <a:endParaRPr lang="pl-PL" dirty="0" smtClean="0"/>
-          </a:p>
-          <a:p>
-            <a:endParaRPr lang="pl-PL" dirty="0" smtClean="0"/>
-          </a:p>
-          <a:p>
-            <a:pPr marL="0" marR="0" indent="0" algn="l" defTabSz="914400" rtl="0" eaLnBrk="1" fontAlgn="auto" latinLnBrk="0" hangingPunct="1">
-              <a:lnSpc>
-                <a:spcPct val="100000"/>
-              </a:lnSpc>
-              <a:spcBef>
-                <a:spcPts val="0"/>
-              </a:spcBef>
-              <a:spcAft>
-                <a:spcPts val="0"/>
-              </a:spcAft>
-              <a:buClrTx/>
-              <a:buSzTx/>
-              <a:buFontTx/>
-              <a:buNone/>
-              <a:tabLst/>
-              <a:defRPr/>
-            </a:pPr>
-            <a:r>
-              <a:rPr lang="pl-PL" altLang="pl-PL" sz="1200" dirty="0" smtClean="0"/>
-              <a:t>Czy nowoczesne podejście do programowania w Android, tzw. </a:t>
-            </a:r>
-            <a:r>
-              <a:rPr lang="pl-PL" sz="1200" b="1" dirty="0" smtClean="0"/>
-              <a:t>“the </a:t>
-            </a:r>
-            <a:r>
-              <a:rPr lang="pl-PL" sz="1200" b="1" dirty="0" err="1" smtClean="0"/>
-              <a:t>clean</a:t>
-            </a:r>
-            <a:r>
-              <a:rPr lang="pl-PL" sz="1200" b="1" dirty="0" smtClean="0"/>
-              <a:t> </a:t>
-            </a:r>
-            <a:r>
-              <a:rPr lang="pl-PL" sz="1200" b="1" dirty="0" err="1" smtClean="0"/>
-              <a:t>architecture</a:t>
-            </a:r>
-            <a:r>
-              <a:rPr lang="pl-PL" sz="1200" b="1" dirty="0" smtClean="0"/>
-              <a:t>”</a:t>
-            </a:r>
-            <a:r>
-              <a:rPr lang="pl-PL" sz="1200" dirty="0" smtClean="0"/>
-              <a:t>, będzie miało wpływ na poprawienie testowalności i pielęgnowalności aplikacji</a:t>
-            </a:r>
-            <a:endParaRPr lang="pl-PL" altLang="pl-PL" sz="1200" dirty="0" smtClean="0"/>
-          </a:p>
-          <a:p>
-            <a:endParaRPr lang="pl-PL" dirty="0"/>
-          </a:p>
-        </p:txBody>
-      </p:sp>
-      <p:sp>
-        <p:nvSpPr>
-          <p:cNvPr id="4" name="Symbol zastępczy numeru slajdu 3"/>
-          <p:cNvSpPr>
-            <a:spLocks noGrp="1"/>
-          </p:cNvSpPr>
-          <p:nvPr>
-            <p:ph type="sldNum" sz="quarter" idx="10"/>
-          </p:nvPr>
-        </p:nvSpPr>
-        <p:spPr/>
-        <p:txBody>
-          <a:bodyPr/>
-          <a:lstStyle/>
-          <a:p>
-            <a:fld id="{22743367-B784-4F71-8C29-C0F62797FE66}" type="slidenum">
-              <a:rPr lang="pl-PL" smtClean="0"/>
               <a:t>12</a:t>
-            </a:fld>
-            <a:endParaRPr lang="pl-PL"/>
-          </a:p>
-        </p:txBody>
-      </p:sp>
-    </p:spTree>
-    <p:extLst>
-      <p:ext uri="{BB962C8B-B14F-4D97-AF65-F5344CB8AC3E}">
-        <p14:creationId xmlns:p14="http://schemas.microsoft.com/office/powerpoint/2010/main" val="2236322427"/>
-      </p:ext>
-    </p:extLst>
-  </p:cSld>
-  <p:clrMapOvr>
-    <a:masterClrMapping/>
-  </p:clrMapOvr>
-</p:notes>
-</file>
-
-<file path=ppt/notesSlides/notesSlide12.xml><?xml version="1.0" encoding="utf-8"?>
-<p:notes xmlns:a="http://schemas.openxmlformats.org/drawingml/2006/main" xmlns:r="http://schemas.openxmlformats.org/officeDocument/2006/relationships" xmlns:p="http://schemas.openxmlformats.org/presentationml/2006/main">
-  <p:cSld>
-    <p:spTree>
-      <p:nvGrpSpPr>
-        <p:cNvPr id="1" name=""/>
-        <p:cNvGrpSpPr/>
-        <p:nvPr/>
-      </p:nvGrpSpPr>
-      <p:grpSpPr>
-        <a:xfrm>
-          <a:off x="0" y="0"/>
-          <a:ext cx="0" cy="0"/>
-          <a:chOff x="0" y="0"/>
-          <a:chExt cx="0" cy="0"/>
-        </a:xfrm>
-      </p:grpSpPr>
-      <p:sp>
-        <p:nvSpPr>
-          <p:cNvPr id="2" name="Symbol zastępczy obrazu slajdu 1"/>
-          <p:cNvSpPr>
-            <a:spLocks noGrp="1" noRot="1" noChangeAspect="1"/>
-          </p:cNvSpPr>
-          <p:nvPr>
-            <p:ph type="sldImg"/>
-          </p:nvPr>
-        </p:nvSpPr>
-        <p:spPr/>
-      </p:sp>
-      <p:sp>
-        <p:nvSpPr>
-          <p:cNvPr id="3" name="Symbol zastępczy notatek 2"/>
-          <p:cNvSpPr>
-            <a:spLocks noGrp="1"/>
-          </p:cNvSpPr>
-          <p:nvPr>
-            <p:ph type="body" idx="1"/>
-          </p:nvPr>
-        </p:nvSpPr>
-        <p:spPr/>
-        <p:txBody>
-          <a:bodyPr/>
-          <a:lstStyle/>
-          <a:p>
-            <a:endParaRPr lang="pl-PL" dirty="0"/>
-          </a:p>
-        </p:txBody>
-      </p:sp>
-      <p:sp>
-        <p:nvSpPr>
-          <p:cNvPr id="4" name="Symbol zastępczy numeru slajdu 3"/>
-          <p:cNvSpPr>
-            <a:spLocks noGrp="1"/>
-          </p:cNvSpPr>
-          <p:nvPr>
-            <p:ph type="sldNum" sz="quarter" idx="10"/>
-          </p:nvPr>
-        </p:nvSpPr>
-        <p:spPr/>
-        <p:txBody>
-          <a:bodyPr/>
-          <a:lstStyle/>
-          <a:p>
-            <a:fld id="{22743367-B784-4F71-8C29-C0F62797FE66}" type="slidenum">
-              <a:rPr lang="pl-PL" smtClean="0"/>
-              <a:t>13</a:t>
-            </a:fld>
-            <a:endParaRPr lang="pl-PL"/>
-          </a:p>
-        </p:txBody>
-      </p:sp>
-    </p:spTree>
-    <p:extLst>
-      <p:ext uri="{BB962C8B-B14F-4D97-AF65-F5344CB8AC3E}">
-        <p14:creationId xmlns:p14="http://schemas.microsoft.com/office/powerpoint/2010/main" val="2236322427"/>
-      </p:ext>
-    </p:extLst>
-  </p:cSld>
-  <p:clrMapOvr>
-    <a:masterClrMapping/>
-  </p:clrMapOvr>
-</p:notes>
-</file>
-
-<file path=ppt/notesSlides/notesSlide13.xml><?xml version="1.0" encoding="utf-8"?>
-<p:notes xmlns:a="http://schemas.openxmlformats.org/drawingml/2006/main" xmlns:r="http://schemas.openxmlformats.org/officeDocument/2006/relationships" xmlns:p="http://schemas.openxmlformats.org/presentationml/2006/main">
-  <p:cSld>
-    <p:spTree>
-      <p:nvGrpSpPr>
-        <p:cNvPr id="1" name=""/>
-        <p:cNvGrpSpPr/>
-        <p:nvPr/>
-      </p:nvGrpSpPr>
-      <p:grpSpPr>
-        <a:xfrm>
-          <a:off x="0" y="0"/>
-          <a:ext cx="0" cy="0"/>
-          <a:chOff x="0" y="0"/>
-          <a:chExt cx="0" cy="0"/>
-        </a:xfrm>
-      </p:grpSpPr>
-      <p:sp>
-        <p:nvSpPr>
-          <p:cNvPr id="2" name="Symbol zastępczy obrazu slajdu 1"/>
-          <p:cNvSpPr>
-            <a:spLocks noGrp="1" noRot="1" noChangeAspect="1"/>
-          </p:cNvSpPr>
-          <p:nvPr>
-            <p:ph type="sldImg"/>
-          </p:nvPr>
-        </p:nvSpPr>
-        <p:spPr/>
-      </p:sp>
-      <p:sp>
-        <p:nvSpPr>
-          <p:cNvPr id="3" name="Symbol zastępczy notatek 2"/>
-          <p:cNvSpPr>
-            <a:spLocks noGrp="1"/>
-          </p:cNvSpPr>
-          <p:nvPr>
-            <p:ph type="body" idx="1"/>
-          </p:nvPr>
-        </p:nvSpPr>
-        <p:spPr/>
-        <p:txBody>
-          <a:bodyPr/>
-          <a:lstStyle/>
-          <a:p>
-            <a:endParaRPr lang="pl-PL" dirty="0"/>
-          </a:p>
-        </p:txBody>
-      </p:sp>
-      <p:sp>
-        <p:nvSpPr>
-          <p:cNvPr id="4" name="Symbol zastępczy numeru slajdu 3"/>
-          <p:cNvSpPr>
-            <a:spLocks noGrp="1"/>
-          </p:cNvSpPr>
-          <p:nvPr>
-            <p:ph type="sldNum" sz="quarter" idx="10"/>
-          </p:nvPr>
-        </p:nvSpPr>
-        <p:spPr/>
-        <p:txBody>
-          <a:bodyPr/>
-          <a:lstStyle/>
-          <a:p>
-            <a:fld id="{22743367-B784-4F71-8C29-C0F62797FE66}" type="slidenum">
-              <a:rPr lang="pl-PL" smtClean="0"/>
-              <a:t>14</a:t>
-            </a:fld>
-            <a:endParaRPr lang="pl-PL"/>
-          </a:p>
-        </p:txBody>
-      </p:sp>
-    </p:spTree>
-    <p:extLst>
-      <p:ext uri="{BB962C8B-B14F-4D97-AF65-F5344CB8AC3E}">
-        <p14:creationId xmlns:p14="http://schemas.microsoft.com/office/powerpoint/2010/main" val="2236322427"/>
-      </p:ext>
-    </p:extLst>
-  </p:cSld>
-  <p:clrMapOvr>
-    <a:masterClrMapping/>
-  </p:clrMapOvr>
-</p:notes>
-</file>
-
-<file path=ppt/notesSlides/notesSlide14.xml><?xml version="1.0" encoding="utf-8"?>
-<p:notes xmlns:a="http://schemas.openxmlformats.org/drawingml/2006/main" xmlns:r="http://schemas.openxmlformats.org/officeDocument/2006/relationships" xmlns:p="http://schemas.openxmlformats.org/presentationml/2006/main">
-  <p:cSld>
-    <p:spTree>
-      <p:nvGrpSpPr>
-        <p:cNvPr id="1" name=""/>
-        <p:cNvGrpSpPr/>
-        <p:nvPr/>
-      </p:nvGrpSpPr>
-      <p:grpSpPr>
-        <a:xfrm>
-          <a:off x="0" y="0"/>
-          <a:ext cx="0" cy="0"/>
-          <a:chOff x="0" y="0"/>
-          <a:chExt cx="0" cy="0"/>
-        </a:xfrm>
-      </p:grpSpPr>
-      <p:sp>
-        <p:nvSpPr>
-          <p:cNvPr id="2" name="Symbol zastępczy obrazu slajdu 1"/>
-          <p:cNvSpPr>
-            <a:spLocks noGrp="1" noRot="1" noChangeAspect="1"/>
-          </p:cNvSpPr>
-          <p:nvPr>
-            <p:ph type="sldImg"/>
-          </p:nvPr>
-        </p:nvSpPr>
-        <p:spPr/>
-      </p:sp>
-      <p:sp>
-        <p:nvSpPr>
-          <p:cNvPr id="3" name="Symbol zastępczy notatek 2"/>
-          <p:cNvSpPr>
-            <a:spLocks noGrp="1"/>
-          </p:cNvSpPr>
-          <p:nvPr>
-            <p:ph type="body" idx="1"/>
-          </p:nvPr>
-        </p:nvSpPr>
-        <p:spPr/>
-        <p:txBody>
-          <a:bodyPr/>
-          <a:lstStyle/>
-          <a:p>
-            <a:endParaRPr lang="pl-PL" dirty="0"/>
-          </a:p>
-        </p:txBody>
-      </p:sp>
-      <p:sp>
-        <p:nvSpPr>
-          <p:cNvPr id="4" name="Symbol zastępczy numeru slajdu 3"/>
-          <p:cNvSpPr>
-            <a:spLocks noGrp="1"/>
-          </p:cNvSpPr>
-          <p:nvPr>
-            <p:ph type="sldNum" sz="quarter" idx="10"/>
-          </p:nvPr>
-        </p:nvSpPr>
-        <p:spPr/>
-        <p:txBody>
-          <a:bodyPr/>
-          <a:lstStyle/>
-          <a:p>
-            <a:fld id="{22743367-B784-4F71-8C29-C0F62797FE66}" type="slidenum">
-              <a:rPr lang="pl-PL" smtClean="0"/>
-              <a:t>15</a:t>
-            </a:fld>
-            <a:endParaRPr lang="pl-PL"/>
-          </a:p>
-        </p:txBody>
-      </p:sp>
-    </p:spTree>
-    <p:extLst>
-      <p:ext uri="{BB962C8B-B14F-4D97-AF65-F5344CB8AC3E}">
-        <p14:creationId xmlns:p14="http://schemas.microsoft.com/office/powerpoint/2010/main" val="2236322427"/>
-      </p:ext>
-    </p:extLst>
-  </p:cSld>
-  <p:clrMapOvr>
-    <a:masterClrMapping/>
-  </p:clrMapOvr>
-</p:notes>
-</file>
-
-<file path=ppt/notesSlides/notesSlide15.xml><?xml version="1.0" encoding="utf-8"?>
-<p:notes xmlns:a="http://schemas.openxmlformats.org/drawingml/2006/main" xmlns:r="http://schemas.openxmlformats.org/officeDocument/2006/relationships" xmlns:p="http://schemas.openxmlformats.org/presentationml/2006/main">
-  <p:cSld>
-    <p:spTree>
-      <p:nvGrpSpPr>
-        <p:cNvPr id="1" name=""/>
-        <p:cNvGrpSpPr/>
-        <p:nvPr/>
-      </p:nvGrpSpPr>
-      <p:grpSpPr>
-        <a:xfrm>
-          <a:off x="0" y="0"/>
-          <a:ext cx="0" cy="0"/>
-          <a:chOff x="0" y="0"/>
-          <a:chExt cx="0" cy="0"/>
-        </a:xfrm>
-      </p:grpSpPr>
-      <p:sp>
-        <p:nvSpPr>
-          <p:cNvPr id="2" name="Symbol zastępczy obrazu slajdu 1"/>
-          <p:cNvSpPr>
-            <a:spLocks noGrp="1" noRot="1" noChangeAspect="1"/>
-          </p:cNvSpPr>
-          <p:nvPr>
-            <p:ph type="sldImg"/>
-          </p:nvPr>
-        </p:nvSpPr>
-        <p:spPr/>
-      </p:sp>
-      <p:sp>
-        <p:nvSpPr>
-          <p:cNvPr id="3" name="Symbol zastępczy notatek 2"/>
-          <p:cNvSpPr>
-            <a:spLocks noGrp="1"/>
-          </p:cNvSpPr>
-          <p:nvPr>
-            <p:ph type="body" idx="1"/>
-          </p:nvPr>
-        </p:nvSpPr>
-        <p:spPr/>
-        <p:txBody>
-          <a:bodyPr/>
-          <a:lstStyle/>
-          <a:p>
-            <a:endParaRPr lang="pl-PL" dirty="0"/>
-          </a:p>
-        </p:txBody>
-      </p:sp>
-      <p:sp>
-        <p:nvSpPr>
-          <p:cNvPr id="4" name="Symbol zastępczy numeru slajdu 3"/>
-          <p:cNvSpPr>
-            <a:spLocks noGrp="1"/>
-          </p:cNvSpPr>
-          <p:nvPr>
-            <p:ph type="sldNum" sz="quarter" idx="10"/>
-          </p:nvPr>
-        </p:nvSpPr>
-        <p:spPr/>
-        <p:txBody>
-          <a:bodyPr/>
-          <a:lstStyle/>
-          <a:p>
-            <a:fld id="{22743367-B784-4F71-8C29-C0F62797FE66}" type="slidenum">
-              <a:rPr lang="pl-PL" smtClean="0"/>
-              <a:t>16</a:t>
-            </a:fld>
-            <a:endParaRPr lang="pl-PL"/>
-          </a:p>
-        </p:txBody>
-      </p:sp>
-    </p:spTree>
-    <p:extLst>
-      <p:ext uri="{BB962C8B-B14F-4D97-AF65-F5344CB8AC3E}">
-        <p14:creationId xmlns:p14="http://schemas.microsoft.com/office/powerpoint/2010/main" val="2236322427"/>
-      </p:ext>
-    </p:extLst>
-  </p:cSld>
-  <p:clrMapOvr>
-    <a:masterClrMapping/>
-  </p:clrMapOvr>
-</p:notes>
-</file>
-
-<file path=ppt/notesSlides/notesSlide16.xml><?xml version="1.0" encoding="utf-8"?>
-<p:notes xmlns:a="http://schemas.openxmlformats.org/drawingml/2006/main" xmlns:r="http://schemas.openxmlformats.org/officeDocument/2006/relationships" xmlns:p="http://schemas.openxmlformats.org/presentationml/2006/main">
-  <p:cSld>
-    <p:spTree>
-      <p:nvGrpSpPr>
-        <p:cNvPr id="1" name=""/>
-        <p:cNvGrpSpPr/>
-        <p:nvPr/>
-      </p:nvGrpSpPr>
-      <p:grpSpPr>
-        <a:xfrm>
-          <a:off x="0" y="0"/>
-          <a:ext cx="0" cy="0"/>
-          <a:chOff x="0" y="0"/>
-          <a:chExt cx="0" cy="0"/>
-        </a:xfrm>
-      </p:grpSpPr>
-      <p:sp>
-        <p:nvSpPr>
-          <p:cNvPr id="2" name="Symbol zastępczy obrazu slajdu 1"/>
-          <p:cNvSpPr>
-            <a:spLocks noGrp="1" noRot="1" noChangeAspect="1"/>
-          </p:cNvSpPr>
-          <p:nvPr>
-            <p:ph type="sldImg"/>
-          </p:nvPr>
-        </p:nvSpPr>
-        <p:spPr/>
-      </p:sp>
-      <p:sp>
-        <p:nvSpPr>
-          <p:cNvPr id="3" name="Symbol zastępczy notatek 2"/>
-          <p:cNvSpPr>
-            <a:spLocks noGrp="1"/>
-          </p:cNvSpPr>
-          <p:nvPr>
-            <p:ph type="body" idx="1"/>
-          </p:nvPr>
-        </p:nvSpPr>
-        <p:spPr/>
-        <p:txBody>
-          <a:bodyPr/>
-          <a:lstStyle/>
-          <a:p>
-            <a:endParaRPr lang="pl-PL" dirty="0"/>
-          </a:p>
-        </p:txBody>
-      </p:sp>
-      <p:sp>
-        <p:nvSpPr>
-          <p:cNvPr id="4" name="Symbol zastępczy numeru slajdu 3"/>
-          <p:cNvSpPr>
-            <a:spLocks noGrp="1"/>
-          </p:cNvSpPr>
-          <p:nvPr>
-            <p:ph type="sldNum" sz="quarter" idx="10"/>
-          </p:nvPr>
-        </p:nvSpPr>
-        <p:spPr/>
-        <p:txBody>
-          <a:bodyPr/>
-          <a:lstStyle/>
-          <a:p>
-            <a:fld id="{22743367-B784-4F71-8C29-C0F62797FE66}" type="slidenum">
-              <a:rPr lang="pl-PL" smtClean="0"/>
-              <a:t>17</a:t>
             </a:fld>
             <a:endParaRPr lang="pl-PL"/>
           </a:p>
@@ -1448,7 +685,7 @@
           <a:p>
             <a:r>
               <a:rPr lang="pl-PL" dirty="0" smtClean="0"/>
-              <a:t>Źródło: http://antyweb.pl/mamy-dane-o-polskim-rynku-mobilnym-2015/</a:t>
+              <a:t>Źródło: Wikipedia</a:t>
             </a:r>
             <a:endParaRPr lang="pl-PL" dirty="0"/>
           </a:p>
@@ -1471,7 +708,7 @@
           <a:p>
             <a:fld id="{22743367-B784-4F71-8C29-C0F62797FE66}" type="slidenum">
               <a:rPr lang="pl-PL" smtClean="0"/>
-              <a:t>3</a:t>
+              <a:t>4</a:t>
             </a:fld>
             <a:endParaRPr lang="pl-PL"/>
           </a:p>
@@ -1480,7 +717,7 @@
     </p:spTree>
     <p:extLst>
       <p:ext uri="{BB962C8B-B14F-4D97-AF65-F5344CB8AC3E}">
-        <p14:creationId xmlns:p14="http://schemas.microsoft.com/office/powerpoint/2010/main" val="3852424573"/>
+        <p14:creationId xmlns:p14="http://schemas.microsoft.com/office/powerpoint/2010/main" val="2236322427"/>
       </p:ext>
     </p:extLst>
   </p:cSld>
@@ -1534,10 +771,6 @@
           <a:bodyPr/>
           <a:lstStyle/>
           <a:p>
-            <a:r>
-              <a:rPr lang="pl-PL" dirty="0" smtClean="0"/>
-              <a:t>http://android.com.pl/news/48169-ktory-mobilny-system-operacyjny-ma-najwiekszy-udzial-w-rynku/</a:t>
-            </a:r>
             <a:endParaRPr lang="pl-PL" dirty="0"/>
           </a:p>
         </p:txBody>
@@ -1559,7 +792,7 @@
           <a:p>
             <a:fld id="{22743367-B784-4F71-8C29-C0F62797FE66}" type="slidenum">
               <a:rPr lang="pl-PL" smtClean="0"/>
-              <a:t>4</a:t>
+              <a:t>5</a:t>
             </a:fld>
             <a:endParaRPr lang="pl-PL"/>
           </a:p>
@@ -1568,7 +801,7 @@
     </p:spTree>
     <p:extLst>
       <p:ext uri="{BB962C8B-B14F-4D97-AF65-F5344CB8AC3E}">
-        <p14:creationId xmlns:p14="http://schemas.microsoft.com/office/powerpoint/2010/main" val="3852424573"/>
+        <p14:creationId xmlns:p14="http://schemas.microsoft.com/office/powerpoint/2010/main" val="2236322427"/>
       </p:ext>
     </p:extLst>
   </p:cSld>
@@ -1622,10 +855,6 @@
           <a:bodyPr/>
           <a:lstStyle/>
           <a:p>
-            <a:r>
-              <a:rPr lang="pl-PL" dirty="0" smtClean="0"/>
-              <a:t>Źródło: Wikipedia</a:t>
-            </a:r>
             <a:endParaRPr lang="pl-PL" dirty="0"/>
           </a:p>
         </p:txBody>
@@ -1647,7 +876,7 @@
           <a:p>
             <a:fld id="{22743367-B784-4F71-8C29-C0F62797FE66}" type="slidenum">
               <a:rPr lang="pl-PL" smtClean="0"/>
-              <a:t>5</a:t>
+              <a:t>6</a:t>
             </a:fld>
             <a:endParaRPr lang="pl-PL"/>
           </a:p>
@@ -1711,37 +940,130 @@
           <a:lstStyle/>
           <a:p>
             <a:r>
-              <a:rPr lang="pl-PL" dirty="0" smtClean="0"/>
-              <a:t>Android NDK:</a:t>
+              <a:rPr lang="en-US" b="1" dirty="0" smtClean="0"/>
+              <a:t>Android Architecture</a:t>
             </a:r>
           </a:p>
           <a:p>
             <a:r>
               <a:rPr lang="en-US" dirty="0" smtClean="0"/>
-              <a:t>The NDK is a toolset that allows you to implement parts of your app using native-code languages such as C and C++. Typically, good use cases for the NDK are CPU-intensive applications such as game engines, signal processing, and physics simulation. </a:t>
-            </a:r>
-          </a:p>
-          <a:p>
+              <a:t>The objective is the </a:t>
+            </a:r>
+            <a:r>
+              <a:rPr lang="en-US" sz="1200" b="1" kern="1200" dirty="0" smtClean="0">
+                <a:solidFill>
+                  <a:schemeClr val="tx1"/>
+                </a:solidFill>
+                <a:effectLst/>
+                <a:latin typeface="+mn-lt"/>
+                <a:ea typeface="+mn-ea"/>
+                <a:cs typeface="+mn-cs"/>
+              </a:rPr>
+              <a:t>separation of concerns</a:t>
+            </a:r>
             <a:r>
               <a:rPr lang="en-US" dirty="0" smtClean="0"/>
-              <a:t>Before downloading the NDK, you should understand that </a:t>
-            </a:r>
-            <a:r>
-              <a:rPr lang="en-US" b="1" dirty="0" smtClean="0"/>
-              <a:t>the NDK will not benefit most apps</a:t>
+              <a:t> by keeping the business rules not knowing anything at all about the outside world, thus, they can </a:t>
+            </a:r>
+            <a:r>
+              <a:rPr lang="en-US" dirty="0" err="1" smtClean="0"/>
+              <a:t>can</a:t>
             </a:r>
             <a:r>
               <a:rPr lang="en-US" dirty="0" smtClean="0"/>
-              <a:t>. As a developer, you need to balance its benefits against its drawbacks. Notably, using native code on Android generally does not result in a </a:t>
-            </a:r>
-            <a:r>
-              <a:rPr lang="en-US" dirty="0" err="1" smtClean="0"/>
-              <a:t>noticable</a:t>
-            </a:r>
-            <a:r>
+              <a:t> be tested without any dependency to any external element.</a:t>
+            </a:r>
+            <a:br>
               <a:rPr lang="en-US" dirty="0" smtClean="0"/>
-              <a:t> performance improvement, but it always increases your app complexity. In general, you should only use the NDK if it is essential to your app—never because you simply prefer to program in C/C++. When examining whether or not you should develop in native code, think about your requirements and see if the Android framework APIs provide the functionality that you need.</a:t>
-            </a:r>
+            </a:br>
+            <a:r>
+              <a:rPr lang="en-US" dirty="0" smtClean="0"/>
+              <a:t>To achieve this, </a:t>
+            </a:r>
+            <a:r>
+              <a:rPr lang="en-US" sz="1200" b="1" kern="1200" dirty="0" smtClean="0">
+                <a:solidFill>
+                  <a:schemeClr val="tx1"/>
+                </a:solidFill>
+                <a:effectLst/>
+                <a:latin typeface="+mn-lt"/>
+                <a:ea typeface="+mn-ea"/>
+                <a:cs typeface="+mn-cs"/>
+              </a:rPr>
+              <a:t>my proposal is about breaking up the project into 3 different layers,</a:t>
+            </a:r>
+            <a:r>
+              <a:rPr lang="en-US" dirty="0" smtClean="0"/>
+              <a:t> in which each one has its own purpose and works separately from the others.</a:t>
+            </a:r>
+            <a:br>
+              <a:rPr lang="en-US" dirty="0" smtClean="0"/>
+            </a:br>
+            <a:r>
+              <a:rPr lang="en-US" dirty="0" smtClean="0"/>
+              <a:t>It is worth mentioning that each layer uses its own data model so this independence can be reached (you will see in code that a data mapper is needed in order to accomplish data transformation, a price to be paid if you do not want to cross the use of your models over the entire application).</a:t>
+            </a:r>
+            <a:br>
+              <a:rPr lang="en-US" dirty="0" smtClean="0"/>
+            </a:br>
+            <a:r>
+              <a:rPr lang="en-US" dirty="0" smtClean="0"/>
+              <a:t>Here is an schema so you can see how it looks like:</a:t>
+            </a:r>
+          </a:p>
+          <a:p>
+            <a:endParaRPr lang="pl-PL" dirty="0" smtClean="0"/>
+          </a:p>
+          <a:p>
+            <a:endParaRPr lang="pl-PL" dirty="0" smtClean="0"/>
+          </a:p>
+          <a:p>
+            <a:pPr marL="0" marR="0" indent="0" algn="l" defTabSz="914400" rtl="0" eaLnBrk="1" fontAlgn="auto" latinLnBrk="0" hangingPunct="1">
+              <a:lnSpc>
+                <a:spcPct val="100000"/>
+              </a:lnSpc>
+              <a:spcBef>
+                <a:spcPts val="0"/>
+              </a:spcBef>
+              <a:spcAft>
+                <a:spcPts val="0"/>
+              </a:spcAft>
+              <a:buClrTx/>
+              <a:buSzTx/>
+              <a:buFontTx/>
+              <a:buNone/>
+              <a:tabLst/>
+              <a:defRPr/>
+            </a:pPr>
+            <a:r>
+              <a:rPr lang="pl-PL" altLang="pl-PL" sz="1200" dirty="0" smtClean="0"/>
+              <a:t>Czy nowoczesne podejście do programowania w Android, tzw. </a:t>
+            </a:r>
+            <a:r>
+              <a:rPr lang="pl-PL" sz="1200" b="1" dirty="0" smtClean="0"/>
+              <a:t>“the </a:t>
+            </a:r>
+            <a:r>
+              <a:rPr lang="pl-PL" sz="1200" b="1" dirty="0" err="1" smtClean="0"/>
+              <a:t>clean</a:t>
+            </a:r>
+            <a:r>
+              <a:rPr lang="pl-PL" sz="1200" b="1" dirty="0" smtClean="0"/>
+              <a:t> </a:t>
+            </a:r>
+            <a:r>
+              <a:rPr lang="pl-PL" sz="1200" b="1" dirty="0" err="1" smtClean="0"/>
+              <a:t>architecture</a:t>
+            </a:r>
+            <a:r>
+              <a:rPr lang="pl-PL" sz="1200" b="1" dirty="0" smtClean="0"/>
+              <a:t>”</a:t>
+            </a:r>
+            <a:r>
+              <a:rPr lang="pl-PL" sz="1200" dirty="0" smtClean="0"/>
+              <a:t>, będzie miało wpływ na poprawienie testowalności i pielęgnowalności aplikacji</a:t>
+            </a:r>
+            <a:endParaRPr lang="pl-PL" altLang="pl-PL" sz="1200" dirty="0" smtClean="0"/>
           </a:p>
           <a:p>
             <a:endParaRPr lang="pl-PL" dirty="0"/>
@@ -1765,7 +1087,7 @@
           <a:p>
             <a:fld id="{22743367-B784-4F71-8C29-C0F62797FE66}" type="slidenum">
               <a:rPr lang="pl-PL" smtClean="0"/>
-              <a:t>6</a:t>
+              <a:t>7</a:t>
             </a:fld>
             <a:endParaRPr lang="pl-PL"/>
           </a:p>
@@ -1828,49 +1150,6 @@
           <a:bodyPr/>
           <a:lstStyle/>
           <a:p>
-            <a:pPr marL="0" marR="0" indent="0" algn="l" defTabSz="914400" rtl="0" eaLnBrk="1" fontAlgn="auto" latinLnBrk="0" hangingPunct="1">
-              <a:lnSpc>
-                <a:spcPct val="100000"/>
-              </a:lnSpc>
-              <a:spcBef>
-                <a:spcPts val="0"/>
-              </a:spcBef>
-              <a:spcAft>
-                <a:spcPts val="0"/>
-              </a:spcAft>
-              <a:buClrTx/>
-              <a:buSzTx/>
-              <a:buFontTx/>
-              <a:buNone/>
-              <a:tabLst/>
-              <a:defRPr/>
-            </a:pPr>
-            <a:r>
-              <a:rPr lang="pl-PL" dirty="0" smtClean="0"/>
-              <a:t>ISTQB: International Software </a:t>
-            </a:r>
-            <a:r>
-              <a:rPr lang="pl-PL" dirty="0" err="1" smtClean="0"/>
-              <a:t>Testing</a:t>
-            </a:r>
-            <a:r>
-              <a:rPr lang="pl-PL" dirty="0" smtClean="0"/>
-              <a:t> </a:t>
-            </a:r>
-            <a:r>
-              <a:rPr lang="pl-PL" dirty="0" err="1" smtClean="0"/>
-              <a:t>Qualifications</a:t>
-            </a:r>
-            <a:r>
-              <a:rPr lang="pl-PL" baseline="0" dirty="0" smtClean="0"/>
-              <a:t> Board</a:t>
-            </a:r>
-            <a:r>
-              <a:rPr lang="pl-PL" dirty="0" smtClean="0"/>
-              <a:t> </a:t>
-            </a:r>
-          </a:p>
-          <a:p>
             <a:endParaRPr lang="pl-PL" dirty="0"/>
           </a:p>
         </p:txBody>
@@ -1892,7 +1171,7 @@
           <a:p>
             <a:fld id="{22743367-B784-4F71-8C29-C0F62797FE66}" type="slidenum">
               <a:rPr lang="pl-PL" smtClean="0"/>
-              <a:t>7</a:t>
+              <a:t>8</a:t>
             </a:fld>
             <a:endParaRPr lang="pl-PL"/>
           </a:p>
@@ -1976,7 +1255,7 @@
           <a:p>
             <a:fld id="{22743367-B784-4F71-8C29-C0F62797FE66}" type="slidenum">
               <a:rPr lang="pl-PL" smtClean="0"/>
-              <a:t>8</a:t>
+              <a:t>9</a:t>
             </a:fld>
             <a:endParaRPr lang="pl-PL"/>
           </a:p>
@@ -2060,7 +1339,7 @@
           <a:p>
             <a:fld id="{22743367-B784-4F71-8C29-C0F62797FE66}" type="slidenum">
               <a:rPr lang="pl-PL" smtClean="0"/>
-              <a:t>9</a:t>
+              <a:t>10</a:t>
             </a:fld>
             <a:endParaRPr lang="pl-PL"/>
           </a:p>
@@ -2123,133 +1402,6 @@
           <a:bodyPr/>
           <a:lstStyle/>
           <a:p>
-            <a:r>
-              <a:rPr lang="en-US" b="1" dirty="0" smtClean="0"/>
-              <a:t>Android Architecture</a:t>
-            </a:r>
-          </a:p>
-          <a:p>
-            <a:r>
-              <a:rPr lang="en-US" dirty="0" smtClean="0"/>
-              <a:t>The objective is the </a:t>
-            </a:r>
-            <a:r>
-              <a:rPr lang="en-US" sz="1200" b="1" kern="1200" dirty="0" smtClean="0">
-                <a:solidFill>
-                  <a:schemeClr val="tx1"/>
-                </a:solidFill>
-                <a:effectLst/>
-                <a:latin typeface="+mn-lt"/>
-                <a:ea typeface="+mn-ea"/>
-                <a:cs typeface="+mn-cs"/>
-              </a:rPr>
-              <a:t>separation of concerns</a:t>
-            </a:r>
-            <a:r>
-              <a:rPr lang="en-US" dirty="0" smtClean="0"/>
-              <a:t> by keeping the business rules not knowing anything at all about the outside world, thus, they can </a:t>
-            </a:r>
-            <a:r>
-              <a:rPr lang="en-US" dirty="0" err="1" smtClean="0"/>
-              <a:t>can</a:t>
-            </a:r>
-            <a:r>
-              <a:rPr lang="en-US" dirty="0" smtClean="0"/>
-              <a:t> be tested without any dependency to any external element.</a:t>
-            </a:r>
-            <a:br>
-              <a:rPr lang="en-US" dirty="0" smtClean="0"/>
-            </a:br>
-            <a:r>
-              <a:rPr lang="en-US" dirty="0" smtClean="0"/>
-              <a:t>To achieve this, </a:t>
-            </a:r>
-            <a:r>
-              <a:rPr lang="en-US" sz="1200" b="1" kern="1200" dirty="0" smtClean="0">
-                <a:solidFill>
-                  <a:schemeClr val="tx1"/>
-                </a:solidFill>
-                <a:effectLst/>
-                <a:latin typeface="+mn-lt"/>
-                <a:ea typeface="+mn-ea"/>
-                <a:cs typeface="+mn-cs"/>
-              </a:rPr>
-              <a:t>my proposal is about breaking up the project into 3 different layers,</a:t>
-            </a:r>
-            <a:r>
-              <a:rPr lang="en-US" dirty="0" smtClean="0"/>
-              <a:t> in which each one has its own purpose and works separately from the others.</a:t>
-            </a:r>
-            <a:br>
-              <a:rPr lang="en-US" dirty="0" smtClean="0"/>
-            </a:br>
-            <a:r>
-              <a:rPr lang="en-US" dirty="0" smtClean="0"/>
-              <a:t>It is worth mentioning that each layer uses its own data model so this independence can be reached (you will see in code that a data mapper is needed in order to accomplish data transformation, a price to be paid if you do not want to cross the use of your models over the entire application).</a:t>
-            </a:r>
-            <a:br>
-              <a:rPr lang="en-US" dirty="0" smtClean="0"/>
-            </a:br>
-            <a:r>
-              <a:rPr lang="en-US" dirty="0" smtClean="0"/>
-              <a:t>Here is an schema so you can see how it looks like:</a:t>
-            </a:r>
-          </a:p>
-          <a:p>
-            <a:endParaRPr lang="pl-PL" dirty="0" smtClean="0"/>
-          </a:p>
-          <a:p>
-            <a:endParaRPr lang="pl-PL" dirty="0" smtClean="0"/>
-          </a:p>
-          <a:p>
-            <a:pPr marL="0" marR="0" indent="0" algn="l" defTabSz="914400" rtl="0" eaLnBrk="1" fontAlgn="auto" latinLnBrk="0" hangingPunct="1">
-              <a:lnSpc>
-                <a:spcPct val="100000"/>
-              </a:lnSpc>
-              <a:spcBef>
-                <a:spcPts val="0"/>
-              </a:spcBef>
-              <a:spcAft>
-                <a:spcPts val="0"/>
-              </a:spcAft>
-              <a:buClrTx/>
-              <a:buSzTx/>
-              <a:buFontTx/>
-              <a:buNone/>
-              <a:tabLst/>
-              <a:defRPr/>
-            </a:pPr>
-            <a:r>
-              <a:rPr lang="pl-PL" altLang="pl-PL" sz="1200" dirty="0" smtClean="0"/>
-              <a:t>Czy nowoczesne podejście do programowania w Android, tzw. </a:t>
-            </a:r>
-            <a:r>
-              <a:rPr lang="pl-PL" sz="1200" b="1" dirty="0" smtClean="0"/>
-              <a:t>“the </a:t>
-            </a:r>
-            <a:r>
-              <a:rPr lang="pl-PL" sz="1200" b="1" dirty="0" err="1" smtClean="0"/>
-              <a:t>clean</a:t>
-            </a:r>
-            <a:r>
-              <a:rPr lang="pl-PL" sz="1200" b="1" dirty="0" smtClean="0"/>
-              <a:t> </a:t>
-            </a:r>
-            <a:r>
-              <a:rPr lang="pl-PL" sz="1200" b="1" dirty="0" err="1" smtClean="0"/>
-              <a:t>architecture</a:t>
-            </a:r>
-            <a:r>
-              <a:rPr lang="pl-PL" sz="1200" b="1" dirty="0" smtClean="0"/>
-              <a:t>”</a:t>
-            </a:r>
-            <a:r>
-              <a:rPr lang="pl-PL" sz="1200" dirty="0" smtClean="0"/>
-              <a:t>, będzie miało wpływ na poprawienie testowalności i pielęgnowalności aplikacji</a:t>
-            </a:r>
-            <a:endParaRPr lang="pl-PL" altLang="pl-PL" sz="1200" dirty="0" smtClean="0"/>
-          </a:p>
-          <a:p>
             <a:endParaRPr lang="pl-PL" dirty="0"/>
           </a:p>
         </p:txBody>
@@ -2271,7 +1423,7 @@
           <a:p>
             <a:fld id="{22743367-B784-4F71-8C29-C0F62797FE66}" type="slidenum">
               <a:rPr lang="pl-PL" smtClean="0"/>
-              <a:t>10</a:t>
+              <a:t>11</a:t>
             </a:fld>
             <a:endParaRPr lang="pl-PL"/>
           </a:p>
@@ -2471,7 +1623,7 @@
           <a:p>
             <a:fld id="{50135757-D3A2-4B58-B5BC-E38DD5A76FD6}" type="datetimeFigureOut">
               <a:rPr lang="pl-PL" smtClean="0"/>
-              <a:t>2016-05-01</a:t>
+              <a:t>2016-05-03</a:t>
             </a:fld>
             <a:endParaRPr lang="pl-PL"/>
           </a:p>
@@ -2641,7 +1793,7 @@
           <a:p>
             <a:fld id="{50135757-D3A2-4B58-B5BC-E38DD5A76FD6}" type="datetimeFigureOut">
               <a:rPr lang="pl-PL" smtClean="0"/>
-              <a:t>2016-05-01</a:t>
+              <a:t>2016-05-03</a:t>
             </a:fld>
             <a:endParaRPr lang="pl-PL"/>
           </a:p>
@@ -2821,7 +1973,7 @@
           <a:p>
             <a:fld id="{50135757-D3A2-4B58-B5BC-E38DD5A76FD6}" type="datetimeFigureOut">
               <a:rPr lang="pl-PL" smtClean="0"/>
-              <a:t>2016-05-01</a:t>
+              <a:t>2016-05-03</a:t>
             </a:fld>
             <a:endParaRPr lang="pl-PL"/>
           </a:p>
@@ -2991,7 +2143,7 @@
           <a:p>
             <a:fld id="{50135757-D3A2-4B58-B5BC-E38DD5A76FD6}" type="datetimeFigureOut">
               <a:rPr lang="pl-PL" smtClean="0"/>
-              <a:t>2016-05-01</a:t>
+              <a:t>2016-05-03</a:t>
             </a:fld>
             <a:endParaRPr lang="pl-PL"/>
           </a:p>
@@ -3237,7 +2389,7 @@
           <a:p>
             <a:fld id="{50135757-D3A2-4B58-B5BC-E38DD5A76FD6}" type="datetimeFigureOut">
               <a:rPr lang="pl-PL" smtClean="0"/>
-              <a:t>2016-05-01</a:t>
+              <a:t>2016-05-03</a:t>
             </a:fld>
             <a:endParaRPr lang="pl-PL"/>
           </a:p>
@@ -3525,7 +2677,7 @@
           <a:p>
             <a:fld id="{50135757-D3A2-4B58-B5BC-E38DD5A76FD6}" type="datetimeFigureOut">
               <a:rPr lang="pl-PL" smtClean="0"/>
-              <a:t>2016-05-01</a:t>
+              <a:t>2016-05-03</a:t>
             </a:fld>
             <a:endParaRPr lang="pl-PL"/>
           </a:p>
@@ -3947,7 +3099,7 @@
           <a:p>
             <a:fld id="{50135757-D3A2-4B58-B5BC-E38DD5A76FD6}" type="datetimeFigureOut">
               <a:rPr lang="pl-PL" smtClean="0"/>
-              <a:t>2016-05-01</a:t>
+              <a:t>2016-05-03</a:t>
             </a:fld>
             <a:endParaRPr lang="pl-PL"/>
           </a:p>
@@ -4065,7 +3217,7 @@
           <a:p>
             <a:fld id="{50135757-D3A2-4B58-B5BC-E38DD5A76FD6}" type="datetimeFigureOut">
               <a:rPr lang="pl-PL" smtClean="0"/>
-              <a:t>2016-05-01</a:t>
+              <a:t>2016-05-03</a:t>
             </a:fld>
             <a:endParaRPr lang="pl-PL"/>
           </a:p>
@@ -4160,7 +3312,7 @@
           <a:p>
             <a:fld id="{50135757-D3A2-4B58-B5BC-E38DD5A76FD6}" type="datetimeFigureOut">
               <a:rPr lang="pl-PL" smtClean="0"/>
-              <a:t>2016-05-01</a:t>
+              <a:t>2016-05-03</a:t>
             </a:fld>
             <a:endParaRPr lang="pl-PL"/>
           </a:p>
@@ -4437,7 +3589,7 @@
           <a:p>
             <a:fld id="{50135757-D3A2-4B58-B5BC-E38DD5A76FD6}" type="datetimeFigureOut">
               <a:rPr lang="pl-PL" smtClean="0"/>
-              <a:t>2016-05-01</a:t>
+              <a:t>2016-05-03</a:t>
             </a:fld>
             <a:endParaRPr lang="pl-PL"/>
           </a:p>
@@ -4690,7 +3842,7 @@
           <a:p>
             <a:fld id="{50135757-D3A2-4B58-B5BC-E38DD5A76FD6}" type="datetimeFigureOut">
               <a:rPr lang="pl-PL" smtClean="0"/>
-              <a:t>2016-05-01</a:t>
+              <a:t>2016-05-03</a:t>
             </a:fld>
             <a:endParaRPr lang="pl-PL"/>
           </a:p>
@@ -4903,7 +4055,7 @@
           <a:p>
             <a:fld id="{50135757-D3A2-4B58-B5BC-E38DD5A76FD6}" type="datetimeFigureOut">
               <a:rPr lang="pl-PL" smtClean="0"/>
-              <a:t>2016-05-01</a:t>
+              <a:t>2016-05-03</a:t>
             </a:fld>
             <a:endParaRPr lang="pl-PL"/>
           </a:p>
@@ -5431,7 +4583,7 @@
         </p:nvSpPr>
         <p:spPr>
           <a:xfrm>
-            <a:off x="467544" y="5661248"/>
+            <a:off x="467544" y="6049848"/>
             <a:ext cx="8183880" cy="691520"/>
           </a:xfrm>
         </p:spPr>
@@ -5442,7 +4594,16 @@
           <a:lstStyle/>
           <a:p>
             <a:r>
-              <a:rPr lang="pl-PL" sz="1400" dirty="0" smtClean="0"/>
+              <a:rPr lang="pl-PL" sz="1400" dirty="0">
+                <a:ln w="0">
+                  <a:noFill/>
+                </a:ln>
+                <a:solidFill>
+                  <a:schemeClr val="bg1">
+                    <a:lumMod val="50000"/>
+                  </a:schemeClr>
+                </a:solidFill>
+              </a:rPr>
               <a:t>Rafał Sowiak – „Testowalność aplikacji mobilnych na platformę Android”</a:t>
             </a:r>
             <a:endParaRPr lang="pl-PL" sz="1400" dirty="0"/>
@@ -5473,7 +4634,1706 @@
           <a:p>
             <a:r>
               <a:rPr lang="pl-PL" dirty="0" smtClean="0"/>
-              <a:t>Powszechnie stosowana struktura aplikacji dla systemu Android</a:t>
+              <a:t>Wyniki badań dla testów jednostkowych </a:t>
+            </a:r>
+            <a:br>
+              <a:rPr lang="pl-PL" dirty="0" smtClean="0"/>
+            </a:br>
+            <a:r>
+              <a:rPr lang="pl-PL" sz="1400" dirty="0" smtClean="0"/>
+              <a:t>(Aplikacja: </a:t>
+            </a:r>
+            <a:r>
+              <a:rPr lang="en-US" sz="1400" i="1" dirty="0"/>
+              <a:t>JSON Web Token Authentication for </a:t>
+            </a:r>
+            <a:r>
+              <a:rPr lang="en-US" sz="1400" i="1" dirty="0" smtClean="0"/>
+              <a:t>Android</a:t>
+            </a:r>
+            <a:r>
+              <a:rPr lang="pl-PL" sz="1400" dirty="0" smtClean="0"/>
+              <a:t>, Autor: Wictor Albertos)</a:t>
+            </a:r>
+            <a:br>
+              <a:rPr lang="pl-PL" sz="1400" dirty="0" smtClean="0"/>
+            </a:br>
+            <a:endParaRPr lang="pl-PL" sz="1400" dirty="0" smtClean="0"/>
+          </a:p>
+          <a:p>
+            <a:pPr>
+              <a:buFont typeface="Wingdings" panose="05000000000000000000" pitchFamily="2" charset="2"/>
+              <a:buChar char="Ø"/>
+            </a:pPr>
+            <a:endParaRPr lang="pl-PL" sz="2400" dirty="0"/>
+          </a:p>
+        </p:txBody>
+      </p:sp>
+      <p:pic>
+        <p:nvPicPr>
+          <p:cNvPr id="2050" name="Picture 2"/>
+          <p:cNvPicPr>
+            <a:picLocks noChangeAspect="1" noChangeArrowheads="1"/>
+          </p:cNvPicPr>
+          <p:nvPr/>
+        </p:nvPicPr>
+        <p:blipFill>
+          <a:blip r:embed="rId3">
+            <a:extLst>
+              <a:ext uri="{28A0092B-C50C-407E-A947-70E740481C1C}">
+                <a14:useLocalDpi xmlns:a14="http://schemas.microsoft.com/office/drawing/2010/main" val="0"/>
+              </a:ext>
+            </a:extLst>
+          </a:blip>
+          <a:srcRect/>
+          <a:stretch>
+            <a:fillRect/>
+          </a:stretch>
+        </p:blipFill>
+        <p:spPr bwMode="auto">
+          <a:xfrm>
+            <a:off x="683568" y="1995859"/>
+            <a:ext cx="3657261" cy="3013125"/>
+          </a:xfrm>
+          <a:prstGeom prst="rect">
+            <a:avLst/>
+          </a:prstGeom>
+          <a:noFill/>
+          <a:ln>
+            <a:noFill/>
+          </a:ln>
+          <a:extLst>
+            <a:ext uri="{909E8E84-426E-40DD-AFC4-6F175D3DCCD1}">
+              <a14:hiddenFill xmlns:a14="http://schemas.microsoft.com/office/drawing/2010/main">
+                <a:solidFill>
+                  <a:schemeClr val="accent1"/>
+                </a:solidFill>
+              </a14:hiddenFill>
+            </a:ext>
+            <a:ext uri="{91240B29-F687-4F45-9708-019B960494DF}">
+              <a14:hiddenLine xmlns:a14="http://schemas.microsoft.com/office/drawing/2010/main" w="9525">
+                <a:solidFill>
+                  <a:schemeClr val="tx1"/>
+                </a:solidFill>
+                <a:miter lim="800000"/>
+                <a:headEnd/>
+                <a:tailEnd/>
+              </a14:hiddenLine>
+            </a:ext>
+          </a:extLst>
+        </p:spPr>
+      </p:pic>
+      <p:pic>
+        <p:nvPicPr>
+          <p:cNvPr id="2051" name="Picture 3"/>
+          <p:cNvPicPr>
+            <a:picLocks noChangeAspect="1" noChangeArrowheads="1"/>
+          </p:cNvPicPr>
+          <p:nvPr/>
+        </p:nvPicPr>
+        <p:blipFill>
+          <a:blip r:embed="rId4">
+            <a:extLst>
+              <a:ext uri="{28A0092B-C50C-407E-A947-70E740481C1C}">
+                <a14:useLocalDpi xmlns:a14="http://schemas.microsoft.com/office/drawing/2010/main" val="0"/>
+              </a:ext>
+            </a:extLst>
+          </a:blip>
+          <a:srcRect/>
+          <a:stretch>
+            <a:fillRect/>
+          </a:stretch>
+        </p:blipFill>
+        <p:spPr bwMode="auto">
+          <a:xfrm>
+            <a:off x="4499992" y="1995859"/>
+            <a:ext cx="3725598" cy="3161333"/>
+          </a:xfrm>
+          <a:prstGeom prst="rect">
+            <a:avLst/>
+          </a:prstGeom>
+          <a:noFill/>
+          <a:ln>
+            <a:noFill/>
+          </a:ln>
+          <a:extLst>
+            <a:ext uri="{909E8E84-426E-40DD-AFC4-6F175D3DCCD1}">
+              <a14:hiddenFill xmlns:a14="http://schemas.microsoft.com/office/drawing/2010/main">
+                <a:solidFill>
+                  <a:schemeClr val="accent1"/>
+                </a:solidFill>
+              </a14:hiddenFill>
+            </a:ext>
+            <a:ext uri="{91240B29-F687-4F45-9708-019B960494DF}">
+              <a14:hiddenLine xmlns:a14="http://schemas.microsoft.com/office/drawing/2010/main" w="9525">
+                <a:solidFill>
+                  <a:schemeClr val="tx1"/>
+                </a:solidFill>
+                <a:miter lim="800000"/>
+                <a:headEnd/>
+                <a:tailEnd/>
+              </a14:hiddenLine>
+            </a:ext>
+          </a:extLst>
+        </p:spPr>
+      </p:pic>
+    </p:spTree>
+    <p:extLst>
+      <p:ext uri="{BB962C8B-B14F-4D97-AF65-F5344CB8AC3E}">
+        <p14:creationId xmlns:p14="http://schemas.microsoft.com/office/powerpoint/2010/main" val="2463150376"/>
+      </p:ext>
+    </p:extLst>
+  </p:cSld>
+  <p:clrMapOvr>
+    <a:masterClrMapping/>
+  </p:clrMapOvr>
+  <p:timing>
+    <p:tnLst>
+      <p:par>
+        <p:cTn id="1" dur="indefinite" restart="never" nodeType="tmRoot"/>
+      </p:par>
+    </p:tnLst>
+  </p:timing>
+</p:sld>
+</file>
+
+<file path=ppt/slides/slide11.xml><?xml version="1.0" encoding="utf-8"?>
+<p:sld xmlns:a="http://schemas.openxmlformats.org/drawingml/2006/main" xmlns:r="http://schemas.openxmlformats.org/officeDocument/2006/relationships" xmlns:p="http://schemas.openxmlformats.org/presentationml/2006/main">
+  <p:cSld>
+    <p:spTree>
+      <p:nvGrpSpPr>
+        <p:cNvPr id="1" name=""/>
+        <p:cNvGrpSpPr/>
+        <p:nvPr/>
+      </p:nvGrpSpPr>
+      <p:grpSpPr>
+        <a:xfrm>
+          <a:off x="0" y="0"/>
+          <a:ext cx="0" cy="0"/>
+          <a:chOff x="0" y="0"/>
+          <a:chExt cx="0" cy="0"/>
+        </a:xfrm>
+      </p:grpSpPr>
+      <p:sp>
+        <p:nvSpPr>
+          <p:cNvPr id="2" name="Tytuł 1"/>
+          <p:cNvSpPr>
+            <a:spLocks noGrp="1"/>
+          </p:cNvSpPr>
+          <p:nvPr>
+            <p:ph type="title"/>
+          </p:nvPr>
+        </p:nvSpPr>
+        <p:spPr>
+          <a:xfrm>
+            <a:off x="467544" y="6049848"/>
+            <a:ext cx="8183880" cy="691520"/>
+          </a:xfrm>
+        </p:spPr>
+        <p:txBody>
+          <a:bodyPr>
+            <a:normAutofit/>
+          </a:bodyPr>
+          <a:lstStyle/>
+          <a:p>
+            <a:r>
+              <a:rPr lang="pl-PL" sz="1400" dirty="0">
+                <a:ln w="0">
+                  <a:noFill/>
+                </a:ln>
+                <a:solidFill>
+                  <a:schemeClr val="bg1">
+                    <a:lumMod val="50000"/>
+                  </a:schemeClr>
+                </a:solidFill>
+              </a:rPr>
+              <a:t>Rafał Sowiak – „Testowalność aplikacji mobilnych na platformę Android”</a:t>
+            </a:r>
+            <a:endParaRPr lang="pl-PL" sz="1400" dirty="0"/>
+          </a:p>
+        </p:txBody>
+      </p:sp>
+      <p:sp>
+        <p:nvSpPr>
+          <p:cNvPr id="3" name="Symbol zastępczy zawartości 2"/>
+          <p:cNvSpPr>
+            <a:spLocks noGrp="1"/>
+          </p:cNvSpPr>
+          <p:nvPr>
+            <p:ph idx="1"/>
+          </p:nvPr>
+        </p:nvSpPr>
+        <p:spPr>
+          <a:xfrm>
+            <a:off x="502920" y="530352"/>
+            <a:ext cx="8183880" cy="5346920"/>
+          </a:xfrm>
+        </p:spPr>
+        <p:txBody>
+          <a:bodyPr>
+            <a:normAutofit/>
+          </a:bodyPr>
+          <a:lstStyle/>
+          <a:p>
+            <a:r>
+              <a:rPr lang="pl-PL" dirty="0" smtClean="0"/>
+              <a:t>Wyniki badań dla testów integracyjnych </a:t>
+            </a:r>
+            <a:br>
+              <a:rPr lang="pl-PL" dirty="0" smtClean="0"/>
+            </a:br>
+            <a:r>
+              <a:rPr lang="pl-PL" sz="1400" dirty="0" smtClean="0"/>
+              <a:t>(Aplikacja: </a:t>
+            </a:r>
+            <a:r>
+              <a:rPr lang="en-US" sz="1400" i="1" dirty="0"/>
+              <a:t>JSON Web Token Authentication for </a:t>
+            </a:r>
+            <a:r>
+              <a:rPr lang="en-US" sz="1400" i="1" dirty="0" smtClean="0"/>
+              <a:t>Android</a:t>
+            </a:r>
+            <a:r>
+              <a:rPr lang="pl-PL" sz="1400" dirty="0" smtClean="0"/>
+              <a:t>, Autor: Wictor Albertos)</a:t>
+            </a:r>
+            <a:br>
+              <a:rPr lang="pl-PL" sz="1400" dirty="0" smtClean="0"/>
+            </a:br>
+            <a:endParaRPr lang="pl-PL" sz="1400" dirty="0" smtClean="0"/>
+          </a:p>
+          <a:p>
+            <a:pPr>
+              <a:buFont typeface="Wingdings" panose="05000000000000000000" pitchFamily="2" charset="2"/>
+              <a:buChar char="Ø"/>
+            </a:pPr>
+            <a:endParaRPr lang="pl-PL" sz="2400" dirty="0"/>
+          </a:p>
+        </p:txBody>
+      </p:sp>
+      <p:pic>
+        <p:nvPicPr>
+          <p:cNvPr id="1027" name="Picture 3"/>
+          <p:cNvPicPr>
+            <a:picLocks noChangeAspect="1" noChangeArrowheads="1"/>
+          </p:cNvPicPr>
+          <p:nvPr/>
+        </p:nvPicPr>
+        <p:blipFill>
+          <a:blip r:embed="rId3">
+            <a:extLst>
+              <a:ext uri="{28A0092B-C50C-407E-A947-70E740481C1C}">
+                <a14:useLocalDpi xmlns:a14="http://schemas.microsoft.com/office/drawing/2010/main" val="0"/>
+              </a:ext>
+            </a:extLst>
+          </a:blip>
+          <a:srcRect/>
+          <a:stretch>
+            <a:fillRect/>
+          </a:stretch>
+        </p:blipFill>
+        <p:spPr bwMode="auto">
+          <a:xfrm>
+            <a:off x="2158580" y="1973188"/>
+            <a:ext cx="4213620" cy="3616052"/>
+          </a:xfrm>
+          <a:prstGeom prst="rect">
+            <a:avLst/>
+          </a:prstGeom>
+          <a:noFill/>
+          <a:ln>
+            <a:noFill/>
+          </a:ln>
+          <a:extLst>
+            <a:ext uri="{909E8E84-426E-40DD-AFC4-6F175D3DCCD1}">
+              <a14:hiddenFill xmlns:a14="http://schemas.microsoft.com/office/drawing/2010/main">
+                <a:solidFill>
+                  <a:schemeClr val="accent1"/>
+                </a:solidFill>
+              </a14:hiddenFill>
+            </a:ext>
+            <a:ext uri="{91240B29-F687-4F45-9708-019B960494DF}">
+              <a14:hiddenLine xmlns:a14="http://schemas.microsoft.com/office/drawing/2010/main" w="9525">
+                <a:solidFill>
+                  <a:schemeClr val="tx1"/>
+                </a:solidFill>
+                <a:miter lim="800000"/>
+                <a:headEnd/>
+                <a:tailEnd/>
+              </a14:hiddenLine>
+            </a:ext>
+          </a:extLst>
+        </p:spPr>
+      </p:pic>
+    </p:spTree>
+    <p:extLst>
+      <p:ext uri="{BB962C8B-B14F-4D97-AF65-F5344CB8AC3E}">
+        <p14:creationId xmlns:p14="http://schemas.microsoft.com/office/powerpoint/2010/main" val="1554161091"/>
+      </p:ext>
+    </p:extLst>
+  </p:cSld>
+  <p:clrMapOvr>
+    <a:masterClrMapping/>
+  </p:clrMapOvr>
+  <p:timing>
+    <p:tnLst>
+      <p:par>
+        <p:cTn id="1" dur="indefinite" restart="never" nodeType="tmRoot"/>
+      </p:par>
+    </p:tnLst>
+  </p:timing>
+</p:sld>
+</file>
+
+<file path=ppt/slides/slide12.xml><?xml version="1.0" encoding="utf-8"?>
+<p:sld xmlns:a="http://schemas.openxmlformats.org/drawingml/2006/main" xmlns:r="http://schemas.openxmlformats.org/officeDocument/2006/relationships" xmlns:p="http://schemas.openxmlformats.org/presentationml/2006/main">
+  <p:cSld>
+    <p:spTree>
+      <p:nvGrpSpPr>
+        <p:cNvPr id="1" name=""/>
+        <p:cNvGrpSpPr/>
+        <p:nvPr/>
+      </p:nvGrpSpPr>
+      <p:grpSpPr>
+        <a:xfrm>
+          <a:off x="0" y="0"/>
+          <a:ext cx="0" cy="0"/>
+          <a:chOff x="0" y="0"/>
+          <a:chExt cx="0" cy="0"/>
+        </a:xfrm>
+      </p:grpSpPr>
+      <p:sp>
+        <p:nvSpPr>
+          <p:cNvPr id="2" name="Tytuł 1"/>
+          <p:cNvSpPr>
+            <a:spLocks noGrp="1"/>
+          </p:cNvSpPr>
+          <p:nvPr>
+            <p:ph type="title"/>
+          </p:nvPr>
+        </p:nvSpPr>
+        <p:spPr>
+          <a:xfrm>
+            <a:off x="467544" y="6049848"/>
+            <a:ext cx="8183880" cy="691520"/>
+          </a:xfrm>
+        </p:spPr>
+        <p:txBody>
+          <a:bodyPr>
+            <a:normAutofit/>
+          </a:bodyPr>
+          <a:lstStyle/>
+          <a:p>
+            <a:r>
+              <a:rPr lang="pl-PL" sz="1400" dirty="0">
+                <a:ln w="0">
+                  <a:noFill/>
+                </a:ln>
+                <a:solidFill>
+                  <a:schemeClr val="bg1">
+                    <a:lumMod val="50000"/>
+                  </a:schemeClr>
+                </a:solidFill>
+              </a:rPr>
+              <a:t>Rafał Sowiak – „Testowalność aplikacji mobilnych na platformę Android”</a:t>
+            </a:r>
+            <a:endParaRPr lang="pl-PL" sz="1400" dirty="0"/>
+          </a:p>
+        </p:txBody>
+      </p:sp>
+      <p:sp>
+        <p:nvSpPr>
+          <p:cNvPr id="3" name="Symbol zastępczy zawartości 2"/>
+          <p:cNvSpPr>
+            <a:spLocks noGrp="1"/>
+          </p:cNvSpPr>
+          <p:nvPr>
+            <p:ph idx="1"/>
+          </p:nvPr>
+        </p:nvSpPr>
+        <p:spPr>
+          <a:xfrm>
+            <a:off x="502920" y="530352"/>
+            <a:ext cx="8183880" cy="5130896"/>
+          </a:xfrm>
+        </p:spPr>
+        <p:txBody>
+          <a:bodyPr>
+            <a:normAutofit/>
+          </a:bodyPr>
+          <a:lstStyle/>
+          <a:p>
+            <a:r>
+              <a:rPr lang="pl-PL" dirty="0" smtClean="0"/>
+              <a:t>Wnioski końcowe</a:t>
+            </a:r>
+          </a:p>
+          <a:p>
+            <a:pPr marL="0" indent="0">
+              <a:buNone/>
+            </a:pPr>
+            <a:endParaRPr lang="pl-PL" sz="2400" dirty="0" smtClean="0"/>
+          </a:p>
+          <a:p>
+            <a:pPr>
+              <a:buFont typeface="Wingdings" panose="05000000000000000000" pitchFamily="2" charset="2"/>
+              <a:buChar char="ü"/>
+            </a:pPr>
+            <a:r>
+              <a:rPr lang="pl-PL" sz="2400" dirty="0" smtClean="0"/>
+              <a:t>Przeprowadzone badania pokazują, że wykorzystanie </a:t>
+            </a:r>
+            <a:r>
+              <a:rPr lang="pl-PL" sz="2400" i="1" dirty="0" smtClean="0"/>
+              <a:t>The Clean Architecture</a:t>
+            </a:r>
+            <a:r>
+              <a:rPr lang="pl-PL" sz="2400" dirty="0" smtClean="0"/>
+              <a:t> oraz </a:t>
+            </a:r>
+            <a:r>
+              <a:rPr lang="pl-PL" sz="2400" i="1" dirty="0" smtClean="0"/>
+              <a:t>Test Triven Development</a:t>
+            </a:r>
+            <a:r>
+              <a:rPr lang="pl-PL" sz="2400" dirty="0" smtClean="0"/>
+              <a:t> wydaje się właściwe dla polepszenia testowalności badanej aplikacji:</a:t>
+            </a:r>
+          </a:p>
+          <a:p>
+            <a:pPr>
+              <a:buFont typeface="Wingdings" panose="05000000000000000000" pitchFamily="2" charset="2"/>
+              <a:buChar char="q"/>
+            </a:pPr>
+            <a:r>
+              <a:rPr lang="pl-PL" sz="1900" dirty="0" smtClean="0"/>
+              <a:t>ilość testów jednostkowych zmalała sześciokrotnie</a:t>
+            </a:r>
+          </a:p>
+          <a:p>
+            <a:pPr>
+              <a:buFont typeface="Wingdings" panose="05000000000000000000" pitchFamily="2" charset="2"/>
+              <a:buChar char="q"/>
+            </a:pPr>
+            <a:r>
+              <a:rPr lang="pl-PL" sz="1900" dirty="0" smtClean="0"/>
+              <a:t>czas wykonania testów jednostkowych został skrócony trzykrotnie</a:t>
+            </a:r>
+          </a:p>
+          <a:p>
+            <a:pPr>
+              <a:buFont typeface="Wingdings" panose="05000000000000000000" pitchFamily="2" charset="2"/>
+              <a:buChar char="q"/>
+            </a:pPr>
+            <a:r>
+              <a:rPr lang="pl-PL" sz="1900" dirty="0" smtClean="0"/>
+              <a:t>przewidywany zysk w zakresie czasu wykonania testów integracyjnych może być nawet czterdziestokrotnie krótszy</a:t>
+            </a:r>
+          </a:p>
+          <a:p>
+            <a:pPr>
+              <a:buFont typeface="Wingdings" panose="05000000000000000000" pitchFamily="2" charset="2"/>
+              <a:buChar char="ü"/>
+            </a:pPr>
+            <a:endParaRPr lang="pl-PL" sz="2400" dirty="0"/>
+          </a:p>
+          <a:p>
+            <a:pPr>
+              <a:buFont typeface="Wingdings" panose="05000000000000000000" pitchFamily="2" charset="2"/>
+              <a:buChar char="ü"/>
+            </a:pPr>
+            <a:r>
+              <a:rPr lang="pl-PL" sz="2400" dirty="0" smtClean="0"/>
+              <a:t>Planowane jest przeprowadzenie badań w zakresie testów systemowych i </a:t>
+            </a:r>
+            <a:r>
+              <a:rPr lang="pl-PL" sz="2400" dirty="0" smtClean="0"/>
+              <a:t>akceptacyjnych</a:t>
+            </a:r>
+            <a:endParaRPr lang="pl-PL" sz="1300" dirty="0"/>
+          </a:p>
+        </p:txBody>
+      </p:sp>
+    </p:spTree>
+    <p:extLst>
+      <p:ext uri="{BB962C8B-B14F-4D97-AF65-F5344CB8AC3E}">
+        <p14:creationId xmlns:p14="http://schemas.microsoft.com/office/powerpoint/2010/main" val="192624089"/>
+      </p:ext>
+    </p:extLst>
+  </p:cSld>
+  <p:clrMapOvr>
+    <a:masterClrMapping/>
+  </p:clrMapOvr>
+  <p:timing>
+    <p:tnLst>
+      <p:par>
+        <p:cTn id="1" dur="indefinite" restart="never" nodeType="tmRoot"/>
+      </p:par>
+    </p:tnLst>
+  </p:timing>
+</p:sld>
+</file>
+
+<file path=ppt/slides/slide2.xml><?xml version="1.0" encoding="utf-8"?>
+<p:sld xmlns:a="http://schemas.openxmlformats.org/drawingml/2006/main" xmlns:r="http://schemas.openxmlformats.org/officeDocument/2006/relationships" xmlns:p="http://schemas.openxmlformats.org/presentationml/2006/main">
+  <p:cSld>
+    <p:spTree>
+      <p:nvGrpSpPr>
+        <p:cNvPr id="1" name=""/>
+        <p:cNvGrpSpPr/>
+        <p:nvPr/>
+      </p:nvGrpSpPr>
+      <p:grpSpPr>
+        <a:xfrm>
+          <a:off x="0" y="0"/>
+          <a:ext cx="0" cy="0"/>
+          <a:chOff x="0" y="0"/>
+          <a:chExt cx="0" cy="0"/>
+        </a:xfrm>
+      </p:grpSpPr>
+      <p:sp>
+        <p:nvSpPr>
+          <p:cNvPr id="2" name="Tytuł 1"/>
+          <p:cNvSpPr>
+            <a:spLocks noGrp="1"/>
+          </p:cNvSpPr>
+          <p:nvPr>
+            <p:ph type="title"/>
+          </p:nvPr>
+        </p:nvSpPr>
+        <p:spPr>
+          <a:xfrm>
+            <a:off x="467544" y="6049848"/>
+            <a:ext cx="8183880" cy="691520"/>
+          </a:xfrm>
+        </p:spPr>
+        <p:txBody>
+          <a:bodyPr>
+            <a:normAutofit/>
+          </a:bodyPr>
+          <a:lstStyle/>
+          <a:p>
+            <a:r>
+              <a:rPr lang="pl-PL" sz="1400" dirty="0" smtClean="0">
+                <a:ln w="0">
+                  <a:noFill/>
+                </a:ln>
+                <a:solidFill>
+                  <a:schemeClr val="bg1">
+                    <a:lumMod val="50000"/>
+                  </a:schemeClr>
+                </a:solidFill>
+                <a:effectLst/>
+              </a:rPr>
+              <a:t>Rafał Sowiak – „Testowalność aplikacji mobilnych na platformę Android”</a:t>
+            </a:r>
+            <a:endParaRPr lang="pl-PL" sz="1400" dirty="0">
+              <a:ln w="0">
+                <a:noFill/>
+              </a:ln>
+              <a:solidFill>
+                <a:schemeClr val="bg1">
+                  <a:lumMod val="50000"/>
+                </a:schemeClr>
+              </a:solidFill>
+              <a:effectLst/>
+            </a:endParaRPr>
+          </a:p>
+        </p:txBody>
+      </p:sp>
+      <p:sp>
+        <p:nvSpPr>
+          <p:cNvPr id="3" name="Symbol zastępczy zawartości 2"/>
+          <p:cNvSpPr>
+            <a:spLocks noGrp="1"/>
+          </p:cNvSpPr>
+          <p:nvPr>
+            <p:ph idx="1"/>
+          </p:nvPr>
+        </p:nvSpPr>
+        <p:spPr>
+          <a:xfrm>
+            <a:off x="502920" y="530352"/>
+            <a:ext cx="8183880" cy="3042664"/>
+          </a:xfrm>
+        </p:spPr>
+        <p:txBody>
+          <a:bodyPr>
+            <a:normAutofit/>
+          </a:bodyPr>
+          <a:lstStyle/>
+          <a:p>
+            <a:r>
+              <a:rPr lang="pl-PL" dirty="0" smtClean="0"/>
+              <a:t>Problem testowalności aplikacji Android</a:t>
+            </a:r>
+          </a:p>
+          <a:p>
+            <a:pPr marL="0" indent="0">
+              <a:buNone/>
+            </a:pPr>
+            <a:endParaRPr lang="pl-PL" sz="2400" dirty="0" smtClean="0"/>
+          </a:p>
+          <a:p>
+            <a:pPr>
+              <a:buFont typeface="Wingdings" panose="05000000000000000000" pitchFamily="2" charset="2"/>
+              <a:buChar char="ü"/>
+            </a:pPr>
+            <a:r>
+              <a:rPr lang="pl-PL" sz="2400" dirty="0" smtClean="0"/>
+              <a:t>Temat automatycznego testowania opracowywanych aplikacji dla systemu Android jest pomijany w literaturze</a:t>
+            </a:r>
+          </a:p>
+          <a:p>
+            <a:pPr>
+              <a:buFont typeface="Wingdings" panose="05000000000000000000" pitchFamily="2" charset="2"/>
+              <a:buChar char="ü"/>
+            </a:pPr>
+            <a:r>
+              <a:rPr lang="pl-PL" sz="2400" dirty="0" smtClean="0"/>
+              <a:t>Stosowane powszechnie podejście do tworzenia nowych aplikacji nie pozwala na sprawne pisanie testów jednostkowych</a:t>
+            </a:r>
+            <a:endParaRPr lang="pl-PL" sz="2400" dirty="0"/>
+          </a:p>
+          <a:p>
+            <a:pPr>
+              <a:buFont typeface="Wingdings" panose="05000000000000000000" pitchFamily="2" charset="2"/>
+              <a:buChar char="ü"/>
+            </a:pPr>
+            <a:endParaRPr lang="pl-PL" sz="2400" dirty="0" smtClean="0"/>
+          </a:p>
+        </p:txBody>
+      </p:sp>
+      <p:sp>
+        <p:nvSpPr>
+          <p:cNvPr id="4" name="Symbol zastępczy zawartości 2"/>
+          <p:cNvSpPr txBox="1">
+            <a:spLocks/>
+          </p:cNvSpPr>
+          <p:nvPr/>
+        </p:nvSpPr>
+        <p:spPr>
+          <a:xfrm>
+            <a:off x="467544" y="3789040"/>
+            <a:ext cx="8136904" cy="2016224"/>
+          </a:xfrm>
+          <a:prstGeom prst="rect">
+            <a:avLst/>
+          </a:prstGeom>
+        </p:spPr>
+        <p:txBody>
+          <a:bodyPr vert="horz" lIns="91440" tIns="45720" rIns="91440" bIns="45720" rtlCol="0">
+            <a:normAutofit lnSpcReduction="10000"/>
+          </a:bodyPr>
+          <a:lstStyle>
+            <a:lvl1pPr marL="342900" indent="-342900" algn="l" defTabSz="914400" rtl="0" eaLnBrk="1" latinLnBrk="0" hangingPunct="1">
+              <a:spcBef>
+                <a:spcPct val="20000"/>
+              </a:spcBef>
+              <a:buFont typeface="Arial" panose="020B0604020202020204" pitchFamily="34" charset="0"/>
+              <a:buChar char="•"/>
+              <a:defRPr sz="3200" kern="1200">
+                <a:solidFill>
+                  <a:schemeClr val="tx1"/>
+                </a:solidFill>
+                <a:latin typeface="+mn-lt"/>
+                <a:ea typeface="+mn-ea"/>
+                <a:cs typeface="+mn-cs"/>
+              </a:defRPr>
+            </a:lvl1pPr>
+            <a:lvl2pPr marL="742950" indent="-285750" algn="l" defTabSz="914400" rtl="0" eaLnBrk="1" latinLnBrk="0" hangingPunct="1">
+              <a:spcBef>
+                <a:spcPct val="20000"/>
+              </a:spcBef>
+              <a:buFont typeface="Arial" panose="020B0604020202020204" pitchFamily="34" charset="0"/>
+              <a:buChar char="–"/>
+              <a:defRPr sz="2800" kern="1200">
+                <a:solidFill>
+                  <a:schemeClr val="tx1"/>
+                </a:solidFill>
+                <a:latin typeface="+mn-lt"/>
+                <a:ea typeface="+mn-ea"/>
+                <a:cs typeface="+mn-cs"/>
+              </a:defRPr>
+            </a:lvl2pPr>
+            <a:lvl3pPr marL="1143000" indent="-228600" algn="l" defTabSz="914400" rtl="0" eaLnBrk="1" latinLnBrk="0" hangingPunct="1">
+              <a:spcBef>
+                <a:spcPct val="20000"/>
+              </a:spcBef>
+              <a:buFont typeface="Arial" panose="020B0604020202020204" pitchFamily="34" charset="0"/>
+              <a:buChar char="•"/>
+              <a:defRPr sz="2400" kern="1200">
+                <a:solidFill>
+                  <a:schemeClr val="tx1"/>
+                </a:solidFill>
+                <a:latin typeface="+mn-lt"/>
+                <a:ea typeface="+mn-ea"/>
+                <a:cs typeface="+mn-cs"/>
+              </a:defRPr>
+            </a:lvl3pPr>
+            <a:lvl4pPr marL="1600200" indent="-228600" algn="l" defTabSz="914400" rtl="0" eaLnBrk="1" latinLnBrk="0" hangingPunct="1">
+              <a:spcBef>
+                <a:spcPct val="20000"/>
+              </a:spcBef>
+              <a:buFont typeface="Arial" panose="020B0604020202020204" pitchFamily="34" charset="0"/>
+              <a:buChar char="–"/>
+              <a:defRPr sz="2000" kern="1200">
+                <a:solidFill>
+                  <a:schemeClr val="tx1"/>
+                </a:solidFill>
+                <a:latin typeface="+mn-lt"/>
+                <a:ea typeface="+mn-ea"/>
+                <a:cs typeface="+mn-cs"/>
+              </a:defRPr>
+            </a:lvl4pPr>
+            <a:lvl5pPr marL="2057400" indent="-228600" algn="l" defTabSz="914400" rtl="0" eaLnBrk="1" latinLnBrk="0" hangingPunct="1">
+              <a:spcBef>
+                <a:spcPct val="20000"/>
+              </a:spcBef>
+              <a:buFont typeface="Arial" panose="020B0604020202020204" pitchFamily="34" charset="0"/>
+              <a:buChar char="»"/>
+              <a:defRPr sz="2000" kern="1200">
+                <a:solidFill>
+                  <a:schemeClr val="tx1"/>
+                </a:solidFill>
+                <a:latin typeface="+mn-lt"/>
+                <a:ea typeface="+mn-ea"/>
+                <a:cs typeface="+mn-cs"/>
+              </a:defRPr>
+            </a:lvl5pPr>
+            <a:lvl6pPr marL="2514600" indent="-228600" algn="l" defTabSz="914400" rtl="0" eaLnBrk="1" latinLnBrk="0" hangingPunct="1">
+              <a:spcBef>
+                <a:spcPct val="20000"/>
+              </a:spcBef>
+              <a:buFont typeface="Arial" panose="020B0604020202020204" pitchFamily="34" charset="0"/>
+              <a:buChar char="•"/>
+              <a:defRPr sz="2000" kern="1200">
+                <a:solidFill>
+                  <a:schemeClr val="tx1"/>
+                </a:solidFill>
+                <a:latin typeface="+mn-lt"/>
+                <a:ea typeface="+mn-ea"/>
+                <a:cs typeface="+mn-cs"/>
+              </a:defRPr>
+            </a:lvl6pPr>
+            <a:lvl7pPr marL="2971800" indent="-228600" algn="l" defTabSz="914400" rtl="0" eaLnBrk="1" latinLnBrk="0" hangingPunct="1">
+              <a:spcBef>
+                <a:spcPct val="20000"/>
+              </a:spcBef>
+              <a:buFont typeface="Arial" panose="020B0604020202020204" pitchFamily="34" charset="0"/>
+              <a:buChar char="•"/>
+              <a:defRPr sz="2000" kern="1200">
+                <a:solidFill>
+                  <a:schemeClr val="tx1"/>
+                </a:solidFill>
+                <a:latin typeface="+mn-lt"/>
+                <a:ea typeface="+mn-ea"/>
+                <a:cs typeface="+mn-cs"/>
+              </a:defRPr>
+            </a:lvl7pPr>
+            <a:lvl8pPr marL="3429000" indent="-228600" algn="l" defTabSz="914400" rtl="0" eaLnBrk="1" latinLnBrk="0" hangingPunct="1">
+              <a:spcBef>
+                <a:spcPct val="20000"/>
+              </a:spcBef>
+              <a:buFont typeface="Arial" panose="020B0604020202020204" pitchFamily="34" charset="0"/>
+              <a:buChar char="•"/>
+              <a:defRPr sz="2000" kern="1200">
+                <a:solidFill>
+                  <a:schemeClr val="tx1"/>
+                </a:solidFill>
+                <a:latin typeface="+mn-lt"/>
+                <a:ea typeface="+mn-ea"/>
+                <a:cs typeface="+mn-cs"/>
+              </a:defRPr>
+            </a:lvl8pPr>
+            <a:lvl9pPr marL="3886200" indent="-228600" algn="l" defTabSz="914400" rtl="0" eaLnBrk="1" latinLnBrk="0" hangingPunct="1">
+              <a:spcBef>
+                <a:spcPct val="20000"/>
+              </a:spcBef>
+              <a:buFont typeface="Arial" panose="020B0604020202020204" pitchFamily="34" charset="0"/>
+              <a:buChar char="•"/>
+              <a:defRPr sz="2000" kern="1200">
+                <a:solidFill>
+                  <a:schemeClr val="tx1"/>
+                </a:solidFill>
+                <a:latin typeface="+mn-lt"/>
+                <a:ea typeface="+mn-ea"/>
+                <a:cs typeface="+mn-cs"/>
+              </a:defRPr>
+            </a:lvl9pPr>
+          </a:lstStyle>
+          <a:p>
+            <a:r>
+              <a:rPr lang="pl-PL" dirty="0" smtClean="0"/>
+              <a:t>Cel pracy</a:t>
+            </a:r>
+          </a:p>
+          <a:p>
+            <a:pPr marL="0" indent="0">
+              <a:buFont typeface="Arial" panose="020B0604020202020204" pitchFamily="34" charset="0"/>
+              <a:buNone/>
+            </a:pPr>
+            <a:endParaRPr lang="pl-PL" sz="2400" dirty="0" smtClean="0"/>
+          </a:p>
+          <a:p>
+            <a:pPr>
+              <a:buFont typeface="Wingdings" panose="05000000000000000000" pitchFamily="2" charset="2"/>
+              <a:buChar char="ü"/>
+            </a:pPr>
+            <a:r>
+              <a:rPr lang="pl-PL" sz="2400" dirty="0" smtClean="0"/>
+              <a:t>Przebadanie różnych podejść do architektury aplikacji z przeznaczeniem dla systemu Android i sprawdzenie jak wpływają one na testowalność systemu</a:t>
+            </a:r>
+          </a:p>
+        </p:txBody>
+      </p:sp>
+    </p:spTree>
+    <p:extLst>
+      <p:ext uri="{BB962C8B-B14F-4D97-AF65-F5344CB8AC3E}">
+        <p14:creationId xmlns:p14="http://schemas.microsoft.com/office/powerpoint/2010/main" val="650990516"/>
+      </p:ext>
+    </p:extLst>
+  </p:cSld>
+  <p:clrMapOvr>
+    <a:masterClrMapping/>
+  </p:clrMapOvr>
+  <p:timing>
+    <p:tnLst>
+      <p:par>
+        <p:cTn id="1" dur="indefinite" restart="never" nodeType="tmRoot"/>
+      </p:par>
+    </p:tnLst>
+  </p:timing>
+</p:sld>
+</file>
+
+<file path=ppt/slides/slide3.xml><?xml version="1.0" encoding="utf-8"?>
+<p:sld xmlns:a="http://schemas.openxmlformats.org/drawingml/2006/main" xmlns:r="http://schemas.openxmlformats.org/officeDocument/2006/relationships" xmlns:p="http://schemas.openxmlformats.org/presentationml/2006/main">
+  <p:cSld>
+    <p:spTree>
+      <p:nvGrpSpPr>
+        <p:cNvPr id="1" name=""/>
+        <p:cNvGrpSpPr/>
+        <p:nvPr/>
+      </p:nvGrpSpPr>
+      <p:grpSpPr>
+        <a:xfrm>
+          <a:off x="0" y="0"/>
+          <a:ext cx="0" cy="0"/>
+          <a:chOff x="0" y="0"/>
+          <a:chExt cx="0" cy="0"/>
+        </a:xfrm>
+      </p:grpSpPr>
+      <p:sp>
+        <p:nvSpPr>
+          <p:cNvPr id="2" name="Tytuł 1"/>
+          <p:cNvSpPr>
+            <a:spLocks noGrp="1"/>
+          </p:cNvSpPr>
+          <p:nvPr>
+            <p:ph type="title"/>
+          </p:nvPr>
+        </p:nvSpPr>
+        <p:spPr>
+          <a:xfrm>
+            <a:off x="467544" y="6049848"/>
+            <a:ext cx="8183880" cy="691520"/>
+          </a:xfrm>
+        </p:spPr>
+        <p:txBody>
+          <a:bodyPr>
+            <a:normAutofit/>
+          </a:bodyPr>
+          <a:lstStyle/>
+          <a:p>
+            <a:r>
+              <a:rPr lang="pl-PL" sz="1400" dirty="0">
+                <a:ln w="0">
+                  <a:noFill/>
+                </a:ln>
+                <a:solidFill>
+                  <a:schemeClr val="bg1">
+                    <a:lumMod val="50000"/>
+                  </a:schemeClr>
+                </a:solidFill>
+              </a:rPr>
+              <a:t>Rafał Sowiak – „Testowalność aplikacji mobilnych na platformę Android”</a:t>
+            </a:r>
+            <a:endParaRPr lang="pl-PL" sz="1400" dirty="0"/>
+          </a:p>
+        </p:txBody>
+      </p:sp>
+      <p:sp>
+        <p:nvSpPr>
+          <p:cNvPr id="3" name="Symbol zastępczy zawartości 2"/>
+          <p:cNvSpPr>
+            <a:spLocks noGrp="1"/>
+          </p:cNvSpPr>
+          <p:nvPr>
+            <p:ph idx="1"/>
+          </p:nvPr>
+        </p:nvSpPr>
+        <p:spPr>
+          <a:xfrm>
+            <a:off x="502920" y="530352"/>
+            <a:ext cx="8183880" cy="5130896"/>
+          </a:xfrm>
+        </p:spPr>
+        <p:txBody>
+          <a:bodyPr>
+            <a:normAutofit/>
+          </a:bodyPr>
+          <a:lstStyle/>
+          <a:p>
+            <a:r>
+              <a:rPr lang="pl-PL" dirty="0" smtClean="0"/>
+              <a:t>Platforma Android</a:t>
+            </a:r>
+          </a:p>
+          <a:p>
+            <a:pPr>
+              <a:buFont typeface="Wingdings" panose="05000000000000000000" pitchFamily="2" charset="2"/>
+              <a:buChar char="ü"/>
+            </a:pPr>
+            <a:endParaRPr lang="pl-PL" sz="2400" dirty="0" smtClean="0"/>
+          </a:p>
+          <a:p>
+            <a:pPr>
+              <a:buFont typeface="Wingdings" panose="05000000000000000000" pitchFamily="2" charset="2"/>
+              <a:buChar char="ü"/>
+            </a:pPr>
+            <a:r>
+              <a:rPr lang="pl-PL" sz="2400" dirty="0" smtClean="0"/>
+              <a:t>- </a:t>
+            </a:r>
+            <a:r>
+              <a:rPr lang="pl-PL" sz="2400" b="1" dirty="0" smtClean="0"/>
+              <a:t>Android</a:t>
+            </a:r>
+            <a:r>
+              <a:rPr lang="pl-PL" sz="2400" dirty="0" smtClean="0"/>
+              <a:t> </a:t>
+            </a:r>
+            <a:r>
+              <a:rPr lang="pl-PL" sz="2400" dirty="0"/>
+              <a:t>– system operacyjny z jądrem Linux dla urządzeń </a:t>
+            </a:r>
+            <a:r>
+              <a:rPr lang="pl-PL" sz="2400" dirty="0" smtClean="0"/>
+              <a:t>mobilnych, z których najpopularniejszymi są smartfony i tablety. </a:t>
+            </a:r>
+          </a:p>
+        </p:txBody>
+      </p:sp>
+      <p:pic>
+        <p:nvPicPr>
+          <p:cNvPr id="4" name="Picture 2"/>
+          <p:cNvPicPr>
+            <a:picLocks noChangeAspect="1" noChangeArrowheads="1"/>
+          </p:cNvPicPr>
+          <p:nvPr/>
+        </p:nvPicPr>
+        <p:blipFill>
+          <a:blip r:embed="rId2">
+            <a:extLst>
+              <a:ext uri="{28A0092B-C50C-407E-A947-70E740481C1C}">
+                <a14:useLocalDpi xmlns:a14="http://schemas.microsoft.com/office/drawing/2010/main" val="0"/>
+              </a:ext>
+            </a:extLst>
+          </a:blip>
+          <a:srcRect/>
+          <a:stretch>
+            <a:fillRect/>
+          </a:stretch>
+        </p:blipFill>
+        <p:spPr bwMode="auto">
+          <a:xfrm>
+            <a:off x="611560" y="2852936"/>
+            <a:ext cx="4082300" cy="2448272"/>
+          </a:xfrm>
+          <a:prstGeom prst="rect">
+            <a:avLst/>
+          </a:prstGeom>
+          <a:noFill/>
+          <a:ln>
+            <a:noFill/>
+          </a:ln>
+          <a:extLst>
+            <a:ext uri="{909E8E84-426E-40DD-AFC4-6F175D3DCCD1}">
+              <a14:hiddenFill xmlns:a14="http://schemas.microsoft.com/office/drawing/2010/main">
+                <a:solidFill>
+                  <a:schemeClr val="accent1"/>
+                </a:solidFill>
+              </a14:hiddenFill>
+            </a:ext>
+            <a:ext uri="{91240B29-F687-4F45-9708-019B960494DF}">
+              <a14:hiddenLine xmlns:a14="http://schemas.microsoft.com/office/drawing/2010/main" w="9525">
+                <a:solidFill>
+                  <a:schemeClr val="tx1"/>
+                </a:solidFill>
+                <a:miter lim="800000"/>
+                <a:headEnd/>
+                <a:tailEnd/>
+              </a14:hiddenLine>
+            </a:ext>
+          </a:extLst>
+        </p:spPr>
+      </p:pic>
+      <p:pic>
+        <p:nvPicPr>
+          <p:cNvPr id="5" name="Picture 2"/>
+          <p:cNvPicPr>
+            <a:picLocks noChangeAspect="1" noChangeArrowheads="1"/>
+          </p:cNvPicPr>
+          <p:nvPr/>
+        </p:nvPicPr>
+        <p:blipFill>
+          <a:blip r:embed="rId3">
+            <a:extLst>
+              <a:ext uri="{28A0092B-C50C-407E-A947-70E740481C1C}">
+                <a14:useLocalDpi xmlns:a14="http://schemas.microsoft.com/office/drawing/2010/main" val="0"/>
+              </a:ext>
+            </a:extLst>
+          </a:blip>
+          <a:srcRect/>
+          <a:stretch>
+            <a:fillRect/>
+          </a:stretch>
+        </p:blipFill>
+        <p:spPr bwMode="auto">
+          <a:xfrm>
+            <a:off x="4932040" y="2876830"/>
+            <a:ext cx="3481224" cy="2064338"/>
+          </a:xfrm>
+          <a:prstGeom prst="rect">
+            <a:avLst/>
+          </a:prstGeom>
+          <a:noFill/>
+          <a:ln>
+            <a:noFill/>
+          </a:ln>
+          <a:extLst>
+            <a:ext uri="{909E8E84-426E-40DD-AFC4-6F175D3DCCD1}">
+              <a14:hiddenFill xmlns:a14="http://schemas.microsoft.com/office/drawing/2010/main">
+                <a:solidFill>
+                  <a:schemeClr val="accent1"/>
+                </a:solidFill>
+              </a14:hiddenFill>
+            </a:ext>
+            <a:ext uri="{91240B29-F687-4F45-9708-019B960494DF}">
+              <a14:hiddenLine xmlns:a14="http://schemas.microsoft.com/office/drawing/2010/main" w="9525">
+                <a:solidFill>
+                  <a:schemeClr val="tx1"/>
+                </a:solidFill>
+                <a:miter lim="800000"/>
+                <a:headEnd/>
+                <a:tailEnd/>
+              </a14:hiddenLine>
+            </a:ext>
+          </a:extLst>
+        </p:spPr>
+      </p:pic>
+      <p:sp>
+        <p:nvSpPr>
+          <p:cNvPr id="6" name="TextBox 5"/>
+          <p:cNvSpPr txBox="1"/>
+          <p:nvPr/>
+        </p:nvSpPr>
+        <p:spPr>
+          <a:xfrm>
+            <a:off x="1115616" y="5229200"/>
+            <a:ext cx="3456384" cy="523220"/>
+          </a:xfrm>
+          <a:prstGeom prst="rect">
+            <a:avLst/>
+          </a:prstGeom>
+          <a:noFill/>
+        </p:spPr>
+        <p:txBody>
+          <a:bodyPr wrap="square" rtlCol="0">
+            <a:spAutoFit/>
+          </a:bodyPr>
+          <a:lstStyle/>
+          <a:p>
+            <a:r>
+              <a:rPr lang="pl-PL" sz="1400" dirty="0" smtClean="0"/>
+              <a:t>Udział systemu w rynku urządzeń mobilnych </a:t>
+            </a:r>
+            <a:br>
+              <a:rPr lang="pl-PL" sz="1400" dirty="0" smtClean="0"/>
+            </a:br>
+            <a:r>
+              <a:rPr lang="pl-PL" sz="1400" dirty="0" smtClean="0"/>
+              <a:t>na świecie. </a:t>
+            </a:r>
+            <a:r>
+              <a:rPr lang="pl-PL" sz="1000" dirty="0" smtClean="0"/>
+              <a:t>(Źródło: android.com.pl)</a:t>
+            </a:r>
+            <a:endParaRPr lang="sv-SE" sz="1000" dirty="0"/>
+          </a:p>
+        </p:txBody>
+      </p:sp>
+      <p:sp>
+        <p:nvSpPr>
+          <p:cNvPr id="7" name="TextBox 6"/>
+          <p:cNvSpPr txBox="1"/>
+          <p:nvPr/>
+        </p:nvSpPr>
+        <p:spPr>
+          <a:xfrm>
+            <a:off x="5382491" y="5229200"/>
+            <a:ext cx="3365973" cy="523220"/>
+          </a:xfrm>
+          <a:prstGeom prst="rect">
+            <a:avLst/>
+          </a:prstGeom>
+          <a:noFill/>
+        </p:spPr>
+        <p:txBody>
+          <a:bodyPr wrap="square" rtlCol="0">
+            <a:spAutoFit/>
+          </a:bodyPr>
+          <a:lstStyle/>
+          <a:p>
+            <a:r>
+              <a:rPr lang="pl-PL" sz="1400" dirty="0" smtClean="0"/>
+              <a:t>Udział systemu w runku urządzeń mobilnych w Polsce. </a:t>
+            </a:r>
+            <a:r>
+              <a:rPr lang="pl-PL" sz="1000" dirty="0" smtClean="0"/>
+              <a:t>(Źródło: antyweb.pl)</a:t>
+            </a:r>
+            <a:endParaRPr lang="sv-SE" sz="1000" dirty="0"/>
+          </a:p>
+        </p:txBody>
+      </p:sp>
+    </p:spTree>
+    <p:extLst>
+      <p:ext uri="{BB962C8B-B14F-4D97-AF65-F5344CB8AC3E}">
+        <p14:creationId xmlns:p14="http://schemas.microsoft.com/office/powerpoint/2010/main" val="1603514047"/>
+      </p:ext>
+    </p:extLst>
+  </p:cSld>
+  <p:clrMapOvr>
+    <a:masterClrMapping/>
+  </p:clrMapOvr>
+  <p:timing>
+    <p:tnLst>
+      <p:par>
+        <p:cTn id="1" dur="indefinite" restart="never" nodeType="tmRoot"/>
+      </p:par>
+    </p:tnLst>
+  </p:timing>
+</p:sld>
+</file>
+
+<file path=ppt/slides/slide4.xml><?xml version="1.0" encoding="utf-8"?>
+<p:sld xmlns:a="http://schemas.openxmlformats.org/drawingml/2006/main" xmlns:r="http://schemas.openxmlformats.org/officeDocument/2006/relationships" xmlns:p="http://schemas.openxmlformats.org/presentationml/2006/main">
+  <p:cSld>
+    <p:spTree>
+      <p:nvGrpSpPr>
+        <p:cNvPr id="1" name=""/>
+        <p:cNvGrpSpPr/>
+        <p:nvPr/>
+      </p:nvGrpSpPr>
+      <p:grpSpPr>
+        <a:xfrm>
+          <a:off x="0" y="0"/>
+          <a:ext cx="0" cy="0"/>
+          <a:chOff x="0" y="0"/>
+          <a:chExt cx="0" cy="0"/>
+        </a:xfrm>
+      </p:grpSpPr>
+      <p:sp>
+        <p:nvSpPr>
+          <p:cNvPr id="2" name="Tytuł 1"/>
+          <p:cNvSpPr>
+            <a:spLocks noGrp="1"/>
+          </p:cNvSpPr>
+          <p:nvPr>
+            <p:ph type="title"/>
+          </p:nvPr>
+        </p:nvSpPr>
+        <p:spPr>
+          <a:xfrm>
+            <a:off x="467544" y="6049848"/>
+            <a:ext cx="8183880" cy="691520"/>
+          </a:xfrm>
+        </p:spPr>
+        <p:txBody>
+          <a:bodyPr>
+            <a:normAutofit/>
+          </a:bodyPr>
+          <a:lstStyle/>
+          <a:p>
+            <a:r>
+              <a:rPr lang="pl-PL" sz="1400" dirty="0">
+                <a:ln w="0">
+                  <a:noFill/>
+                </a:ln>
+                <a:solidFill>
+                  <a:schemeClr val="bg1">
+                    <a:lumMod val="50000"/>
+                  </a:schemeClr>
+                </a:solidFill>
+              </a:rPr>
+              <a:t>Rafał Sowiak – „Testowalność aplikacji mobilnych na platformę Android”</a:t>
+            </a:r>
+            <a:endParaRPr lang="pl-PL" sz="1400" dirty="0"/>
+          </a:p>
+        </p:txBody>
+      </p:sp>
+      <p:sp>
+        <p:nvSpPr>
+          <p:cNvPr id="3" name="Symbol zastępczy zawartości 2"/>
+          <p:cNvSpPr>
+            <a:spLocks noGrp="1"/>
+          </p:cNvSpPr>
+          <p:nvPr>
+            <p:ph idx="1"/>
+          </p:nvPr>
+        </p:nvSpPr>
+        <p:spPr>
+          <a:xfrm>
+            <a:off x="502920" y="530352"/>
+            <a:ext cx="8183880" cy="4986880"/>
+          </a:xfrm>
+        </p:spPr>
+        <p:txBody>
+          <a:bodyPr>
+            <a:normAutofit/>
+          </a:bodyPr>
+          <a:lstStyle/>
+          <a:p>
+            <a:r>
+              <a:rPr lang="pl-PL" dirty="0" smtClean="0"/>
+              <a:t>Android jako system operacyjny</a:t>
+            </a:r>
+          </a:p>
+          <a:p>
+            <a:pPr marL="0" indent="0">
+              <a:buNone/>
+            </a:pPr>
+            <a:endParaRPr lang="pl-PL" sz="2400" dirty="0" smtClean="0"/>
+          </a:p>
+          <a:p>
+            <a:pPr>
+              <a:buFont typeface="Wingdings" panose="05000000000000000000" pitchFamily="2" charset="2"/>
+              <a:buChar char="ü"/>
+            </a:pPr>
+            <a:r>
+              <a:rPr lang="pl-PL" sz="2400" dirty="0" smtClean="0"/>
+              <a:t>Android zrzesza </a:t>
+            </a:r>
+            <a:r>
+              <a:rPr lang="pl-PL" sz="2400" dirty="0"/>
+              <a:t>przy sobie dużą społeczność </a:t>
+            </a:r>
+            <a:r>
+              <a:rPr lang="pl-PL" sz="2400" dirty="0" smtClean="0"/>
+              <a:t>programistów piszących </a:t>
+            </a:r>
+            <a:r>
+              <a:rPr lang="pl-PL" sz="2400" i="1" dirty="0"/>
+              <a:t>aplikacje</a:t>
+            </a:r>
+            <a:r>
+              <a:rPr lang="pl-PL" sz="2400" dirty="0"/>
+              <a:t>, które poszerzają funkcjonalność </a:t>
+            </a:r>
+            <a:r>
+              <a:rPr lang="pl-PL" sz="2400" dirty="0" smtClean="0"/>
+              <a:t>urządzeń.</a:t>
+            </a:r>
+          </a:p>
+          <a:p>
+            <a:pPr>
+              <a:buFont typeface="Wingdings" panose="05000000000000000000" pitchFamily="2" charset="2"/>
+              <a:buChar char="ü"/>
+            </a:pPr>
+            <a:endParaRPr lang="pl-PL" sz="2400" dirty="0"/>
+          </a:p>
+          <a:p>
+            <a:pPr>
+              <a:buFont typeface="Wingdings" panose="05000000000000000000" pitchFamily="2" charset="2"/>
+              <a:buChar char="ü"/>
+            </a:pPr>
+            <a:r>
+              <a:rPr lang="pl-PL" sz="2400" dirty="0"/>
+              <a:t>W pierwszym kwartale 2016 roku w internetowym sklepie Google Play (wcześniej Android Market) dostępnych było ponad 1,9 miliona aplikacji </a:t>
+            </a:r>
+            <a:r>
+              <a:rPr lang="pl-PL" sz="1300" dirty="0"/>
+              <a:t>(źródło: portal android.com.pl)</a:t>
+            </a:r>
+          </a:p>
+          <a:p>
+            <a:pPr>
+              <a:buFont typeface="Wingdings" panose="05000000000000000000" pitchFamily="2" charset="2"/>
+              <a:buChar char="ü"/>
+            </a:pPr>
+            <a:endParaRPr lang="pl-PL" sz="2400" dirty="0" smtClean="0"/>
+          </a:p>
+          <a:p>
+            <a:pPr>
+              <a:buFont typeface="Wingdings" panose="05000000000000000000" pitchFamily="2" charset="2"/>
+              <a:buChar char="ü"/>
+            </a:pPr>
+            <a:r>
+              <a:rPr lang="pl-PL" sz="2400" dirty="0" smtClean="0"/>
+              <a:t>Najpopularniejszymi językami programowania dla aplikacji Android są Java oraz C</a:t>
+            </a:r>
+            <a:r>
+              <a:rPr lang="pl-PL" sz="2400" dirty="0" smtClean="0"/>
+              <a:t>++.</a:t>
+            </a:r>
+            <a:endParaRPr lang="pl-PL" sz="1300" dirty="0"/>
+          </a:p>
+        </p:txBody>
+      </p:sp>
+    </p:spTree>
+    <p:extLst>
+      <p:ext uri="{BB962C8B-B14F-4D97-AF65-F5344CB8AC3E}">
+        <p14:creationId xmlns:p14="http://schemas.microsoft.com/office/powerpoint/2010/main" val="1830383820"/>
+      </p:ext>
+    </p:extLst>
+  </p:cSld>
+  <p:clrMapOvr>
+    <a:masterClrMapping/>
+  </p:clrMapOvr>
+  <p:timing>
+    <p:tnLst>
+      <p:par>
+        <p:cTn id="1" dur="indefinite" restart="never" nodeType="tmRoot"/>
+      </p:par>
+    </p:tnLst>
+  </p:timing>
+</p:sld>
+</file>
+
+<file path=ppt/slides/slide5.xml><?xml version="1.0" encoding="utf-8"?>
+<p:sld xmlns:a="http://schemas.openxmlformats.org/drawingml/2006/main" xmlns:r="http://schemas.openxmlformats.org/officeDocument/2006/relationships" xmlns:p="http://schemas.openxmlformats.org/presentationml/2006/main">
+  <p:cSld>
+    <p:spTree>
+      <p:nvGrpSpPr>
+        <p:cNvPr id="1" name=""/>
+        <p:cNvGrpSpPr/>
+        <p:nvPr/>
+      </p:nvGrpSpPr>
+      <p:grpSpPr>
+        <a:xfrm>
+          <a:off x="0" y="0"/>
+          <a:ext cx="0" cy="0"/>
+          <a:chOff x="0" y="0"/>
+          <a:chExt cx="0" cy="0"/>
+        </a:xfrm>
+      </p:grpSpPr>
+      <p:sp>
+        <p:nvSpPr>
+          <p:cNvPr id="2" name="Tytuł 1"/>
+          <p:cNvSpPr>
+            <a:spLocks noGrp="1"/>
+          </p:cNvSpPr>
+          <p:nvPr>
+            <p:ph type="title"/>
+          </p:nvPr>
+        </p:nvSpPr>
+        <p:spPr>
+          <a:xfrm>
+            <a:off x="467544" y="6049848"/>
+            <a:ext cx="8183880" cy="691520"/>
+          </a:xfrm>
+        </p:spPr>
+        <p:txBody>
+          <a:bodyPr>
+            <a:normAutofit/>
+          </a:bodyPr>
+          <a:lstStyle/>
+          <a:p>
+            <a:r>
+              <a:rPr lang="pl-PL" sz="1400" dirty="0">
+                <a:ln w="0">
+                  <a:noFill/>
+                </a:ln>
+                <a:solidFill>
+                  <a:schemeClr val="bg1">
+                    <a:lumMod val="50000"/>
+                  </a:schemeClr>
+                </a:solidFill>
+              </a:rPr>
+              <a:t>Rafał Sowiak – „Testowalność aplikacji mobilnych na platformę Android”</a:t>
+            </a:r>
+            <a:endParaRPr lang="pl-PL" sz="1400" dirty="0"/>
+          </a:p>
+        </p:txBody>
+      </p:sp>
+      <p:sp>
+        <p:nvSpPr>
+          <p:cNvPr id="3" name="Symbol zastępczy zawartości 2"/>
+          <p:cNvSpPr>
+            <a:spLocks noGrp="1"/>
+          </p:cNvSpPr>
+          <p:nvPr>
+            <p:ph idx="1"/>
+          </p:nvPr>
+        </p:nvSpPr>
+        <p:spPr>
+          <a:xfrm>
+            <a:off x="502920" y="530352"/>
+            <a:ext cx="8183880" cy="5346920"/>
+          </a:xfrm>
+        </p:spPr>
+        <p:txBody>
+          <a:bodyPr>
+            <a:normAutofit/>
+          </a:bodyPr>
+          <a:lstStyle/>
+          <a:p>
+            <a:r>
+              <a:rPr lang="pl-PL" dirty="0" smtClean="0"/>
+              <a:t>Korzyści z testowania oprogramowania</a:t>
+            </a:r>
+          </a:p>
+          <a:p>
+            <a:pPr>
+              <a:buFont typeface="Wingdings" panose="05000000000000000000" pitchFamily="2" charset="2"/>
+              <a:buChar char="Ø"/>
+            </a:pPr>
+            <a:endParaRPr lang="pl-PL" altLang="pl-PL" sz="2200" dirty="0" smtClean="0"/>
+          </a:p>
+          <a:p>
+            <a:pPr>
+              <a:buFont typeface="Wingdings" panose="05000000000000000000" pitchFamily="2" charset="2"/>
+              <a:buChar char="ü"/>
+            </a:pPr>
+            <a:r>
+              <a:rPr lang="pl-PL" altLang="pl-PL" sz="2200" dirty="0" smtClean="0"/>
+              <a:t>Za </a:t>
+            </a:r>
+            <a:r>
+              <a:rPr lang="pl-PL" altLang="pl-PL" sz="2200" dirty="0"/>
+              <a:t>pomocą testów można zmierzyć jakość oprogramowania wyrażoną przez ilość znalezionych usterek.</a:t>
+            </a:r>
+          </a:p>
+          <a:p>
+            <a:pPr>
+              <a:buFont typeface="Wingdings" panose="05000000000000000000" pitchFamily="2" charset="2"/>
+              <a:buChar char="ü"/>
+            </a:pPr>
+            <a:r>
+              <a:rPr lang="pl-PL" altLang="pl-PL" sz="2200" dirty="0" smtClean="0"/>
+              <a:t>Testowanie </a:t>
+            </a:r>
+            <a:r>
+              <a:rPr lang="pl-PL" altLang="pl-PL" sz="2200" dirty="0"/>
+              <a:t>może budować zaufanie do jakości oprogramowania jeżeli </a:t>
+            </a:r>
+            <a:r>
+              <a:rPr lang="pl-PL" altLang="pl-PL" sz="2200" dirty="0" smtClean="0"/>
+              <a:t>testerzy </a:t>
+            </a:r>
+            <a:r>
+              <a:rPr lang="pl-PL" altLang="pl-PL" sz="2200" dirty="0"/>
+              <a:t>znajdują mało usterek bądź nie znajdują ich wcale.</a:t>
+            </a:r>
+          </a:p>
+          <a:p>
+            <a:pPr>
+              <a:buFont typeface="Wingdings" panose="05000000000000000000" pitchFamily="2" charset="2"/>
+              <a:buChar char="ü"/>
+            </a:pPr>
+            <a:endParaRPr lang="pl-PL" altLang="pl-PL" sz="2400" dirty="0"/>
+          </a:p>
+          <a:p>
+            <a:pPr marL="0" indent="0">
+              <a:buNone/>
+            </a:pPr>
+            <a:endParaRPr lang="pl-PL" sz="2400" dirty="0" smtClean="0"/>
+          </a:p>
+        </p:txBody>
+      </p:sp>
+      <p:pic>
+        <p:nvPicPr>
+          <p:cNvPr id="4" name="Picture 2"/>
+          <p:cNvPicPr>
+            <a:picLocks noChangeAspect="1" noChangeArrowheads="1"/>
+          </p:cNvPicPr>
+          <p:nvPr/>
+        </p:nvPicPr>
+        <p:blipFill>
+          <a:blip r:embed="rId3" cstate="print">
+            <a:extLst>
+              <a:ext uri="{28A0092B-C50C-407E-A947-70E740481C1C}">
+                <a14:useLocalDpi xmlns:a14="http://schemas.microsoft.com/office/drawing/2010/main" val="0"/>
+              </a:ext>
+            </a:extLst>
+          </a:blip>
+          <a:srcRect/>
+          <a:stretch>
+            <a:fillRect/>
+          </a:stretch>
+        </p:blipFill>
+        <p:spPr bwMode="auto">
+          <a:xfrm>
+            <a:off x="2123728" y="3284984"/>
+            <a:ext cx="4824536" cy="2557483"/>
+          </a:xfrm>
+          <a:prstGeom prst="rect">
+            <a:avLst/>
+          </a:prstGeom>
+          <a:noFill/>
+          <a:ln>
+            <a:noFill/>
+          </a:ln>
+          <a:effectLst/>
+          <a:extLst>
+            <a:ext uri="{909E8E84-426E-40DD-AFC4-6F175D3DCCD1}">
+              <a14:hiddenFill xmlns:a14="http://schemas.microsoft.com/office/drawing/2010/main">
+                <a:solidFill>
+                  <a:schemeClr val="accent1"/>
+                </a:solidFill>
+              </a14:hiddenFill>
+            </a:ext>
+            <a:ext uri="{91240B29-F687-4F45-9708-019B960494DF}">
+              <a14:hiddenLine xmlns:a14="http://schemas.microsoft.com/office/drawing/2010/main" w="9525">
+                <a:solidFill>
+                  <a:schemeClr val="tx1"/>
+                </a:solidFill>
+                <a:miter lim="800000"/>
+                <a:headEnd/>
+                <a:tailEnd/>
+              </a14:hiddenLine>
+            </a:ext>
+            <a:ext uri="{AF507438-7753-43E0-B8FC-AC1667EBCBE1}">
+              <a14:hiddenEffects xmlns:a14="http://schemas.microsoft.com/office/drawing/2010/main">
+                <a:effectLst>
+                  <a:outerShdw dist="35921" dir="2700000" algn="ctr" rotWithShape="0">
+                    <a:schemeClr val="bg2"/>
+                  </a:outerShdw>
+                </a:effectLst>
+              </a14:hiddenEffects>
+            </a:ext>
+          </a:extLst>
+        </p:spPr>
+      </p:pic>
+    </p:spTree>
+    <p:extLst>
+      <p:ext uri="{BB962C8B-B14F-4D97-AF65-F5344CB8AC3E}">
+        <p14:creationId xmlns:p14="http://schemas.microsoft.com/office/powerpoint/2010/main" val="1377015515"/>
+      </p:ext>
+    </p:extLst>
+  </p:cSld>
+  <p:clrMapOvr>
+    <a:masterClrMapping/>
+  </p:clrMapOvr>
+  <p:timing>
+    <p:tnLst>
+      <p:par>
+        <p:cTn id="1" dur="indefinite" restart="never" nodeType="tmRoot"/>
+      </p:par>
+    </p:tnLst>
+  </p:timing>
+</p:sld>
+</file>
+
+<file path=ppt/slides/slide6.xml><?xml version="1.0" encoding="utf-8"?>
+<p:sld xmlns:a="http://schemas.openxmlformats.org/drawingml/2006/main" xmlns:r="http://schemas.openxmlformats.org/officeDocument/2006/relationships" xmlns:p="http://schemas.openxmlformats.org/presentationml/2006/main">
+  <p:cSld>
+    <p:spTree>
+      <p:nvGrpSpPr>
+        <p:cNvPr id="1" name=""/>
+        <p:cNvGrpSpPr/>
+        <p:nvPr/>
+      </p:nvGrpSpPr>
+      <p:grpSpPr>
+        <a:xfrm>
+          <a:off x="0" y="0"/>
+          <a:ext cx="0" cy="0"/>
+          <a:chOff x="0" y="0"/>
+          <a:chExt cx="0" cy="0"/>
+        </a:xfrm>
+      </p:grpSpPr>
+      <p:sp>
+        <p:nvSpPr>
+          <p:cNvPr id="2" name="Tytuł 1"/>
+          <p:cNvSpPr>
+            <a:spLocks noGrp="1"/>
+          </p:cNvSpPr>
+          <p:nvPr>
+            <p:ph type="title"/>
+          </p:nvPr>
+        </p:nvSpPr>
+        <p:spPr>
+          <a:xfrm>
+            <a:off x="467544" y="6049848"/>
+            <a:ext cx="8183880" cy="691520"/>
+          </a:xfrm>
+        </p:spPr>
+        <p:txBody>
+          <a:bodyPr>
+            <a:normAutofit/>
+          </a:bodyPr>
+          <a:lstStyle/>
+          <a:p>
+            <a:r>
+              <a:rPr lang="pl-PL" sz="1400" dirty="0">
+                <a:ln w="0">
+                  <a:noFill/>
+                </a:ln>
+                <a:solidFill>
+                  <a:schemeClr val="bg1">
+                    <a:lumMod val="50000"/>
+                  </a:schemeClr>
+                </a:solidFill>
+              </a:rPr>
+              <a:t>Rafał Sowiak – „Testowalność aplikacji mobilnych na platformę Android”</a:t>
+            </a:r>
+            <a:endParaRPr lang="pl-PL" sz="1400" dirty="0"/>
+          </a:p>
+        </p:txBody>
+      </p:sp>
+      <p:sp>
+        <p:nvSpPr>
+          <p:cNvPr id="3" name="Symbol zastępczy zawartości 2"/>
+          <p:cNvSpPr>
+            <a:spLocks noGrp="1"/>
+          </p:cNvSpPr>
+          <p:nvPr>
+            <p:ph idx="1"/>
+          </p:nvPr>
+        </p:nvSpPr>
+        <p:spPr>
+          <a:xfrm>
+            <a:off x="502920" y="530352"/>
+            <a:ext cx="8183880" cy="5346920"/>
+          </a:xfrm>
+        </p:spPr>
+        <p:txBody>
+          <a:bodyPr>
+            <a:normAutofit/>
+          </a:bodyPr>
+          <a:lstStyle/>
+          <a:p>
+            <a:r>
+              <a:rPr lang="pl-PL" dirty="0" smtClean="0"/>
+              <a:t>Powszechnie stosowana struktura aplikacji </a:t>
+            </a:r>
+            <a:r>
+              <a:rPr lang="sv-SE" dirty="0" smtClean="0"/>
+              <a:t/>
+            </a:r>
+            <a:br>
+              <a:rPr lang="sv-SE" dirty="0" smtClean="0"/>
+            </a:br>
+            <a:r>
+              <a:rPr lang="pl-PL" dirty="0" smtClean="0"/>
+              <a:t>dla </a:t>
+            </a:r>
+            <a:r>
+              <a:rPr lang="pl-PL" dirty="0" smtClean="0"/>
+              <a:t>systemu Android</a:t>
             </a:r>
           </a:p>
           <a:p>
@@ -5514,8 +6374,8 @@
         </p:blipFill>
         <p:spPr bwMode="auto">
           <a:xfrm>
-            <a:off x="2552700" y="1932781"/>
-            <a:ext cx="4038600" cy="3800475"/>
+            <a:off x="2639679" y="2076797"/>
+            <a:ext cx="3732521" cy="3512443"/>
           </a:xfrm>
           <a:prstGeom prst="rect">
             <a:avLst/>
@@ -5565,7 +6425,7 @@
 </p:sld>
 </file>
 
-<file path=ppt/slides/slide11.xml><?xml version="1.0" encoding="utf-8"?>
+<file path=ppt/slides/slide7.xml><?xml version="1.0" encoding="utf-8"?>
 <p:sld xmlns:a="http://schemas.openxmlformats.org/drawingml/2006/main" xmlns:r="http://schemas.openxmlformats.org/officeDocument/2006/relationships" xmlns:p="http://schemas.openxmlformats.org/presentationml/2006/main">
   <p:cSld>
     <p:spTree>
@@ -5594,7 +6454,7 @@
         </p:nvSpPr>
         <p:spPr>
           <a:xfrm>
-            <a:off x="467544" y="5661248"/>
+            <a:off x="467544" y="6049848"/>
             <a:ext cx="8183880" cy="691520"/>
           </a:xfrm>
         </p:spPr>
@@ -5605,7 +6465,16 @@
           <a:lstStyle/>
           <a:p>
             <a:r>
-              <a:rPr lang="pl-PL" sz="1400" dirty="0" smtClean="0"/>
+              <a:rPr lang="pl-PL" sz="1400" dirty="0">
+                <a:ln w="0">
+                  <a:noFill/>
+                </a:ln>
+                <a:solidFill>
+                  <a:schemeClr val="bg1">
+                    <a:lumMod val="50000"/>
+                  </a:schemeClr>
+                </a:solidFill>
+              </a:rPr>
               <a:t>Rafał Sowiak – „Testowalność aplikacji mobilnych na platformę Android”</a:t>
             </a:r>
             <a:endParaRPr lang="pl-PL" sz="1400" dirty="0"/>
@@ -5636,211 +6505,14 @@
           <a:p>
             <a:r>
               <a:rPr lang="pl-PL" dirty="0" smtClean="0"/>
-              <a:t>Podejście klasyczne do testów, </a:t>
+              <a:t>Odwrócona i idealna piramida testowania</a:t>
             </a:r>
             <a:br>
               <a:rPr lang="pl-PL" dirty="0" smtClean="0"/>
             </a:br>
             <a:r>
-              <a:rPr lang="pl-PL" dirty="0" smtClean="0"/>
-              <a:t>czyli odwrócona piramida testowania </a:t>
-            </a:r>
-            <a:r>
               <a:rPr lang="pl-PL" sz="1300" dirty="0" smtClean="0"/>
               <a:t>(Źródło: scrumdo.pl)</a:t>
-            </a:r>
-          </a:p>
-          <a:p>
-            <a:pPr marL="0" indent="0">
-              <a:buNone/>
-            </a:pPr>
-            <a:endParaRPr lang="pl-PL" sz="2400" dirty="0" smtClean="0"/>
-          </a:p>
-          <a:p>
-            <a:pPr>
-              <a:buFont typeface="Wingdings" panose="05000000000000000000" pitchFamily="2" charset="2"/>
-              <a:buChar char="Ø"/>
-            </a:pPr>
-            <a:endParaRPr lang="pl-PL" sz="2400" dirty="0"/>
-          </a:p>
-        </p:txBody>
-      </p:sp>
-      <p:pic>
-        <p:nvPicPr>
-          <p:cNvPr id="5" name="Picture 2"/>
-          <p:cNvPicPr>
-            <a:picLocks noChangeAspect="1" noChangeArrowheads="1"/>
-          </p:cNvPicPr>
-          <p:nvPr/>
-        </p:nvPicPr>
-        <p:blipFill>
-          <a:blip r:embed="rId3">
-            <a:extLst>
-              <a:ext uri="{28A0092B-C50C-407E-A947-70E740481C1C}">
-                <a14:useLocalDpi xmlns:a14="http://schemas.microsoft.com/office/drawing/2010/main" val="0"/>
-              </a:ext>
-            </a:extLst>
-          </a:blip>
-          <a:srcRect/>
-          <a:stretch>
-            <a:fillRect/>
-          </a:stretch>
-        </p:blipFill>
-        <p:spPr bwMode="auto">
-          <a:xfrm>
-            <a:off x="2483768" y="1816888"/>
-            <a:ext cx="4104456" cy="3961380"/>
-          </a:xfrm>
-          <a:prstGeom prst="rect">
-            <a:avLst/>
-          </a:prstGeom>
-          <a:noFill/>
-          <a:ln>
-            <a:noFill/>
-          </a:ln>
-          <a:effectLst/>
-          <a:extLst>
-            <a:ext uri="{909E8E84-426E-40DD-AFC4-6F175D3DCCD1}">
-              <a14:hiddenFill xmlns:a14="http://schemas.microsoft.com/office/drawing/2010/main">
-                <a:solidFill>
-                  <a:schemeClr val="accent1"/>
-                </a:solidFill>
-              </a14:hiddenFill>
-            </a:ext>
-            <a:ext uri="{91240B29-F687-4F45-9708-019B960494DF}">
-              <a14:hiddenLine xmlns:a14="http://schemas.microsoft.com/office/drawing/2010/main" w="9525">
-                <a:solidFill>
-                  <a:schemeClr val="tx1"/>
-                </a:solidFill>
-                <a:miter lim="800000"/>
-                <a:headEnd/>
-                <a:tailEnd/>
-              </a14:hiddenLine>
-            </a:ext>
-            <a:ext uri="{AF507438-7753-43E0-B8FC-AC1667EBCBE1}">
-              <a14:hiddenEffects xmlns:a14="http://schemas.microsoft.com/office/drawing/2010/main">
-                <a:effectLst>
-                  <a:outerShdw dist="35921" dir="2700000" algn="ctr" rotWithShape="0">
-                    <a:schemeClr val="bg2"/>
-                  </a:outerShdw>
-                </a:effectLst>
-              </a14:hiddenEffects>
-            </a:ext>
-          </a:extLst>
-        </p:spPr>
-      </p:pic>
-    </p:spTree>
-    <p:extLst>
-      <p:ext uri="{BB962C8B-B14F-4D97-AF65-F5344CB8AC3E}">
-        <p14:creationId xmlns:p14="http://schemas.microsoft.com/office/powerpoint/2010/main" val="2297787951"/>
-      </p:ext>
-    </p:extLst>
-  </p:cSld>
-  <p:clrMapOvr>
-    <a:masterClrMapping/>
-  </p:clrMapOvr>
-  <p:timing>
-    <p:tnLst>
-      <p:par>
-        <p:cTn id="1" dur="indefinite" restart="never" nodeType="tmRoot"/>
-      </p:par>
-    </p:tnLst>
-  </p:timing>
-</p:sld>
-</file>
-
-<file path=ppt/slides/slide12.xml><?xml version="1.0" encoding="utf-8"?>
-<p:sld xmlns:a="http://schemas.openxmlformats.org/drawingml/2006/main" xmlns:r="http://schemas.openxmlformats.org/officeDocument/2006/relationships" xmlns:p="http://schemas.openxmlformats.org/presentationml/2006/main">
-  <p:cSld>
-    <p:spTree>
-      <p:nvGrpSpPr>
-        <p:cNvPr id="1" name=""/>
-        <p:cNvGrpSpPr/>
-        <p:nvPr/>
-      </p:nvGrpSpPr>
-      <p:grpSpPr>
-        <a:xfrm>
-          <a:off x="0" y="0"/>
-          <a:ext cx="0" cy="0"/>
-          <a:chOff x="0" y="0"/>
-          <a:chExt cx="0" cy="0"/>
-        </a:xfrm>
-      </p:grpSpPr>
-      <p:sp>
-        <p:nvSpPr>
-          <p:cNvPr id="2" name="Tytuł 1"/>
-          <p:cNvSpPr>
-            <a:spLocks noGrp="1"/>
-          </p:cNvSpPr>
-          <p:nvPr>
-            <p:ph type="title"/>
-          </p:nvPr>
-        </p:nvSpPr>
-        <p:spPr>
-          <a:xfrm>
-            <a:off x="467544" y="5661248"/>
-            <a:ext cx="8183880" cy="691520"/>
-          </a:xfrm>
-        </p:spPr>
-        <p:txBody>
-          <a:bodyPr>
-            <a:normAutofit/>
-          </a:bodyPr>
-          <a:lstStyle/>
-          <a:p>
-            <a:r>
-              <a:rPr lang="pl-PL" sz="1400" dirty="0" smtClean="0"/>
-              <a:t>Rafał Sowiak – „Testowalność aplikacji mobilnych na platformę Android”</a:t>
-            </a:r>
-            <a:endParaRPr lang="pl-PL" sz="1400" dirty="0"/>
-          </a:p>
-        </p:txBody>
-      </p:sp>
-      <p:sp>
-        <p:nvSpPr>
-          <p:cNvPr id="3" name="Symbol zastępczy zawartości 2"/>
-          <p:cNvSpPr>
-            <a:spLocks noGrp="1"/>
-          </p:cNvSpPr>
-          <p:nvPr>
-            <p:ph idx="1"/>
-          </p:nvPr>
-        </p:nvSpPr>
-        <p:spPr>
-          <a:xfrm>
-            <a:off x="502920" y="530352"/>
-            <a:ext cx="8183880" cy="5346920"/>
-          </a:xfrm>
-        </p:spPr>
-        <p:txBody>
-          <a:bodyPr>
-            <a:normAutofit/>
-          </a:bodyPr>
-          <a:lstStyle/>
-          <a:p>
-            <a:r>
-              <a:rPr lang="pl-PL" dirty="0" smtClean="0"/>
-              <a:t>Idealna piramida testowania </a:t>
-            </a:r>
-            <a:r>
-              <a:rPr lang="pl-PL" sz="1300" dirty="0" smtClean="0"/>
-              <a:t>(Źródło: </a:t>
-            </a:r>
-            <a:r>
-              <a:rPr lang="pl-PL" sz="1200" dirty="0" smtClean="0"/>
-              <a:t>Mike Cohn „</a:t>
-            </a:r>
-            <a:r>
-              <a:rPr lang="pl-PL" sz="1200" dirty="0" err="1" smtClean="0"/>
-              <a:t>Succeeding</a:t>
-            </a:r>
-            <a:r>
-              <a:rPr lang="pl-PL" sz="1200" dirty="0" smtClean="0"/>
-              <a:t> with Agile”</a:t>
-            </a:r>
-            <a:r>
-              <a:rPr lang="pl-PL" sz="1300" dirty="0" smtClean="0"/>
-              <a:t>)</a:t>
             </a:r>
           </a:p>
           <a:p>
@@ -5881,8 +6553,102 @@
         </p:blipFill>
         <p:spPr bwMode="auto">
           <a:xfrm>
-            <a:off x="2411760" y="1484784"/>
-            <a:ext cx="4048101" cy="4286225"/>
+            <a:off x="5004048" y="1832117"/>
+            <a:ext cx="3276364" cy="3469091"/>
+          </a:xfrm>
+          <a:prstGeom prst="rect">
+            <a:avLst/>
+          </a:prstGeom>
+          <a:noFill/>
+          <a:ln>
+            <a:noFill/>
+          </a:ln>
+          <a:extLst>
+            <a:ext uri="{909E8E84-426E-40DD-AFC4-6F175D3DCCD1}">
+              <a14:hiddenFill xmlns:a14="http://schemas.microsoft.com/office/drawing/2010/main">
+                <a:solidFill>
+                  <a:schemeClr val="accent1"/>
+                </a:solidFill>
+              </a14:hiddenFill>
+            </a:ext>
+            <a:ext uri="{91240B29-F687-4F45-9708-019B960494DF}">
+              <a14:hiddenLine xmlns:a14="http://schemas.microsoft.com/office/drawing/2010/main" w="9525">
+                <a:solidFill>
+                  <a:schemeClr val="tx1"/>
+                </a:solidFill>
+                <a:miter lim="800000"/>
+                <a:headEnd/>
+                <a:tailEnd/>
+              </a14:hiddenLine>
+            </a:ext>
+          </a:extLst>
+        </p:spPr>
+      </p:pic>
+      <p:sp>
+        <p:nvSpPr>
+          <p:cNvPr id="4" name="Right Arrow 3"/>
+          <p:cNvSpPr/>
+          <p:nvPr/>
+        </p:nvSpPr>
+        <p:spPr>
+          <a:xfrm>
+            <a:off x="3851920" y="3452298"/>
+            <a:ext cx="1512168" cy="396044"/>
+          </a:xfrm>
+          <a:prstGeom prst="rightArrow">
+            <a:avLst/>
+          </a:prstGeom>
+        </p:spPr>
+        <p:style>
+          <a:lnRef idx="2">
+            <a:schemeClr val="accent1">
+              <a:shade val="50000"/>
+            </a:schemeClr>
+          </a:lnRef>
+          <a:fillRef idx="1">
+            <a:schemeClr val="accent1"/>
+          </a:fillRef>
+          <a:effectRef idx="0">
+            <a:schemeClr val="accent1"/>
+          </a:effectRef>
+          <a:fontRef idx="minor">
+            <a:schemeClr val="lt1"/>
+          </a:fontRef>
+        </p:style>
+        <p:txBody>
+          <a:bodyPr rtlCol="0" anchor="ctr"/>
+          <a:lstStyle/>
+          <a:p>
+            <a:pPr algn="ctr"/>
+            <a:endParaRPr lang="sv-SE"/>
+          </a:p>
+        </p:txBody>
+      </p:sp>
+      <p:pic>
+        <p:nvPicPr>
+          <p:cNvPr id="3074" name="Picture 2"/>
+          <p:cNvPicPr>
+            <a:picLocks noChangeAspect="1" noChangeArrowheads="1"/>
+          </p:cNvPicPr>
+          <p:nvPr/>
+        </p:nvPicPr>
+        <p:blipFill>
+          <a:blip r:embed="rId4">
+            <a:extLst>
+              <a:ext uri="{28A0092B-C50C-407E-A947-70E740481C1C}">
+                <a14:useLocalDpi xmlns:a14="http://schemas.microsoft.com/office/drawing/2010/main" val="0"/>
+              </a:ext>
+            </a:extLst>
+          </a:blip>
+          <a:srcRect/>
+          <a:stretch>
+            <a:fillRect/>
+          </a:stretch>
+        </p:blipFill>
+        <p:spPr bwMode="auto">
+          <a:xfrm>
+            <a:off x="683568" y="1832117"/>
+            <a:ext cx="3440657" cy="3342783"/>
           </a:xfrm>
           <a:prstGeom prst="rect">
             <a:avLst/>
@@ -5915,7 +6681,7 @@
     </p:spTree>
     <p:extLst>
       <p:ext uri="{BB962C8B-B14F-4D97-AF65-F5344CB8AC3E}">
-        <p14:creationId xmlns:p14="http://schemas.microsoft.com/office/powerpoint/2010/main" val="3410916472"/>
+        <p14:creationId xmlns:p14="http://schemas.microsoft.com/office/powerpoint/2010/main" val="2297787951"/>
       </p:ext>
     </p:extLst>
   </p:cSld>
@@ -5932,7 +6698,7 @@
 </p:sld>
 </file>
 
-<file path=ppt/slides/slide13.xml><?xml version="1.0" encoding="utf-8"?>
+<file path=ppt/slides/slide8.xml><?xml version="1.0" encoding="utf-8"?>
 <p:sld xmlns:a="http://schemas.openxmlformats.org/drawingml/2006/main" xmlns:r="http://schemas.openxmlformats.org/officeDocument/2006/relationships" xmlns:p="http://schemas.openxmlformats.org/presentationml/2006/main">
   <p:cSld>
     <p:spTree>
@@ -5961,7 +6727,7 @@
         </p:nvSpPr>
         <p:spPr>
           <a:xfrm>
-            <a:off x="467544" y="5661248"/>
+            <a:off x="467544" y="6049848"/>
             <a:ext cx="8183880" cy="691520"/>
           </a:xfrm>
         </p:spPr>
@@ -5972,7 +6738,16 @@
           <a:lstStyle/>
           <a:p>
             <a:r>
-              <a:rPr lang="pl-PL" sz="1400" dirty="0" smtClean="0"/>
+              <a:rPr lang="pl-PL" sz="1400" dirty="0">
+                <a:ln w="0">
+                  <a:noFill/>
+                </a:ln>
+                <a:solidFill>
+                  <a:schemeClr val="bg1">
+                    <a:lumMod val="50000"/>
+                  </a:schemeClr>
+                </a:solidFill>
+              </a:rPr>
               <a:t>Rafał Sowiak – „Testowalność aplikacji mobilnych na platformę Android”</a:t>
             </a:r>
             <a:endParaRPr lang="pl-PL" sz="1400" dirty="0"/>
@@ -6044,7 +6819,7 @@
         </p:blipFill>
         <p:spPr bwMode="auto">
           <a:xfrm>
-            <a:off x="1259632" y="1412776"/>
+            <a:off x="1259632" y="1586284"/>
             <a:ext cx="6612953" cy="4146972"/>
           </a:xfrm>
           <a:prstGeom prst="rect">
@@ -6095,7 +6870,7 @@
 </p:sld>
 </file>
 
-<file path=ppt/slides/slide14.xml><?xml version="1.0" encoding="utf-8"?>
+<file path=ppt/slides/slide9.xml><?xml version="1.0" encoding="utf-8"?>
 <p:sld xmlns:a="http://schemas.openxmlformats.org/drawingml/2006/main" xmlns:r="http://schemas.openxmlformats.org/officeDocument/2006/relationships" xmlns:p="http://schemas.openxmlformats.org/presentationml/2006/main">
   <p:cSld>
     <p:spTree>
@@ -6124,7 +6899,7 @@
         </p:nvSpPr>
         <p:spPr>
           <a:xfrm>
-            <a:off x="467544" y="5661248"/>
+            <a:off x="467544" y="6049848"/>
             <a:ext cx="8183880" cy="691520"/>
           </a:xfrm>
         </p:spPr>
@@ -6135,7 +6910,16 @@
           <a:lstStyle/>
           <a:p>
             <a:r>
-              <a:rPr lang="pl-PL" sz="1400" dirty="0" smtClean="0"/>
+              <a:rPr lang="pl-PL" sz="1400" dirty="0">
+                <a:ln w="0">
+                  <a:noFill/>
+                </a:ln>
+                <a:solidFill>
+                  <a:schemeClr val="bg1">
+                    <a:lumMod val="50000"/>
+                  </a:schemeClr>
+                </a:solidFill>
+              </a:rPr>
               <a:t>Rafał Sowiak – „Testowalność aplikacji mobilnych na platformę Android”</a:t>
             </a:r>
             <a:endParaRPr lang="pl-PL" sz="1400" dirty="0"/>
@@ -6166,7 +6950,7 @@
           <a:p>
             <a:r>
               <a:rPr lang="pl-PL" dirty="0" smtClean="0"/>
-              <a:t>Wytwarzanie sterowane testami</a:t>
+              <a:t>Co może pomóc w polepszeniu testowalności?</a:t>
             </a:r>
           </a:p>
           <a:p>
@@ -6207,364 +6991,8 @@
         </p:blipFill>
         <p:spPr bwMode="auto">
           <a:xfrm>
-            <a:off x="1331640" y="1412776"/>
-            <a:ext cx="6294721" cy="4160637"/>
-          </a:xfrm>
-          <a:prstGeom prst="rect">
-            <a:avLst/>
-          </a:prstGeom>
-          <a:noFill/>
-          <a:ln>
-            <a:noFill/>
-          </a:ln>
-          <a:extLst>
-            <a:ext uri="{909E8E84-426E-40DD-AFC4-6F175D3DCCD1}">
-              <a14:hiddenFill xmlns:a14="http://schemas.microsoft.com/office/drawing/2010/main">
-                <a:solidFill>
-                  <a:schemeClr val="accent1"/>
-                </a:solidFill>
-              </a14:hiddenFill>
-            </a:ext>
-            <a:ext uri="{91240B29-F687-4F45-9708-019B960494DF}">
-              <a14:hiddenLine xmlns:a14="http://schemas.microsoft.com/office/drawing/2010/main" w="9525">
-                <a:solidFill>
-                  <a:schemeClr val="tx1"/>
-                </a:solidFill>
-                <a:miter lim="800000"/>
-                <a:headEnd/>
-                <a:tailEnd/>
-              </a14:hiddenLine>
-            </a:ext>
-          </a:extLst>
-        </p:spPr>
-      </p:pic>
-    </p:spTree>
-    <p:extLst>
-      <p:ext uri="{BB962C8B-B14F-4D97-AF65-F5344CB8AC3E}">
-        <p14:creationId xmlns:p14="http://schemas.microsoft.com/office/powerpoint/2010/main" val="2443778310"/>
-      </p:ext>
-    </p:extLst>
-  </p:cSld>
-  <p:clrMapOvr>
-    <a:masterClrMapping/>
-  </p:clrMapOvr>
-  <p:timing>
-    <p:tnLst>
-      <p:par>
-        <p:cTn id="1" dur="indefinite" restart="never" nodeType="tmRoot"/>
-      </p:par>
-    </p:tnLst>
-  </p:timing>
-</p:sld>
-</file>
-
-<file path=ppt/slides/slide15.xml><?xml version="1.0" encoding="utf-8"?>
-<p:sld xmlns:a="http://schemas.openxmlformats.org/drawingml/2006/main" xmlns:r="http://schemas.openxmlformats.org/officeDocument/2006/relationships" xmlns:p="http://schemas.openxmlformats.org/presentationml/2006/main">
-  <p:cSld>
-    <p:spTree>
-      <p:nvGrpSpPr>
-        <p:cNvPr id="1" name=""/>
-        <p:cNvGrpSpPr/>
-        <p:nvPr/>
-      </p:nvGrpSpPr>
-      <p:grpSpPr>
-        <a:xfrm>
-          <a:off x="0" y="0"/>
-          <a:ext cx="0" cy="0"/>
-          <a:chOff x="0" y="0"/>
-          <a:chExt cx="0" cy="0"/>
-        </a:xfrm>
-      </p:grpSpPr>
-      <p:sp>
-        <p:nvSpPr>
-          <p:cNvPr id="2" name="Tytuł 1"/>
-          <p:cNvSpPr>
-            <a:spLocks noGrp="1"/>
-          </p:cNvSpPr>
-          <p:nvPr>
-            <p:ph type="title"/>
-          </p:nvPr>
-        </p:nvSpPr>
-        <p:spPr>
-          <a:xfrm>
-            <a:off x="467544" y="5661248"/>
-            <a:ext cx="8183880" cy="691520"/>
-          </a:xfrm>
-        </p:spPr>
-        <p:txBody>
-          <a:bodyPr>
-            <a:normAutofit/>
-          </a:bodyPr>
-          <a:lstStyle/>
-          <a:p>
-            <a:r>
-              <a:rPr lang="pl-PL" sz="1400" dirty="0" smtClean="0"/>
-              <a:t>Rafał Sowiak – „Testowalność aplikacji mobilnych na platformę Android”</a:t>
-            </a:r>
-            <a:endParaRPr lang="pl-PL" sz="1400" dirty="0"/>
-          </a:p>
-        </p:txBody>
-      </p:sp>
-      <p:sp>
-        <p:nvSpPr>
-          <p:cNvPr id="3" name="Symbol zastępczy zawartości 2"/>
-          <p:cNvSpPr>
-            <a:spLocks noGrp="1"/>
-          </p:cNvSpPr>
-          <p:nvPr>
-            <p:ph idx="1"/>
-          </p:nvPr>
-        </p:nvSpPr>
-        <p:spPr>
-          <a:xfrm>
-            <a:off x="502920" y="530352"/>
-            <a:ext cx="8183880" cy="5346920"/>
-          </a:xfrm>
-        </p:spPr>
-        <p:txBody>
-          <a:bodyPr>
-            <a:normAutofit/>
-          </a:bodyPr>
-          <a:lstStyle/>
-          <a:p>
-            <a:r>
-              <a:rPr lang="pl-PL" dirty="0" smtClean="0"/>
-              <a:t>Wykorzystanie architektury </a:t>
-            </a:r>
-            <a:r>
-              <a:rPr lang="pl-PL" dirty="0" smtClean="0"/>
-              <a:t>uporządkowanej</a:t>
-            </a:r>
-            <a:br>
-              <a:rPr lang="pl-PL" dirty="0" smtClean="0"/>
-            </a:br>
-            <a:r>
-              <a:rPr lang="pl-PL" sz="1300" dirty="0" smtClean="0"/>
-              <a:t>(Źródło: </a:t>
-            </a:r>
-            <a:r>
-              <a:rPr lang="en-US" sz="1300" dirty="0" smtClean="0"/>
-              <a:t>Robert </a:t>
-            </a:r>
-            <a:r>
-              <a:rPr lang="en-US" sz="1300" dirty="0"/>
-              <a:t>Cecil Martin. The clean architecture, August </a:t>
-            </a:r>
-            <a:r>
-              <a:rPr lang="en-US" sz="1300" dirty="0" smtClean="0"/>
-              <a:t>2012</a:t>
-            </a:r>
-            <a:r>
-              <a:rPr lang="pl-PL" sz="1300" dirty="0" smtClean="0"/>
-              <a:t>)</a:t>
-            </a:r>
-            <a:endParaRPr lang="pl-PL" sz="1300" dirty="0" smtClean="0"/>
-          </a:p>
-          <a:p>
-            <a:pPr marL="0" indent="0">
-              <a:buNone/>
-            </a:pPr>
-            <a:endParaRPr lang="pl-PL" sz="2400" dirty="0" smtClean="0"/>
-          </a:p>
-          <a:p>
-            <a:pPr>
-              <a:buFont typeface="Wingdings" panose="05000000000000000000" pitchFamily="2" charset="2"/>
-              <a:buChar char="Ø"/>
-            </a:pPr>
-            <a:endParaRPr lang="pl-PL" sz="2400" dirty="0"/>
-          </a:p>
-        </p:txBody>
-      </p:sp>
-      <p:pic>
-        <p:nvPicPr>
-          <p:cNvPr id="5" name="Picture 2"/>
-          <p:cNvPicPr>
-            <a:picLocks noChangeAspect="1" noChangeArrowheads="1"/>
-          </p:cNvPicPr>
-          <p:nvPr/>
-        </p:nvPicPr>
-        <p:blipFill>
-          <a:blip r:embed="rId3">
-            <a:extLst>
-              <a:ext uri="{28A0092B-C50C-407E-A947-70E740481C1C}">
-                <a14:useLocalDpi xmlns:a14="http://schemas.microsoft.com/office/drawing/2010/main" val="0"/>
-              </a:ext>
-            </a:extLst>
-          </a:blip>
-          <a:srcRect/>
-          <a:stretch>
-            <a:fillRect/>
-          </a:stretch>
-        </p:blipFill>
-        <p:spPr bwMode="auto">
-          <a:xfrm>
-            <a:off x="2267744" y="1623722"/>
-            <a:ext cx="4680520" cy="3965517"/>
-          </a:xfrm>
-          <a:prstGeom prst="rect">
-            <a:avLst/>
-          </a:prstGeom>
-          <a:noFill/>
-          <a:ln>
-            <a:noFill/>
-          </a:ln>
-          <a:extLst>
-            <a:ext uri="{909E8E84-426E-40DD-AFC4-6F175D3DCCD1}">
-              <a14:hiddenFill xmlns:a14="http://schemas.microsoft.com/office/drawing/2010/main">
-                <a:solidFill>
-                  <a:schemeClr val="accent1"/>
-                </a:solidFill>
-              </a14:hiddenFill>
-            </a:ext>
-            <a:ext uri="{91240B29-F687-4F45-9708-019B960494DF}">
-              <a14:hiddenLine xmlns:a14="http://schemas.microsoft.com/office/drawing/2010/main" w="9525">
-                <a:solidFill>
-                  <a:schemeClr val="tx1"/>
-                </a:solidFill>
-                <a:miter lim="800000"/>
-                <a:headEnd/>
-                <a:tailEnd/>
-              </a14:hiddenLine>
-            </a:ext>
-          </a:extLst>
-        </p:spPr>
-      </p:pic>
-    </p:spTree>
-    <p:extLst>
-      <p:ext uri="{BB962C8B-B14F-4D97-AF65-F5344CB8AC3E}">
-        <p14:creationId xmlns:p14="http://schemas.microsoft.com/office/powerpoint/2010/main" val="3446610702"/>
-      </p:ext>
-    </p:extLst>
-  </p:cSld>
-  <p:clrMapOvr>
-    <a:masterClrMapping/>
-  </p:clrMapOvr>
-  <p:timing>
-    <p:tnLst>
-      <p:par>
-        <p:cTn id="1" dur="indefinite" restart="never" nodeType="tmRoot"/>
-      </p:par>
-    </p:tnLst>
-  </p:timing>
-</p:sld>
-</file>
-
-<file path=ppt/slides/slide16.xml><?xml version="1.0" encoding="utf-8"?>
-<p:sld xmlns:a="http://schemas.openxmlformats.org/drawingml/2006/main" xmlns:r="http://schemas.openxmlformats.org/officeDocument/2006/relationships" xmlns:p="http://schemas.openxmlformats.org/presentationml/2006/main">
-  <p:cSld>
-    <p:spTree>
-      <p:nvGrpSpPr>
-        <p:cNvPr id="1" name=""/>
-        <p:cNvGrpSpPr/>
-        <p:nvPr/>
-      </p:nvGrpSpPr>
-      <p:grpSpPr>
-        <a:xfrm>
-          <a:off x="0" y="0"/>
-          <a:ext cx="0" cy="0"/>
-          <a:chOff x="0" y="0"/>
-          <a:chExt cx="0" cy="0"/>
-        </a:xfrm>
-      </p:grpSpPr>
-      <p:sp>
-        <p:nvSpPr>
-          <p:cNvPr id="2" name="Tytuł 1"/>
-          <p:cNvSpPr>
-            <a:spLocks noGrp="1"/>
-          </p:cNvSpPr>
-          <p:nvPr>
-            <p:ph type="title"/>
-          </p:nvPr>
-        </p:nvSpPr>
-        <p:spPr>
-          <a:xfrm>
-            <a:off x="467544" y="5661248"/>
-            <a:ext cx="8183880" cy="691520"/>
-          </a:xfrm>
-        </p:spPr>
-        <p:txBody>
-          <a:bodyPr>
-            <a:normAutofit/>
-          </a:bodyPr>
-          <a:lstStyle/>
-          <a:p>
-            <a:r>
-              <a:rPr lang="pl-PL" sz="1400" dirty="0" smtClean="0"/>
-              <a:t>Rafał Sowiak – „Testowalność aplikacji mobilnych na platformę Android”</a:t>
-            </a:r>
-            <a:endParaRPr lang="pl-PL" sz="1400" dirty="0"/>
-          </a:p>
-        </p:txBody>
-      </p:sp>
-      <p:sp>
-        <p:nvSpPr>
-          <p:cNvPr id="3" name="Symbol zastępczy zawartości 2"/>
-          <p:cNvSpPr>
-            <a:spLocks noGrp="1"/>
-          </p:cNvSpPr>
-          <p:nvPr>
-            <p:ph idx="1"/>
-          </p:nvPr>
-        </p:nvSpPr>
-        <p:spPr>
-          <a:xfrm>
-            <a:off x="502920" y="530352"/>
-            <a:ext cx="8183880" cy="5346920"/>
-          </a:xfrm>
-        </p:spPr>
-        <p:txBody>
-          <a:bodyPr>
-            <a:normAutofit/>
-          </a:bodyPr>
-          <a:lstStyle/>
-          <a:p>
-            <a:r>
-              <a:rPr lang="pl-PL" dirty="0" smtClean="0"/>
-              <a:t>Wyniki badań dla testów jednostkowych </a:t>
-            </a:r>
-            <a:br>
-              <a:rPr lang="pl-PL" dirty="0" smtClean="0"/>
-            </a:br>
-            <a:r>
-              <a:rPr lang="pl-PL" dirty="0" smtClean="0"/>
-              <a:t>i integracyjnych</a:t>
-            </a:r>
-            <a:endParaRPr lang="pl-PL" sz="2400" dirty="0" smtClean="0"/>
-          </a:p>
-          <a:p>
-            <a:pPr>
-              <a:buFont typeface="Wingdings" panose="05000000000000000000" pitchFamily="2" charset="2"/>
-              <a:buChar char="Ø"/>
-            </a:pPr>
-            <a:endParaRPr lang="pl-PL" sz="2400" dirty="0"/>
-          </a:p>
-        </p:txBody>
-      </p:sp>
-      <p:pic>
-        <p:nvPicPr>
-          <p:cNvPr id="6" name="Picture 2"/>
-          <p:cNvPicPr>
-            <a:picLocks noChangeAspect="1" noChangeArrowheads="1"/>
-          </p:cNvPicPr>
-          <p:nvPr/>
-        </p:nvPicPr>
-        <p:blipFill>
-          <a:blip r:embed="rId3">
-            <a:extLst>
-              <a:ext uri="{28A0092B-C50C-407E-A947-70E740481C1C}">
-                <a14:useLocalDpi xmlns:a14="http://schemas.microsoft.com/office/drawing/2010/main" val="0"/>
-              </a:ext>
-            </a:extLst>
-          </a:blip>
-          <a:srcRect/>
-          <a:stretch>
-            <a:fillRect/>
-          </a:stretch>
-        </p:blipFill>
-        <p:spPr bwMode="auto">
-          <a:xfrm>
-            <a:off x="611560" y="1700808"/>
-            <a:ext cx="3649436" cy="3361953"/>
+            <a:off x="588205" y="1825660"/>
+            <a:ext cx="3704046" cy="2952327"/>
           </a:xfrm>
           <a:prstGeom prst="rect">
             <a:avLst/>
@@ -6596,14 +7024,14 @@
       </p:pic>
       <p:pic>
         <p:nvPicPr>
-          <p:cNvPr id="7" name="Picture 3"/>
+          <p:cNvPr id="5" name="Picture 2"/>
           <p:cNvPicPr>
             <a:picLocks noChangeAspect="1" noChangeArrowheads="1"/>
           </p:cNvPicPr>
           <p:nvPr/>
         </p:nvPicPr>
         <p:blipFill>
-          <a:blip r:embed="rId4">
+          <a:blip r:embed="rId4" cstate="print">
             <a:extLst>
               <a:ext uri="{28A0092B-C50C-407E-A947-70E740481C1C}">
                 <a14:useLocalDpi xmlns:a14="http://schemas.microsoft.com/office/drawing/2010/main" val="0"/>
@@ -6617,8 +7045,8 @@
         </p:blipFill>
         <p:spPr bwMode="auto">
           <a:xfrm>
-            <a:off x="4427984" y="1700808"/>
-            <a:ext cx="3924642" cy="3330230"/>
+            <a:off x="4886352" y="1825660"/>
+            <a:ext cx="3399655" cy="2880319"/>
           </a:xfrm>
           <a:prstGeom prst="rect">
             <a:avLst/>
@@ -6648,1832 +7076,123 @@
           </a:extLst>
         </p:spPr>
       </p:pic>
-      <p:pic>
-        <p:nvPicPr>
-          <p:cNvPr id="8" name="Picture 2"/>
-          <p:cNvPicPr>
-            <a:picLocks noChangeAspect="1" noChangeArrowheads="1"/>
-          </p:cNvPicPr>
+      <p:sp>
+        <p:nvSpPr>
+          <p:cNvPr id="6" name="TextBox 5"/>
+          <p:cNvSpPr txBox="1"/>
           <p:nvPr/>
-        </p:nvPicPr>
-        <p:blipFill>
-          <a:blip r:embed="rId5">
-            <a:extLst>
-              <a:ext uri="{28A0092B-C50C-407E-A947-70E740481C1C}">
-                <a14:useLocalDpi xmlns:a14="http://schemas.microsoft.com/office/drawing/2010/main" val="0"/>
-              </a:ext>
-            </a:extLst>
-          </a:blip>
-          <a:srcRect/>
-          <a:stretch>
-            <a:fillRect/>
-          </a:stretch>
-        </p:blipFill>
-        <p:spPr bwMode="auto">
+        </p:nvSpPr>
+        <p:spPr>
           <a:xfrm>
-            <a:off x="2627784" y="2060848"/>
-            <a:ext cx="4099917" cy="3885865"/>
+            <a:off x="755576" y="4994012"/>
+            <a:ext cx="3456384" cy="523220"/>
           </a:xfrm>
           <a:prstGeom prst="rect">
             <a:avLst/>
           </a:prstGeom>
           <a:noFill/>
-          <a:ln>
-            <a:noFill/>
-          </a:ln>
-          <a:extLst>
-            <a:ext uri="{909E8E84-426E-40DD-AFC4-6F175D3DCCD1}">
-              <a14:hiddenFill xmlns:a14="http://schemas.microsoft.com/office/drawing/2010/main">
-                <a:solidFill>
-                  <a:schemeClr val="accent1"/>
-                </a:solidFill>
-              </a14:hiddenFill>
-            </a:ext>
-            <a:ext uri="{91240B29-F687-4F45-9708-019B960494DF}">
-              <a14:hiddenLine xmlns:a14="http://schemas.microsoft.com/office/drawing/2010/main" w="9525">
-                <a:solidFill>
-                  <a:schemeClr val="tx1"/>
-                </a:solidFill>
-                <a:miter lim="800000"/>
-                <a:headEnd/>
-                <a:tailEnd/>
-              </a14:hiddenLine>
-            </a:ext>
-          </a:extLst>
         </p:spPr>
-      </p:pic>
-    </p:spTree>
-    <p:extLst>
-      <p:ext uri="{BB962C8B-B14F-4D97-AF65-F5344CB8AC3E}">
-        <p14:creationId xmlns:p14="http://schemas.microsoft.com/office/powerpoint/2010/main" val="2463150376"/>
-      </p:ext>
-    </p:extLst>
-  </p:cSld>
-  <p:clrMapOvr>
-    <a:masterClrMapping/>
-  </p:clrMapOvr>
-  <p:timing>
-    <p:tnLst>
-      <p:par>
-        <p:cTn id="1" dur="indefinite" restart="never" nodeType="tmRoot">
-          <p:childTnLst>
-            <p:seq concurrent="1" nextAc="seek">
-              <p:cTn id="2" dur="indefinite" nodeType="mainSeq">
-                <p:childTnLst>
-                  <p:par>
-                    <p:cTn id="3" fill="hold">
-                      <p:stCondLst>
-                        <p:cond delay="indefinite"/>
-                      </p:stCondLst>
-                      <p:childTnLst>
-                        <p:par>
-                          <p:cTn id="4" fill="hold">
-                            <p:stCondLst>
-                              <p:cond delay="0"/>
-                            </p:stCondLst>
-                            <p:childTnLst>
-                              <p:par>
-                                <p:cTn id="5" presetID="2" presetClass="entr" presetSubtype="4" fill="hold" nodeType="clickEffect">
-                                  <p:stCondLst>
-                                    <p:cond delay="0"/>
-                                  </p:stCondLst>
-                                  <p:childTnLst>
-                                    <p:set>
-                                      <p:cBhvr>
-                                        <p:cTn id="6" dur="1" fill="hold">
-                                          <p:stCondLst>
-                                            <p:cond delay="0"/>
-                                          </p:stCondLst>
-                                        </p:cTn>
-                                        <p:tgtEl>
-                                          <p:spTgt spid="6"/>
-                                        </p:tgtEl>
-                                        <p:attrNameLst>
-                                          <p:attrName>style.visibility</p:attrName>
-                                        </p:attrNameLst>
-                                      </p:cBhvr>
-                                      <p:to>
-                                        <p:strVal val="visible"/>
-                                      </p:to>
-                                    </p:set>
-                                    <p:anim calcmode="lin" valueType="num">
-                                      <p:cBhvr additive="base">
-                                        <p:cTn id="7" dur="500" fill="hold"/>
-                                        <p:tgtEl>
-                                          <p:spTgt spid="6"/>
-                                        </p:tgtEl>
-                                        <p:attrNameLst>
-                                          <p:attrName>ppt_x</p:attrName>
-                                        </p:attrNameLst>
-                                      </p:cBhvr>
-                                      <p:tavLst>
-                                        <p:tav tm="0">
-                                          <p:val>
-                                            <p:strVal val="#ppt_x"/>
-                                          </p:val>
-                                        </p:tav>
-                                        <p:tav tm="100000">
-                                          <p:val>
-                                            <p:strVal val="#ppt_x"/>
-                                          </p:val>
-                                        </p:tav>
-                                      </p:tavLst>
-                                    </p:anim>
-                                    <p:anim calcmode="lin" valueType="num">
-                                      <p:cBhvr additive="base">
-                                        <p:cTn id="8" dur="500" fill="hold"/>
-                                        <p:tgtEl>
-                                          <p:spTgt spid="6"/>
-                                        </p:tgtEl>
-                                        <p:attrNameLst>
-                                          <p:attrName>ppt_y</p:attrName>
-                                        </p:attrNameLst>
-                                      </p:cBhvr>
-                                      <p:tavLst>
-                                        <p:tav tm="0">
-                                          <p:val>
-                                            <p:strVal val="1+#ppt_h/2"/>
-                                          </p:val>
-                                        </p:tav>
-                                        <p:tav tm="100000">
-                                          <p:val>
-                                            <p:strVal val="#ppt_y"/>
-                                          </p:val>
-                                        </p:tav>
-                                      </p:tavLst>
-                                    </p:anim>
-                                  </p:childTnLst>
-                                </p:cTn>
-                              </p:par>
-                            </p:childTnLst>
-                          </p:cTn>
-                        </p:par>
-                      </p:childTnLst>
-                    </p:cTn>
-                  </p:par>
-                  <p:par>
-                    <p:cTn id="9" fill="hold">
-                      <p:stCondLst>
-                        <p:cond delay="indefinite"/>
-                      </p:stCondLst>
-                      <p:childTnLst>
-                        <p:par>
-                          <p:cTn id="10" fill="hold">
-                            <p:stCondLst>
-                              <p:cond delay="0"/>
-                            </p:stCondLst>
-                            <p:childTnLst>
-                              <p:par>
-                                <p:cTn id="11" presetID="2" presetClass="entr" presetSubtype="4" fill="hold" nodeType="clickEffect">
-                                  <p:stCondLst>
-                                    <p:cond delay="0"/>
-                                  </p:stCondLst>
-                                  <p:childTnLst>
-                                    <p:set>
-                                      <p:cBhvr>
-                                        <p:cTn id="12" dur="1" fill="hold">
-                                          <p:stCondLst>
-                                            <p:cond delay="0"/>
-                                          </p:stCondLst>
-                                        </p:cTn>
-                                        <p:tgtEl>
-                                          <p:spTgt spid="7"/>
-                                        </p:tgtEl>
-                                        <p:attrNameLst>
-                                          <p:attrName>style.visibility</p:attrName>
-                                        </p:attrNameLst>
-                                      </p:cBhvr>
-                                      <p:to>
-                                        <p:strVal val="visible"/>
-                                      </p:to>
-                                    </p:set>
-                                    <p:anim calcmode="lin" valueType="num">
-                                      <p:cBhvr additive="base">
-                                        <p:cTn id="13" dur="500" fill="hold"/>
-                                        <p:tgtEl>
-                                          <p:spTgt spid="7"/>
-                                        </p:tgtEl>
-                                        <p:attrNameLst>
-                                          <p:attrName>ppt_x</p:attrName>
-                                        </p:attrNameLst>
-                                      </p:cBhvr>
-                                      <p:tavLst>
-                                        <p:tav tm="0">
-                                          <p:val>
-                                            <p:strVal val="#ppt_x"/>
-                                          </p:val>
-                                        </p:tav>
-                                        <p:tav tm="100000">
-                                          <p:val>
-                                            <p:strVal val="#ppt_x"/>
-                                          </p:val>
-                                        </p:tav>
-                                      </p:tavLst>
-                                    </p:anim>
-                                    <p:anim calcmode="lin" valueType="num">
-                                      <p:cBhvr additive="base">
-                                        <p:cTn id="14" dur="500" fill="hold"/>
-                                        <p:tgtEl>
-                                          <p:spTgt spid="7"/>
-                                        </p:tgtEl>
-                                        <p:attrNameLst>
-                                          <p:attrName>ppt_y</p:attrName>
-                                        </p:attrNameLst>
-                                      </p:cBhvr>
-                                      <p:tavLst>
-                                        <p:tav tm="0">
-                                          <p:val>
-                                            <p:strVal val="1+#ppt_h/2"/>
-                                          </p:val>
-                                        </p:tav>
-                                        <p:tav tm="100000">
-                                          <p:val>
-                                            <p:strVal val="#ppt_y"/>
-                                          </p:val>
-                                        </p:tav>
-                                      </p:tavLst>
-                                    </p:anim>
-                                  </p:childTnLst>
-                                </p:cTn>
-                              </p:par>
-                            </p:childTnLst>
-                          </p:cTn>
-                        </p:par>
-                      </p:childTnLst>
-                    </p:cTn>
-                  </p:par>
-                  <p:par>
-                    <p:cTn id="15" fill="hold">
-                      <p:stCondLst>
-                        <p:cond delay="indefinite"/>
-                      </p:stCondLst>
-                      <p:childTnLst>
-                        <p:par>
-                          <p:cTn id="16" fill="hold">
-                            <p:stCondLst>
-                              <p:cond delay="0"/>
-                            </p:stCondLst>
-                            <p:childTnLst>
-                              <p:par>
-                                <p:cTn id="17" presetID="2" presetClass="entr" presetSubtype="4" fill="hold" nodeType="clickEffect">
-                                  <p:stCondLst>
-                                    <p:cond delay="0"/>
-                                  </p:stCondLst>
-                                  <p:childTnLst>
-                                    <p:set>
-                                      <p:cBhvr>
-                                        <p:cTn id="18" dur="1" fill="hold">
-                                          <p:stCondLst>
-                                            <p:cond delay="0"/>
-                                          </p:stCondLst>
-                                        </p:cTn>
-                                        <p:tgtEl>
-                                          <p:spTgt spid="8"/>
-                                        </p:tgtEl>
-                                        <p:attrNameLst>
-                                          <p:attrName>style.visibility</p:attrName>
-                                        </p:attrNameLst>
-                                      </p:cBhvr>
-                                      <p:to>
-                                        <p:strVal val="visible"/>
-                                      </p:to>
-                                    </p:set>
-                                    <p:anim calcmode="lin" valueType="num">
-                                      <p:cBhvr additive="base">
-                                        <p:cTn id="19" dur="500" fill="hold"/>
-                                        <p:tgtEl>
-                                          <p:spTgt spid="8"/>
-                                        </p:tgtEl>
-                                        <p:attrNameLst>
-                                          <p:attrName>ppt_x</p:attrName>
-                                        </p:attrNameLst>
-                                      </p:cBhvr>
-                                      <p:tavLst>
-                                        <p:tav tm="0">
-                                          <p:val>
-                                            <p:strVal val="#ppt_x"/>
-                                          </p:val>
-                                        </p:tav>
-                                        <p:tav tm="100000">
-                                          <p:val>
-                                            <p:strVal val="#ppt_x"/>
-                                          </p:val>
-                                        </p:tav>
-                                      </p:tavLst>
-                                    </p:anim>
-                                    <p:anim calcmode="lin" valueType="num">
-                                      <p:cBhvr additive="base">
-                                        <p:cTn id="20" dur="500" fill="hold"/>
-                                        <p:tgtEl>
-                                          <p:spTgt spid="8"/>
-                                        </p:tgtEl>
-                                        <p:attrNameLst>
-                                          <p:attrName>ppt_y</p:attrName>
-                                        </p:attrNameLst>
-                                      </p:cBhvr>
-                                      <p:tavLst>
-                                        <p:tav tm="0">
-                                          <p:val>
-                                            <p:strVal val="1+#ppt_h/2"/>
-                                          </p:val>
-                                        </p:tav>
-                                        <p:tav tm="100000">
-                                          <p:val>
-                                            <p:strVal val="#ppt_y"/>
-                                          </p:val>
-                                        </p:tav>
-                                      </p:tavLst>
-                                    </p:anim>
-                                  </p:childTnLst>
-                                </p:cTn>
-                              </p:par>
-                            </p:childTnLst>
-                          </p:cTn>
-                        </p:par>
-                      </p:childTnLst>
-                    </p:cTn>
-                  </p:par>
-                </p:childTnLst>
-              </p:cTn>
-              <p:prevCondLst>
-                <p:cond evt="onPrev" delay="0">
-                  <p:tgtEl>
-                    <p:sldTgt/>
-                  </p:tgtEl>
-                </p:cond>
-              </p:prevCondLst>
-              <p:nextCondLst>
-                <p:cond evt="onNext" delay="0">
-                  <p:tgtEl>
-                    <p:sldTgt/>
-                  </p:tgtEl>
-                </p:cond>
-              </p:nextCondLst>
-            </p:seq>
-          </p:childTnLst>
-        </p:cTn>
-      </p:par>
-    </p:tnLst>
-  </p:timing>
-</p:sld>
-</file>
-
-<file path=ppt/slides/slide17.xml><?xml version="1.0" encoding="utf-8"?>
-<p:sld xmlns:a="http://schemas.openxmlformats.org/drawingml/2006/main" xmlns:r="http://schemas.openxmlformats.org/officeDocument/2006/relationships" xmlns:p="http://schemas.openxmlformats.org/presentationml/2006/main">
-  <p:cSld>
-    <p:spTree>
-      <p:nvGrpSpPr>
-        <p:cNvPr id="1" name=""/>
-        <p:cNvGrpSpPr/>
-        <p:nvPr/>
-      </p:nvGrpSpPr>
-      <p:grpSpPr>
-        <a:xfrm>
-          <a:off x="0" y="0"/>
-          <a:ext cx="0" cy="0"/>
-          <a:chOff x="0" y="0"/>
-          <a:chExt cx="0" cy="0"/>
-        </a:xfrm>
-      </p:grpSpPr>
-      <p:sp>
-        <p:nvSpPr>
-          <p:cNvPr id="2" name="Tytuł 1"/>
-          <p:cNvSpPr>
-            <a:spLocks noGrp="1"/>
-          </p:cNvSpPr>
-          <p:nvPr>
-            <p:ph type="title"/>
-          </p:nvPr>
+        <p:txBody>
+          <a:bodyPr wrap="square" rtlCol="0">
+            <a:spAutoFit/>
+          </a:bodyPr>
+          <a:lstStyle/>
+          <a:p>
+            <a:pPr algn="ctr"/>
+            <a:r>
+              <a:rPr lang="pl-PL" sz="1400" dirty="0" smtClean="0"/>
+              <a:t>Zastosowanie jednej z technik Agile: wytwarzania sterowanego testami</a:t>
+            </a:r>
+            <a:endParaRPr lang="sv-SE" sz="1000" dirty="0"/>
+          </a:p>
+        </p:txBody>
+      </p:sp>
+      <p:sp>
+        <p:nvSpPr>
+          <p:cNvPr id="7" name="TextBox 6"/>
+          <p:cNvSpPr txBox="1"/>
+          <p:nvPr/>
         </p:nvSpPr>
         <p:spPr>
           <a:xfrm>
-            <a:off x="467544" y="5661248"/>
-            <a:ext cx="8183880" cy="691520"/>
-          </a:xfrm>
-        </p:spPr>
-        <p:txBody>
-          <a:bodyPr>
-            <a:normAutofit/>
-          </a:bodyPr>
-          <a:lstStyle/>
-          <a:p>
-            <a:r>
-              <a:rPr lang="pl-PL" sz="1400" dirty="0" smtClean="0"/>
-              <a:t>Rafał Sowiak – „Testowalność aplikacji mobilnych na platformę Android”</a:t>
-            </a:r>
-            <a:endParaRPr lang="pl-PL" sz="1400" dirty="0"/>
-          </a:p>
-        </p:txBody>
-      </p:sp>
-      <p:sp>
-        <p:nvSpPr>
-          <p:cNvPr id="3" name="Symbol zastępczy zawartości 2"/>
-          <p:cNvSpPr>
-            <a:spLocks noGrp="1"/>
-          </p:cNvSpPr>
-          <p:nvPr>
-            <p:ph idx="1"/>
-          </p:nvPr>
-        </p:nvSpPr>
-        <p:spPr>
-          <a:xfrm>
-            <a:off x="502920" y="2924944"/>
-            <a:ext cx="8183880" cy="720080"/>
-          </a:xfrm>
-        </p:spPr>
-        <p:txBody>
-          <a:bodyPr>
-            <a:normAutofit/>
-          </a:bodyPr>
-          <a:lstStyle/>
-          <a:p>
-            <a:pPr marL="0" indent="0" algn="ctr">
-              <a:buNone/>
-            </a:pPr>
-            <a:r>
-              <a:rPr lang="pl-PL" b="1" dirty="0" smtClean="0"/>
-              <a:t>Dziękuję za uwagę</a:t>
-            </a:r>
-            <a:endParaRPr lang="pl-PL" dirty="0" smtClean="0"/>
-          </a:p>
-        </p:txBody>
-      </p:sp>
-    </p:spTree>
-    <p:extLst>
-      <p:ext uri="{BB962C8B-B14F-4D97-AF65-F5344CB8AC3E}">
-        <p14:creationId xmlns:p14="http://schemas.microsoft.com/office/powerpoint/2010/main" val="4162598889"/>
-      </p:ext>
-    </p:extLst>
-  </p:cSld>
-  <p:clrMapOvr>
-    <a:masterClrMapping/>
-  </p:clrMapOvr>
-  <p:timing>
-    <p:tnLst>
-      <p:par>
-        <p:cTn id="1" dur="indefinite" restart="never" nodeType="tmRoot"/>
-      </p:par>
-    </p:tnLst>
-  </p:timing>
-</p:sld>
-</file>
-
-<file path=ppt/slides/slide2.xml><?xml version="1.0" encoding="utf-8"?>
-<p:sld xmlns:a="http://schemas.openxmlformats.org/drawingml/2006/main" xmlns:r="http://schemas.openxmlformats.org/officeDocument/2006/relationships" xmlns:p="http://schemas.openxmlformats.org/presentationml/2006/main">
-  <p:cSld>
-    <p:spTree>
-      <p:nvGrpSpPr>
-        <p:cNvPr id="1" name=""/>
-        <p:cNvGrpSpPr/>
-        <p:nvPr/>
-      </p:nvGrpSpPr>
-      <p:grpSpPr>
-        <a:xfrm>
-          <a:off x="0" y="0"/>
-          <a:ext cx="0" cy="0"/>
-          <a:chOff x="0" y="0"/>
-          <a:chExt cx="0" cy="0"/>
-        </a:xfrm>
-      </p:grpSpPr>
-      <p:sp>
-        <p:nvSpPr>
-          <p:cNvPr id="2" name="Tytuł 1"/>
-          <p:cNvSpPr>
-            <a:spLocks noGrp="1"/>
-          </p:cNvSpPr>
-          <p:nvPr>
-            <p:ph type="title"/>
-          </p:nvPr>
-        </p:nvSpPr>
-        <p:spPr>
-          <a:xfrm>
-            <a:off x="467544" y="5661248"/>
-            <a:ext cx="8183880" cy="691520"/>
-          </a:xfrm>
-        </p:spPr>
-        <p:txBody>
-          <a:bodyPr>
-            <a:normAutofit/>
-          </a:bodyPr>
-          <a:lstStyle/>
-          <a:p>
-            <a:r>
-              <a:rPr lang="pl-PL" sz="1400" dirty="0" smtClean="0"/>
-              <a:t>Rafał Sowiak – „Testowalność aplikacji mobilnych na platformę Android”</a:t>
-            </a:r>
-            <a:endParaRPr lang="pl-PL" sz="1400" dirty="0"/>
-          </a:p>
-        </p:txBody>
-      </p:sp>
-      <p:sp>
-        <p:nvSpPr>
-          <p:cNvPr id="3" name="Symbol zastępczy zawartości 2"/>
-          <p:cNvSpPr>
-            <a:spLocks noGrp="1"/>
-          </p:cNvSpPr>
-          <p:nvPr>
-            <p:ph idx="1"/>
-          </p:nvPr>
-        </p:nvSpPr>
-        <p:spPr>
-          <a:xfrm>
-            <a:off x="502920" y="530352"/>
-            <a:ext cx="8183880" cy="5130896"/>
-          </a:xfrm>
-        </p:spPr>
-        <p:txBody>
-          <a:bodyPr>
-            <a:normAutofit/>
-          </a:bodyPr>
-          <a:lstStyle/>
-          <a:p>
-            <a:r>
-              <a:rPr lang="pl-PL" dirty="0" smtClean="0"/>
-              <a:t>Platforma Android</a:t>
-            </a:r>
-          </a:p>
-          <a:p>
-            <a:pPr marL="0" indent="0">
-              <a:buNone/>
-            </a:pPr>
-            <a:endParaRPr lang="pl-PL" sz="2400" dirty="0" smtClean="0"/>
-          </a:p>
-          <a:p>
-            <a:pPr>
-              <a:buFont typeface="Wingdings" panose="05000000000000000000" pitchFamily="2" charset="2"/>
-              <a:buChar char="ü"/>
-            </a:pPr>
-            <a:endParaRPr lang="pl-PL" sz="2400" dirty="0" smtClean="0"/>
-          </a:p>
-          <a:p>
-            <a:pPr>
-              <a:buFont typeface="Wingdings" panose="05000000000000000000" pitchFamily="2" charset="2"/>
-              <a:buChar char="ü"/>
-            </a:pPr>
-            <a:endParaRPr lang="pl-PL" sz="2400" dirty="0"/>
-          </a:p>
-          <a:p>
-            <a:pPr>
-              <a:buFont typeface="Wingdings" panose="05000000000000000000" pitchFamily="2" charset="2"/>
-              <a:buChar char="ü"/>
-            </a:pPr>
-            <a:endParaRPr lang="pl-PL" sz="2400" dirty="0" smtClean="0"/>
-          </a:p>
-          <a:p>
-            <a:pPr>
-              <a:buFont typeface="Wingdings" panose="05000000000000000000" pitchFamily="2" charset="2"/>
-              <a:buChar char="ü"/>
-            </a:pPr>
-            <a:r>
-              <a:rPr lang="pl-PL" sz="2400" dirty="0" smtClean="0"/>
-              <a:t>- </a:t>
-            </a:r>
-            <a:r>
-              <a:rPr lang="pl-PL" sz="2400" b="1" dirty="0" smtClean="0"/>
-              <a:t>Android</a:t>
-            </a:r>
-            <a:r>
-              <a:rPr lang="pl-PL" sz="2400" dirty="0" smtClean="0"/>
-              <a:t> </a:t>
-            </a:r>
-            <a:r>
-              <a:rPr lang="pl-PL" sz="2400" dirty="0"/>
-              <a:t>– system operacyjny z jądrem Linux dla urządzeń </a:t>
-            </a:r>
-            <a:r>
-              <a:rPr lang="pl-PL" sz="2400" dirty="0" smtClean="0"/>
-              <a:t>mobilnych, z których najpopularniejszymi są smartfony i tablety. </a:t>
-            </a:r>
-          </a:p>
-        </p:txBody>
-      </p:sp>
-    </p:spTree>
-    <p:extLst>
-      <p:ext uri="{BB962C8B-B14F-4D97-AF65-F5344CB8AC3E}">
-        <p14:creationId xmlns:p14="http://schemas.microsoft.com/office/powerpoint/2010/main" val="650990516"/>
-      </p:ext>
-    </p:extLst>
-  </p:cSld>
-  <p:clrMapOvr>
-    <a:masterClrMapping/>
-  </p:clrMapOvr>
-  <p:timing>
-    <p:tnLst>
-      <p:par>
-        <p:cTn id="1" dur="indefinite" restart="never" nodeType="tmRoot"/>
-      </p:par>
-    </p:tnLst>
-  </p:timing>
-</p:sld>
-</file>
-
-<file path=ppt/slides/slide3.xml><?xml version="1.0" encoding="utf-8"?>
-<p:sld xmlns:a="http://schemas.openxmlformats.org/drawingml/2006/main" xmlns:r="http://schemas.openxmlformats.org/officeDocument/2006/relationships" xmlns:p="http://schemas.openxmlformats.org/presentationml/2006/main">
-  <p:cSld>
-    <p:spTree>
-      <p:nvGrpSpPr>
-        <p:cNvPr id="1" name=""/>
-        <p:cNvGrpSpPr/>
-        <p:nvPr/>
-      </p:nvGrpSpPr>
-      <p:grpSpPr>
-        <a:xfrm>
-          <a:off x="0" y="0"/>
-          <a:ext cx="0" cy="0"/>
-          <a:chOff x="0" y="0"/>
-          <a:chExt cx="0" cy="0"/>
-        </a:xfrm>
-      </p:grpSpPr>
-      <p:sp>
-        <p:nvSpPr>
-          <p:cNvPr id="2" name="Tytuł 1"/>
-          <p:cNvSpPr>
-            <a:spLocks noGrp="1"/>
-          </p:cNvSpPr>
-          <p:nvPr>
-            <p:ph type="title"/>
-          </p:nvPr>
-        </p:nvSpPr>
-        <p:spPr>
-          <a:xfrm>
-            <a:off x="467544" y="5661248"/>
-            <a:ext cx="8183880" cy="691520"/>
-          </a:xfrm>
-        </p:spPr>
-        <p:txBody>
-          <a:bodyPr>
-            <a:normAutofit/>
-          </a:bodyPr>
-          <a:lstStyle/>
-          <a:p>
-            <a:r>
-              <a:rPr lang="pl-PL" sz="1400" dirty="0" smtClean="0"/>
-              <a:t>Rafał Sowiak – „Testowalność aplikacji mobilnych na platformę Android”</a:t>
-            </a:r>
-            <a:endParaRPr lang="pl-PL" sz="1400" dirty="0"/>
-          </a:p>
-        </p:txBody>
-      </p:sp>
-      <p:sp>
-        <p:nvSpPr>
-          <p:cNvPr id="3" name="Symbol zastępczy zawartości 2"/>
-          <p:cNvSpPr>
-            <a:spLocks noGrp="1"/>
-          </p:cNvSpPr>
-          <p:nvPr>
-            <p:ph idx="1"/>
-          </p:nvPr>
-        </p:nvSpPr>
-        <p:spPr>
-          <a:xfrm>
-            <a:off x="502920" y="530352"/>
-            <a:ext cx="8183880" cy="1170456"/>
-          </a:xfrm>
-        </p:spPr>
-        <p:txBody>
-          <a:bodyPr>
-            <a:normAutofit/>
-          </a:bodyPr>
-          <a:lstStyle/>
-          <a:p>
-            <a:r>
-              <a:rPr lang="pl-PL" dirty="0" smtClean="0"/>
-              <a:t>Android – udział w rynku urządzeń mobilnych na świecie </a:t>
-            </a:r>
-            <a:r>
-              <a:rPr lang="pl-PL" sz="1300" dirty="0" smtClean="0"/>
-              <a:t>(źródło: portal </a:t>
-            </a:r>
-            <a:r>
-              <a:rPr lang="pl-PL" sz="1300" dirty="0"/>
-              <a:t>a</a:t>
-            </a:r>
-            <a:r>
-              <a:rPr lang="pl-PL" sz="1300" dirty="0" smtClean="0"/>
-              <a:t>ndroid.com.pl)</a:t>
-            </a:r>
-          </a:p>
-          <a:p>
-            <a:pPr marL="0" indent="0">
-              <a:buNone/>
-            </a:pPr>
-            <a:endParaRPr lang="pl-PL" sz="2400" dirty="0" smtClean="0"/>
-          </a:p>
-          <a:p>
-            <a:pPr>
-              <a:buFont typeface="Wingdings" panose="05000000000000000000" pitchFamily="2" charset="2"/>
-              <a:buChar char="ü"/>
-            </a:pPr>
-            <a:endParaRPr lang="pl-PL" sz="2400" dirty="0" smtClean="0"/>
-          </a:p>
-          <a:p>
-            <a:pPr>
-              <a:buFont typeface="Wingdings" panose="05000000000000000000" pitchFamily="2" charset="2"/>
-              <a:buChar char="ü"/>
-            </a:pPr>
-            <a:endParaRPr lang="pl-PL" sz="2400" dirty="0"/>
-          </a:p>
-        </p:txBody>
-      </p:sp>
-      <p:pic>
-        <p:nvPicPr>
-          <p:cNvPr id="4" name="Picture 2"/>
-          <p:cNvPicPr>
-            <a:picLocks noChangeAspect="1" noChangeArrowheads="1"/>
-          </p:cNvPicPr>
-          <p:nvPr/>
-        </p:nvPicPr>
-        <p:blipFill>
-          <a:blip r:embed="rId3">
-            <a:extLst>
-              <a:ext uri="{28A0092B-C50C-407E-A947-70E740481C1C}">
-                <a14:useLocalDpi xmlns:a14="http://schemas.microsoft.com/office/drawing/2010/main" val="0"/>
-              </a:ext>
-            </a:extLst>
-          </a:blip>
-          <a:srcRect/>
-          <a:stretch>
-            <a:fillRect/>
-          </a:stretch>
-        </p:blipFill>
-        <p:spPr bwMode="auto">
-          <a:xfrm>
-            <a:off x="1259632" y="1772816"/>
-            <a:ext cx="6419587" cy="3850010"/>
+            <a:off x="4886352" y="4994012"/>
+            <a:ext cx="3456384" cy="523220"/>
           </a:xfrm>
           <a:prstGeom prst="rect">
             <a:avLst/>
           </a:prstGeom>
           <a:noFill/>
-          <a:ln>
-            <a:noFill/>
-          </a:ln>
-          <a:extLst>
-            <a:ext uri="{909E8E84-426E-40DD-AFC4-6F175D3DCCD1}">
-              <a14:hiddenFill xmlns:a14="http://schemas.microsoft.com/office/drawing/2010/main">
-                <a:solidFill>
-                  <a:schemeClr val="accent1"/>
-                </a:solidFill>
-              </a14:hiddenFill>
-            </a:ext>
-            <a:ext uri="{91240B29-F687-4F45-9708-019B960494DF}">
-              <a14:hiddenLine xmlns:a14="http://schemas.microsoft.com/office/drawing/2010/main" w="9525">
-                <a:solidFill>
-                  <a:schemeClr val="tx1"/>
-                </a:solidFill>
-                <a:miter lim="800000"/>
-                <a:headEnd/>
-                <a:tailEnd/>
-              </a14:hiddenLine>
-            </a:ext>
-          </a:extLst>
         </p:spPr>
-      </p:pic>
+        <p:txBody>
+          <a:bodyPr wrap="square" rtlCol="0">
+            <a:spAutoFit/>
+          </a:bodyPr>
+          <a:lstStyle/>
+          <a:p>
+            <a:pPr algn="ctr"/>
+            <a:r>
+              <a:rPr lang="pl-PL" sz="1400" dirty="0" smtClean="0"/>
+              <a:t>Wykorzystanie architektury uporządkowanej</a:t>
+            </a:r>
+            <a:br>
+              <a:rPr lang="pl-PL" sz="1400" dirty="0" smtClean="0"/>
+            </a:br>
+            <a:r>
+              <a:rPr lang="pl-PL" sz="1400" dirty="0" smtClean="0"/>
+              <a:t>(</a:t>
+            </a:r>
+            <a:r>
+              <a:rPr lang="pl-PL" sz="1000" dirty="0" smtClean="0"/>
+              <a:t>Źródło: </a:t>
+            </a:r>
+            <a:r>
+              <a:rPr lang="en-US" sz="1000" dirty="0"/>
+              <a:t>Robert Cecil </a:t>
+            </a:r>
+            <a:r>
+              <a:rPr lang="en-US" sz="1000" dirty="0" smtClean="0"/>
+              <a:t>Martin</a:t>
+            </a:r>
+            <a:r>
+              <a:rPr lang="pl-PL" sz="1000" dirty="0" smtClean="0"/>
+              <a:t>,</a:t>
+            </a:r>
+            <a:r>
+              <a:rPr lang="en-US" sz="1000" dirty="0" smtClean="0"/>
+              <a:t> </a:t>
+            </a:r>
+            <a:r>
+              <a:rPr lang="pl-PL" sz="1000" dirty="0" smtClean="0"/>
+              <a:t>„</a:t>
+            </a:r>
+            <a:r>
+              <a:rPr lang="en-US" sz="1000" dirty="0" smtClean="0"/>
+              <a:t>The </a:t>
+            </a:r>
+            <a:r>
+              <a:rPr lang="en-US" sz="1000" dirty="0"/>
+              <a:t>clean </a:t>
+            </a:r>
+            <a:r>
+              <a:rPr lang="en-US" sz="1000" dirty="0" smtClean="0"/>
+              <a:t>architecture</a:t>
+            </a:r>
+            <a:r>
+              <a:rPr lang="pl-PL" sz="1000" dirty="0" smtClean="0"/>
+              <a:t>”</a:t>
+            </a:r>
+            <a:r>
+              <a:rPr lang="pl-PL" sz="1400" dirty="0" smtClean="0"/>
+              <a:t>)</a:t>
+            </a:r>
+            <a:endParaRPr lang="sv-SE" sz="1000" dirty="0"/>
+          </a:p>
+        </p:txBody>
+      </p:sp>
     </p:spTree>
     <p:extLst>
       <p:ext uri="{BB962C8B-B14F-4D97-AF65-F5344CB8AC3E}">
-        <p14:creationId xmlns:p14="http://schemas.microsoft.com/office/powerpoint/2010/main" val="927567971"/>
-      </p:ext>
-    </p:extLst>
-  </p:cSld>
-  <p:clrMapOvr>
-    <a:masterClrMapping/>
-  </p:clrMapOvr>
-  <p:timing>
-    <p:tnLst>
-      <p:par>
-        <p:cTn id="1" dur="indefinite" restart="never" nodeType="tmRoot"/>
-      </p:par>
-    </p:tnLst>
-  </p:timing>
-</p:sld>
-</file>
-
-<file path=ppt/slides/slide4.xml><?xml version="1.0" encoding="utf-8"?>
-<p:sld xmlns:a="http://schemas.openxmlformats.org/drawingml/2006/main" xmlns:r="http://schemas.openxmlformats.org/officeDocument/2006/relationships" xmlns:p="http://schemas.openxmlformats.org/presentationml/2006/main">
-  <p:cSld>
-    <p:spTree>
-      <p:nvGrpSpPr>
-        <p:cNvPr id="1" name=""/>
-        <p:cNvGrpSpPr/>
-        <p:nvPr/>
-      </p:nvGrpSpPr>
-      <p:grpSpPr>
-        <a:xfrm>
-          <a:off x="0" y="0"/>
-          <a:ext cx="0" cy="0"/>
-          <a:chOff x="0" y="0"/>
-          <a:chExt cx="0" cy="0"/>
-        </a:xfrm>
-      </p:grpSpPr>
-      <p:sp>
-        <p:nvSpPr>
-          <p:cNvPr id="2" name="Tytuł 1"/>
-          <p:cNvSpPr>
-            <a:spLocks noGrp="1"/>
-          </p:cNvSpPr>
-          <p:nvPr>
-            <p:ph type="title"/>
-          </p:nvPr>
-        </p:nvSpPr>
-        <p:spPr>
-          <a:xfrm>
-            <a:off x="467544" y="5661248"/>
-            <a:ext cx="8183880" cy="691520"/>
-          </a:xfrm>
-        </p:spPr>
-        <p:txBody>
-          <a:bodyPr>
-            <a:normAutofit/>
-          </a:bodyPr>
-          <a:lstStyle/>
-          <a:p>
-            <a:r>
-              <a:rPr lang="pl-PL" sz="1400" dirty="0" smtClean="0"/>
-              <a:t>Rafał Sowiak – „Testowalność aplikacji mobilnych na platformę Android”</a:t>
-            </a:r>
-            <a:endParaRPr lang="pl-PL" sz="1400" dirty="0"/>
-          </a:p>
-        </p:txBody>
-      </p:sp>
-      <p:sp>
-        <p:nvSpPr>
-          <p:cNvPr id="3" name="Symbol zastępczy zawartości 2"/>
-          <p:cNvSpPr>
-            <a:spLocks noGrp="1"/>
-          </p:cNvSpPr>
-          <p:nvPr>
-            <p:ph idx="1"/>
-          </p:nvPr>
-        </p:nvSpPr>
-        <p:spPr>
-          <a:xfrm>
-            <a:off x="502920" y="530352"/>
-            <a:ext cx="8183880" cy="1170456"/>
-          </a:xfrm>
-        </p:spPr>
-        <p:txBody>
-          <a:bodyPr>
-            <a:normAutofit/>
-          </a:bodyPr>
-          <a:lstStyle/>
-          <a:p>
-            <a:r>
-              <a:rPr lang="pl-PL" dirty="0" smtClean="0"/>
-              <a:t>Android – udział w rynku urządzeń mobilnych w Polsce </a:t>
-            </a:r>
-            <a:r>
-              <a:rPr lang="pl-PL" sz="1300" dirty="0" smtClean="0"/>
-              <a:t>(źródło: portal antyweb.pl)</a:t>
-            </a:r>
-          </a:p>
-          <a:p>
-            <a:pPr marL="0" indent="0">
-              <a:buNone/>
-            </a:pPr>
-            <a:endParaRPr lang="pl-PL" sz="2400" dirty="0" smtClean="0"/>
-          </a:p>
-          <a:p>
-            <a:pPr>
-              <a:buFont typeface="Wingdings" panose="05000000000000000000" pitchFamily="2" charset="2"/>
-              <a:buChar char="ü"/>
-            </a:pPr>
-            <a:endParaRPr lang="pl-PL" sz="2400" dirty="0" smtClean="0"/>
-          </a:p>
-          <a:p>
-            <a:pPr>
-              <a:buFont typeface="Wingdings" panose="05000000000000000000" pitchFamily="2" charset="2"/>
-              <a:buChar char="ü"/>
-            </a:pPr>
-            <a:endParaRPr lang="pl-PL" sz="2400" dirty="0"/>
-          </a:p>
-        </p:txBody>
-      </p:sp>
-      <p:pic>
-        <p:nvPicPr>
-          <p:cNvPr id="4" name="Picture 2"/>
-          <p:cNvPicPr>
-            <a:picLocks noChangeAspect="1" noChangeArrowheads="1"/>
-          </p:cNvPicPr>
-          <p:nvPr/>
-        </p:nvPicPr>
-        <p:blipFill>
-          <a:blip r:embed="rId3">
-            <a:extLst>
-              <a:ext uri="{28A0092B-C50C-407E-A947-70E740481C1C}">
-                <a14:useLocalDpi xmlns:a14="http://schemas.microsoft.com/office/drawing/2010/main" val="0"/>
-              </a:ext>
-            </a:extLst>
-          </a:blip>
-          <a:srcRect/>
-          <a:stretch>
-            <a:fillRect/>
-          </a:stretch>
-        </p:blipFill>
-        <p:spPr bwMode="auto">
-          <a:xfrm>
-            <a:off x="1259632" y="1772816"/>
-            <a:ext cx="6217528" cy="3686944"/>
-          </a:xfrm>
-          <a:prstGeom prst="rect">
-            <a:avLst/>
-          </a:prstGeom>
-          <a:noFill/>
-          <a:ln>
-            <a:noFill/>
-          </a:ln>
-          <a:extLst>
-            <a:ext uri="{909E8E84-426E-40DD-AFC4-6F175D3DCCD1}">
-              <a14:hiddenFill xmlns:a14="http://schemas.microsoft.com/office/drawing/2010/main">
-                <a:solidFill>
-                  <a:schemeClr val="accent1"/>
-                </a:solidFill>
-              </a14:hiddenFill>
-            </a:ext>
-            <a:ext uri="{91240B29-F687-4F45-9708-019B960494DF}">
-              <a14:hiddenLine xmlns:a14="http://schemas.microsoft.com/office/drawing/2010/main" w="9525">
-                <a:solidFill>
-                  <a:schemeClr val="tx1"/>
-                </a:solidFill>
-                <a:miter lim="800000"/>
-                <a:headEnd/>
-                <a:tailEnd/>
-              </a14:hiddenLine>
-            </a:ext>
-          </a:extLst>
-        </p:spPr>
-      </p:pic>
-    </p:spTree>
-    <p:extLst>
-      <p:ext uri="{BB962C8B-B14F-4D97-AF65-F5344CB8AC3E}">
-        <p14:creationId xmlns:p14="http://schemas.microsoft.com/office/powerpoint/2010/main" val="2637611996"/>
-      </p:ext>
-    </p:extLst>
-  </p:cSld>
-  <p:clrMapOvr>
-    <a:masterClrMapping/>
-  </p:clrMapOvr>
-  <p:timing>
-    <p:tnLst>
-      <p:par>
-        <p:cTn id="1" dur="indefinite" restart="never" nodeType="tmRoot"/>
-      </p:par>
-    </p:tnLst>
-  </p:timing>
-</p:sld>
-</file>
-
-<file path=ppt/slides/slide5.xml><?xml version="1.0" encoding="utf-8"?>
-<p:sld xmlns:a="http://schemas.openxmlformats.org/drawingml/2006/main" xmlns:r="http://schemas.openxmlformats.org/officeDocument/2006/relationships" xmlns:p="http://schemas.openxmlformats.org/presentationml/2006/main">
-  <p:cSld>
-    <p:spTree>
-      <p:nvGrpSpPr>
-        <p:cNvPr id="1" name=""/>
-        <p:cNvGrpSpPr/>
-        <p:nvPr/>
-      </p:nvGrpSpPr>
-      <p:grpSpPr>
-        <a:xfrm>
-          <a:off x="0" y="0"/>
-          <a:ext cx="0" cy="0"/>
-          <a:chOff x="0" y="0"/>
-          <a:chExt cx="0" cy="0"/>
-        </a:xfrm>
-      </p:grpSpPr>
-      <p:sp>
-        <p:nvSpPr>
-          <p:cNvPr id="2" name="Tytuł 1"/>
-          <p:cNvSpPr>
-            <a:spLocks noGrp="1"/>
-          </p:cNvSpPr>
-          <p:nvPr>
-            <p:ph type="title"/>
-          </p:nvPr>
-        </p:nvSpPr>
-        <p:spPr>
-          <a:xfrm>
-            <a:off x="467544" y="5661248"/>
-            <a:ext cx="8183880" cy="691520"/>
-          </a:xfrm>
-        </p:spPr>
-        <p:txBody>
-          <a:bodyPr>
-            <a:normAutofit/>
-          </a:bodyPr>
-          <a:lstStyle/>
-          <a:p>
-            <a:r>
-              <a:rPr lang="pl-PL" sz="1400" dirty="0" smtClean="0"/>
-              <a:t>Rafał Sowiak – „Testowalność aplikacji mobilnych na platformę Android”</a:t>
-            </a:r>
-            <a:endParaRPr lang="pl-PL" sz="1400" dirty="0"/>
-          </a:p>
-        </p:txBody>
-      </p:sp>
-      <p:sp>
-        <p:nvSpPr>
-          <p:cNvPr id="3" name="Symbol zastępczy zawartości 2"/>
-          <p:cNvSpPr>
-            <a:spLocks noGrp="1"/>
-          </p:cNvSpPr>
-          <p:nvPr>
-            <p:ph idx="1"/>
-          </p:nvPr>
-        </p:nvSpPr>
-        <p:spPr>
-          <a:xfrm>
-            <a:off x="502920" y="530352"/>
-            <a:ext cx="8183880" cy="5130896"/>
-          </a:xfrm>
-        </p:spPr>
-        <p:txBody>
-          <a:bodyPr>
-            <a:normAutofit/>
-          </a:bodyPr>
-          <a:lstStyle/>
-          <a:p>
-            <a:r>
-              <a:rPr lang="pl-PL" dirty="0" smtClean="0"/>
-              <a:t>Android jako system operacyjny</a:t>
-            </a:r>
-          </a:p>
-          <a:p>
-            <a:pPr marL="0" indent="0">
-              <a:buNone/>
-            </a:pPr>
-            <a:endParaRPr lang="pl-PL" sz="2400" dirty="0" smtClean="0"/>
-          </a:p>
-          <a:p>
-            <a:pPr>
-              <a:buFont typeface="Wingdings" panose="05000000000000000000" pitchFamily="2" charset="2"/>
-              <a:buChar char="ü"/>
-            </a:pPr>
-            <a:r>
-              <a:rPr lang="pl-PL" sz="2400" dirty="0" smtClean="0"/>
-              <a:t>Android zrzesza </a:t>
-            </a:r>
-            <a:r>
-              <a:rPr lang="pl-PL" sz="2400" dirty="0"/>
-              <a:t>przy sobie dużą społeczność deweloperów piszących </a:t>
-            </a:r>
-            <a:r>
-              <a:rPr lang="pl-PL" sz="2400" i="1" dirty="0"/>
-              <a:t>aplikacje</a:t>
-            </a:r>
-            <a:r>
-              <a:rPr lang="pl-PL" sz="2400" dirty="0"/>
-              <a:t>, które poszerzają funkcjonalność </a:t>
-            </a:r>
-            <a:r>
-              <a:rPr lang="pl-PL" sz="2400" dirty="0" smtClean="0"/>
-              <a:t>urządzeń.</a:t>
-            </a:r>
-          </a:p>
-          <a:p>
-            <a:pPr>
-              <a:buFont typeface="Wingdings" panose="05000000000000000000" pitchFamily="2" charset="2"/>
-              <a:buChar char="ü"/>
-            </a:pPr>
-            <a:endParaRPr lang="pl-PL" sz="2400" dirty="0"/>
-          </a:p>
-          <a:p>
-            <a:pPr>
-              <a:buFont typeface="Wingdings" panose="05000000000000000000" pitchFamily="2" charset="2"/>
-              <a:buChar char="ü"/>
-            </a:pPr>
-            <a:r>
-              <a:rPr lang="pl-PL" sz="2400" dirty="0" smtClean="0"/>
-              <a:t>W pierwszym </a:t>
-            </a:r>
-            <a:r>
-              <a:rPr lang="pl-PL" sz="2400" dirty="0"/>
-              <a:t>kwartale 2016 roku </a:t>
-            </a:r>
-            <a:r>
-              <a:rPr lang="pl-PL" sz="2400" dirty="0" smtClean="0"/>
-              <a:t>w internetowym </a:t>
-            </a:r>
-            <a:r>
-              <a:rPr lang="pl-PL" sz="2400" dirty="0"/>
-              <a:t>sklepie Google Play (wcześniej Android </a:t>
-            </a:r>
-            <a:r>
-              <a:rPr lang="pl-PL" sz="2400" dirty="0" smtClean="0"/>
-              <a:t>Market) dostępnych było </a:t>
-            </a:r>
-            <a:r>
-              <a:rPr lang="pl-PL" sz="2400" dirty="0"/>
-              <a:t>ponad 1,9 miliona </a:t>
-            </a:r>
-            <a:r>
-              <a:rPr lang="pl-PL" sz="2400" dirty="0" smtClean="0"/>
-              <a:t>aplikacji </a:t>
-            </a:r>
-            <a:r>
-              <a:rPr lang="pl-PL" sz="1300" dirty="0"/>
-              <a:t>(źródło: portal android.com.pl)</a:t>
-            </a:r>
-          </a:p>
-          <a:p>
-            <a:pPr marL="0" indent="0">
-              <a:buNone/>
-            </a:pPr>
-            <a:endParaRPr lang="pl-PL" sz="4000" dirty="0"/>
-          </a:p>
-          <a:p>
-            <a:pPr>
-              <a:buFont typeface="Wingdings" panose="05000000000000000000" pitchFamily="2" charset="2"/>
-              <a:buChar char="ü"/>
-            </a:pPr>
-            <a:endParaRPr lang="pl-PL" sz="2400" dirty="0"/>
-          </a:p>
-        </p:txBody>
-      </p:sp>
-    </p:spTree>
-    <p:extLst>
-      <p:ext uri="{BB962C8B-B14F-4D97-AF65-F5344CB8AC3E}">
-        <p14:creationId xmlns:p14="http://schemas.microsoft.com/office/powerpoint/2010/main" val="1830383820"/>
-      </p:ext>
-    </p:extLst>
-  </p:cSld>
-  <p:clrMapOvr>
-    <a:masterClrMapping/>
-  </p:clrMapOvr>
-  <p:timing>
-    <p:tnLst>
-      <p:par>
-        <p:cTn id="1" dur="indefinite" restart="never" nodeType="tmRoot"/>
-      </p:par>
-    </p:tnLst>
-  </p:timing>
-</p:sld>
-</file>
-
-<file path=ppt/slides/slide6.xml><?xml version="1.0" encoding="utf-8"?>
-<p:sld xmlns:a="http://schemas.openxmlformats.org/drawingml/2006/main" xmlns:r="http://schemas.openxmlformats.org/officeDocument/2006/relationships" xmlns:p="http://schemas.openxmlformats.org/presentationml/2006/main">
-  <p:cSld>
-    <p:spTree>
-      <p:nvGrpSpPr>
-        <p:cNvPr id="1" name=""/>
-        <p:cNvGrpSpPr/>
-        <p:nvPr/>
-      </p:nvGrpSpPr>
-      <p:grpSpPr>
-        <a:xfrm>
-          <a:off x="0" y="0"/>
-          <a:ext cx="0" cy="0"/>
-          <a:chOff x="0" y="0"/>
-          <a:chExt cx="0" cy="0"/>
-        </a:xfrm>
-      </p:grpSpPr>
-      <p:sp>
-        <p:nvSpPr>
-          <p:cNvPr id="2" name="Tytuł 1"/>
-          <p:cNvSpPr>
-            <a:spLocks noGrp="1"/>
-          </p:cNvSpPr>
-          <p:nvPr>
-            <p:ph type="title"/>
-          </p:nvPr>
-        </p:nvSpPr>
-        <p:spPr>
-          <a:xfrm>
-            <a:off x="467544" y="5661248"/>
-            <a:ext cx="8183880" cy="691520"/>
-          </a:xfrm>
-        </p:spPr>
-        <p:txBody>
-          <a:bodyPr>
-            <a:normAutofit/>
-          </a:bodyPr>
-          <a:lstStyle/>
-          <a:p>
-            <a:r>
-              <a:rPr lang="pl-PL" sz="1400" dirty="0" smtClean="0"/>
-              <a:t>Rafał Sowiak – „Testowalność aplikacji mobilnych na platformę Android”</a:t>
-            </a:r>
-            <a:endParaRPr lang="pl-PL" sz="1400" dirty="0"/>
-          </a:p>
-        </p:txBody>
-      </p:sp>
-      <p:sp>
-        <p:nvSpPr>
-          <p:cNvPr id="3" name="Symbol zastępczy zawartości 2"/>
-          <p:cNvSpPr>
-            <a:spLocks noGrp="1"/>
-          </p:cNvSpPr>
-          <p:nvPr>
-            <p:ph idx="1"/>
-          </p:nvPr>
-        </p:nvSpPr>
-        <p:spPr>
-          <a:xfrm>
-            <a:off x="502920" y="530352"/>
-            <a:ext cx="8183880" cy="4266800"/>
-          </a:xfrm>
-        </p:spPr>
-        <p:txBody>
-          <a:bodyPr>
-            <a:normAutofit/>
-          </a:bodyPr>
-          <a:lstStyle/>
-          <a:p>
-            <a:r>
-              <a:rPr lang="pl-PL" dirty="0" smtClean="0"/>
-              <a:t>W jakich językach pisze się aplikacje na Androida?</a:t>
-            </a:r>
-          </a:p>
-          <a:p>
-            <a:pPr marL="0" indent="0">
-              <a:buNone/>
-            </a:pPr>
-            <a:endParaRPr lang="pl-PL" sz="2400" dirty="0" smtClean="0"/>
-          </a:p>
-          <a:p>
-            <a:pPr>
-              <a:buFont typeface="Wingdings" panose="05000000000000000000" pitchFamily="2" charset="2"/>
-              <a:buChar char="ü"/>
-            </a:pPr>
-            <a:r>
-              <a:rPr lang="pl-PL" sz="2400" dirty="0" smtClean="0"/>
-              <a:t>C++ (Android NDK)</a:t>
-            </a:r>
-          </a:p>
-          <a:p>
-            <a:pPr>
-              <a:buFont typeface="Wingdings" panose="05000000000000000000" pitchFamily="2" charset="2"/>
-              <a:buChar char="ü"/>
-            </a:pPr>
-            <a:endParaRPr lang="pl-PL" sz="2400" dirty="0" smtClean="0"/>
-          </a:p>
-          <a:p>
-            <a:pPr>
-              <a:buFont typeface="Wingdings" panose="05000000000000000000" pitchFamily="2" charset="2"/>
-              <a:buChar char="ü"/>
-            </a:pPr>
-            <a:r>
-              <a:rPr lang="pl-PL" sz="2400" dirty="0"/>
-              <a:t>PHP, Action </a:t>
-            </a:r>
-            <a:r>
-              <a:rPr lang="pl-PL" sz="2400" dirty="0" err="1"/>
-              <a:t>Script</a:t>
-            </a:r>
-            <a:r>
-              <a:rPr lang="pl-PL" sz="2400" dirty="0"/>
-              <a:t>, HTML, C#, Delphi, </a:t>
-            </a:r>
-            <a:r>
-              <a:rPr lang="pl-PL" sz="2400" dirty="0" smtClean="0"/>
-              <a:t>Kotlin (...)</a:t>
-            </a:r>
-          </a:p>
-          <a:p>
-            <a:pPr>
-              <a:buFont typeface="Wingdings" panose="05000000000000000000" pitchFamily="2" charset="2"/>
-              <a:buChar char="ü"/>
-            </a:pPr>
-            <a:endParaRPr lang="pl-PL" sz="2400" dirty="0" smtClean="0"/>
-          </a:p>
-          <a:p>
-            <a:pPr>
-              <a:buFont typeface="Wingdings" panose="05000000000000000000" pitchFamily="2" charset="2"/>
-              <a:buChar char="ü"/>
-            </a:pPr>
-            <a:r>
-              <a:rPr lang="pl-PL" sz="4000" dirty="0" smtClean="0"/>
-              <a:t>Java</a:t>
-            </a:r>
-            <a:endParaRPr lang="pl-PL" sz="4000" dirty="0"/>
-          </a:p>
-        </p:txBody>
-      </p:sp>
-      <p:pic>
-        <p:nvPicPr>
-          <p:cNvPr id="2050" name="Picture 2" descr="http://icons.iconarchive.com/icons/alecive/flatwoken/512/Apps-File-Java-icon.png"/>
-          <p:cNvPicPr>
-            <a:picLocks noChangeAspect="1" noChangeArrowheads="1"/>
-          </p:cNvPicPr>
-          <p:nvPr/>
-        </p:nvPicPr>
-        <p:blipFill>
-          <a:blip r:embed="rId3" cstate="print">
-            <a:extLst>
-              <a:ext uri="{28A0092B-C50C-407E-A947-70E740481C1C}">
-                <a14:useLocalDpi xmlns:a14="http://schemas.microsoft.com/office/drawing/2010/main" val="0"/>
-              </a:ext>
-            </a:extLst>
-          </a:blip>
-          <a:srcRect/>
-          <a:stretch>
-            <a:fillRect/>
-          </a:stretch>
-        </p:blipFill>
-        <p:spPr bwMode="auto">
-          <a:xfrm>
-            <a:off x="6253159" y="3717032"/>
-            <a:ext cx="1810071" cy="1810072"/>
-          </a:xfrm>
-          <a:prstGeom prst="rect">
-            <a:avLst/>
-          </a:prstGeom>
-          <a:noFill/>
-          <a:extLst>
-            <a:ext uri="{909E8E84-426E-40DD-AFC4-6F175D3DCCD1}">
-              <a14:hiddenFill xmlns:a14="http://schemas.microsoft.com/office/drawing/2010/main">
-                <a:solidFill>
-                  <a:srgbClr val="FFFFFF"/>
-                </a:solidFill>
-              </a14:hiddenFill>
-            </a:ext>
-          </a:extLst>
-        </p:spPr>
-      </p:pic>
-    </p:spTree>
-    <p:extLst>
-      <p:ext uri="{BB962C8B-B14F-4D97-AF65-F5344CB8AC3E}">
-        <p14:creationId xmlns:p14="http://schemas.microsoft.com/office/powerpoint/2010/main" val="2764842096"/>
-      </p:ext>
-    </p:extLst>
-  </p:cSld>
-  <p:clrMapOvr>
-    <a:masterClrMapping/>
-  </p:clrMapOvr>
-  <p:timing>
-    <p:tnLst>
-      <p:par>
-        <p:cTn id="1" dur="indefinite" restart="never" nodeType="tmRoot"/>
-      </p:par>
-    </p:tnLst>
-  </p:timing>
-</p:sld>
-</file>
-
-<file path=ppt/slides/slide7.xml><?xml version="1.0" encoding="utf-8"?>
-<p:sld xmlns:a="http://schemas.openxmlformats.org/drawingml/2006/main" xmlns:r="http://schemas.openxmlformats.org/officeDocument/2006/relationships" xmlns:p="http://schemas.openxmlformats.org/presentationml/2006/main">
-  <p:cSld>
-    <p:spTree>
-      <p:nvGrpSpPr>
-        <p:cNvPr id="1" name=""/>
-        <p:cNvGrpSpPr/>
-        <p:nvPr/>
-      </p:nvGrpSpPr>
-      <p:grpSpPr>
-        <a:xfrm>
-          <a:off x="0" y="0"/>
-          <a:ext cx="0" cy="0"/>
-          <a:chOff x="0" y="0"/>
-          <a:chExt cx="0" cy="0"/>
-        </a:xfrm>
-      </p:grpSpPr>
-      <p:sp>
-        <p:nvSpPr>
-          <p:cNvPr id="2" name="Tytuł 1"/>
-          <p:cNvSpPr>
-            <a:spLocks noGrp="1"/>
-          </p:cNvSpPr>
-          <p:nvPr>
-            <p:ph type="title"/>
-          </p:nvPr>
-        </p:nvSpPr>
-        <p:spPr>
-          <a:xfrm>
-            <a:off x="467544" y="5661248"/>
-            <a:ext cx="8183880" cy="691520"/>
-          </a:xfrm>
-        </p:spPr>
-        <p:txBody>
-          <a:bodyPr>
-            <a:normAutofit/>
-          </a:bodyPr>
-          <a:lstStyle/>
-          <a:p>
-            <a:r>
-              <a:rPr lang="pl-PL" sz="1400" dirty="0" smtClean="0"/>
-              <a:t>Rafał Sowiak – „Testowalność aplikacji mobilnych na platformę Android”</a:t>
-            </a:r>
-            <a:endParaRPr lang="pl-PL" sz="1400" dirty="0"/>
-          </a:p>
-        </p:txBody>
-      </p:sp>
-      <p:sp>
-        <p:nvSpPr>
-          <p:cNvPr id="3" name="Symbol zastępczy zawartości 2"/>
-          <p:cNvSpPr>
-            <a:spLocks noGrp="1"/>
-          </p:cNvSpPr>
-          <p:nvPr>
-            <p:ph idx="1"/>
-          </p:nvPr>
-        </p:nvSpPr>
-        <p:spPr>
-          <a:xfrm>
-            <a:off x="502920" y="530352"/>
-            <a:ext cx="8183880" cy="5346920"/>
-          </a:xfrm>
-        </p:spPr>
-        <p:txBody>
-          <a:bodyPr>
-            <a:normAutofit/>
-          </a:bodyPr>
-          <a:lstStyle/>
-          <a:p>
-            <a:r>
-              <a:rPr lang="pl-PL" b="1" dirty="0" smtClean="0"/>
-              <a:t>Testowalność</a:t>
-            </a:r>
-            <a:r>
-              <a:rPr lang="pl-PL" dirty="0" smtClean="0"/>
-              <a:t> – co to w ogóle jest?</a:t>
-            </a:r>
-          </a:p>
-          <a:p>
-            <a:pPr marL="0" indent="0">
-              <a:buNone/>
-            </a:pPr>
-            <a:endParaRPr lang="pl-PL" sz="2400" dirty="0" smtClean="0"/>
-          </a:p>
-          <a:p>
-            <a:pPr>
-              <a:buFont typeface="Wingdings" panose="05000000000000000000" pitchFamily="2" charset="2"/>
-              <a:buChar char="ü"/>
-            </a:pPr>
-            <a:r>
-              <a:rPr lang="pl-PL" sz="2400" dirty="0" smtClean="0"/>
-              <a:t>Właściwość oprogramowania umożliwiająca testowanie go po zmianach [ISO9126]</a:t>
-            </a:r>
-          </a:p>
-          <a:p>
-            <a:pPr>
-              <a:buFont typeface="Wingdings" panose="05000000000000000000" pitchFamily="2" charset="2"/>
-              <a:buChar char="ü"/>
-            </a:pPr>
-            <a:endParaRPr lang="pl-PL" sz="2400" dirty="0" smtClean="0"/>
-          </a:p>
-          <a:p>
-            <a:pPr>
-              <a:buFont typeface="Wingdings" panose="05000000000000000000" pitchFamily="2" charset="2"/>
-              <a:buChar char="ü"/>
-            </a:pPr>
-            <a:r>
-              <a:rPr lang="pl-PL" sz="2400" dirty="0" smtClean="0"/>
-              <a:t>Termin ten związany jest ściśle z pielęgnowalnością</a:t>
-            </a:r>
-          </a:p>
-          <a:p>
-            <a:pPr>
-              <a:buFont typeface="Wingdings" panose="05000000000000000000" pitchFamily="2" charset="2"/>
-              <a:buChar char="ü"/>
-            </a:pPr>
-            <a:endParaRPr lang="pl-PL" sz="2400" dirty="0" smtClean="0"/>
-          </a:p>
-          <a:p>
-            <a:pPr>
-              <a:buFont typeface="Wingdings" panose="05000000000000000000" pitchFamily="2" charset="2"/>
-              <a:buChar char="ü"/>
-            </a:pPr>
-            <a:r>
-              <a:rPr lang="pl-PL" sz="2400" b="1" dirty="0" smtClean="0"/>
-              <a:t>Pielęgnowalność</a:t>
-            </a:r>
-            <a:r>
-              <a:rPr lang="pl-PL" sz="2400" dirty="0" smtClean="0"/>
-              <a:t> – łatwość, z którą oprogramowanie może być modyfikowane w celu naprawy defektów, dostosowania do nowych wymagań, modyfikowane w celu ułatwienia przyszłego utrzymania lub dostosowania do zmian zachodzących w jego środowisku</a:t>
-            </a:r>
-          </a:p>
-          <a:p>
-            <a:pPr marL="0" indent="0" algn="r">
-              <a:buNone/>
-            </a:pPr>
-            <a:r>
-              <a:rPr lang="pl-PL" sz="1300" dirty="0" smtClean="0"/>
-              <a:t>Źródło: ISTQB</a:t>
-            </a:r>
-            <a:endParaRPr lang="pl-PL" sz="1300" dirty="0"/>
-          </a:p>
-        </p:txBody>
-      </p:sp>
-    </p:spTree>
-    <p:extLst>
-      <p:ext uri="{BB962C8B-B14F-4D97-AF65-F5344CB8AC3E}">
-        <p14:creationId xmlns:p14="http://schemas.microsoft.com/office/powerpoint/2010/main" val="3349153433"/>
-      </p:ext>
-    </p:extLst>
-  </p:cSld>
-  <p:clrMapOvr>
-    <a:masterClrMapping/>
-  </p:clrMapOvr>
-  <p:timing>
-    <p:tnLst>
-      <p:par>
-        <p:cTn id="1" dur="indefinite" restart="never" nodeType="tmRoot"/>
-      </p:par>
-    </p:tnLst>
-  </p:timing>
-</p:sld>
-</file>
-
-<file path=ppt/slides/slide8.xml><?xml version="1.0" encoding="utf-8"?>
-<p:sld xmlns:a="http://schemas.openxmlformats.org/drawingml/2006/main" xmlns:r="http://schemas.openxmlformats.org/officeDocument/2006/relationships" xmlns:p="http://schemas.openxmlformats.org/presentationml/2006/main">
-  <p:cSld>
-    <p:spTree>
-      <p:nvGrpSpPr>
-        <p:cNvPr id="1" name=""/>
-        <p:cNvGrpSpPr/>
-        <p:nvPr/>
-      </p:nvGrpSpPr>
-      <p:grpSpPr>
-        <a:xfrm>
-          <a:off x="0" y="0"/>
-          <a:ext cx="0" cy="0"/>
-          <a:chOff x="0" y="0"/>
-          <a:chExt cx="0" cy="0"/>
-        </a:xfrm>
-      </p:grpSpPr>
-      <p:sp>
-        <p:nvSpPr>
-          <p:cNvPr id="2" name="Tytuł 1"/>
-          <p:cNvSpPr>
-            <a:spLocks noGrp="1"/>
-          </p:cNvSpPr>
-          <p:nvPr>
-            <p:ph type="title"/>
-          </p:nvPr>
-        </p:nvSpPr>
-        <p:spPr>
-          <a:xfrm>
-            <a:off x="467544" y="5661248"/>
-            <a:ext cx="8183880" cy="691520"/>
-          </a:xfrm>
-        </p:spPr>
-        <p:txBody>
-          <a:bodyPr>
-            <a:normAutofit/>
-          </a:bodyPr>
-          <a:lstStyle/>
-          <a:p>
-            <a:r>
-              <a:rPr lang="pl-PL" sz="1400" dirty="0" smtClean="0"/>
-              <a:t>Rafał Sowiak – „Testowalność aplikacji mobilnych na platformę Android”</a:t>
-            </a:r>
-            <a:endParaRPr lang="pl-PL" sz="1400" dirty="0"/>
-          </a:p>
-        </p:txBody>
-      </p:sp>
-      <p:sp>
-        <p:nvSpPr>
-          <p:cNvPr id="3" name="Symbol zastępczy zawartości 2"/>
-          <p:cNvSpPr>
-            <a:spLocks noGrp="1"/>
-          </p:cNvSpPr>
-          <p:nvPr>
-            <p:ph idx="1"/>
-          </p:nvPr>
-        </p:nvSpPr>
-        <p:spPr>
-          <a:xfrm>
-            <a:off x="502920" y="530352"/>
-            <a:ext cx="8183880" cy="5346920"/>
-          </a:xfrm>
-        </p:spPr>
-        <p:txBody>
-          <a:bodyPr>
-            <a:normAutofit/>
-          </a:bodyPr>
-          <a:lstStyle/>
-          <a:p>
-            <a:r>
-              <a:rPr lang="pl-PL" dirty="0" smtClean="0"/>
-              <a:t>Korzyści z testowania oprogramowania</a:t>
-            </a:r>
-          </a:p>
-          <a:p>
-            <a:pPr marL="0" indent="0">
-              <a:buNone/>
-            </a:pPr>
-            <a:endParaRPr lang="pl-PL" sz="2400" dirty="0" smtClean="0"/>
-          </a:p>
-          <a:p>
-            <a:pPr>
-              <a:buFont typeface="Wingdings" panose="05000000000000000000" pitchFamily="2" charset="2"/>
-              <a:buChar char="Ø"/>
-            </a:pPr>
-            <a:r>
-              <a:rPr lang="pl-PL" altLang="pl-PL" sz="2400" dirty="0"/>
-              <a:t>Za pomocą testów można zmierzyć jakość oprogramowania wyrażoną przez ilość znalezionych usterek.</a:t>
-            </a:r>
-          </a:p>
-          <a:p>
-            <a:pPr>
-              <a:buFont typeface="Wingdings" panose="05000000000000000000" pitchFamily="2" charset="2"/>
-              <a:buChar char="Ø"/>
-            </a:pPr>
-            <a:endParaRPr lang="pl-PL" altLang="pl-PL" sz="2400" dirty="0"/>
-          </a:p>
-          <a:p>
-            <a:pPr>
-              <a:buFont typeface="Wingdings" panose="05000000000000000000" pitchFamily="2" charset="2"/>
-              <a:buChar char="Ø"/>
-            </a:pPr>
-            <a:r>
-              <a:rPr lang="pl-PL" altLang="pl-PL" sz="2400" dirty="0"/>
-              <a:t>Testowanie może budować zaufanie do jakości oprogramowania jeżeli osoby testujące znajdują mało usterek bądź nie znajdują ich wcale.</a:t>
-            </a:r>
-          </a:p>
-          <a:p>
-            <a:pPr>
-              <a:buFont typeface="Wingdings" panose="05000000000000000000" pitchFamily="2" charset="2"/>
-              <a:buChar char="Ø"/>
-            </a:pPr>
-            <a:endParaRPr lang="pl-PL" altLang="pl-PL" sz="2400" dirty="0"/>
-          </a:p>
-          <a:p>
-            <a:pPr>
-              <a:buFont typeface="Wingdings" panose="05000000000000000000" pitchFamily="2" charset="2"/>
-              <a:buChar char="Ø"/>
-            </a:pPr>
-            <a:r>
-              <a:rPr lang="pl-PL" altLang="pl-PL" sz="2400" dirty="0"/>
-              <a:t>Testowanie samo w sobie nie poprawia jakości </a:t>
-            </a:r>
-            <a:r>
-              <a:rPr lang="pl-PL" altLang="pl-PL" sz="2400" dirty="0" smtClean="0"/>
-              <a:t>oprogramowania.</a:t>
-            </a:r>
-            <a:endParaRPr lang="pl-PL" sz="2400" dirty="0"/>
-          </a:p>
-        </p:txBody>
-      </p:sp>
-    </p:spTree>
-    <p:extLst>
-      <p:ext uri="{BB962C8B-B14F-4D97-AF65-F5344CB8AC3E}">
-        <p14:creationId xmlns:p14="http://schemas.microsoft.com/office/powerpoint/2010/main" val="672776117"/>
-      </p:ext>
-    </p:extLst>
-  </p:cSld>
-  <p:clrMapOvr>
-    <a:masterClrMapping/>
-  </p:clrMapOvr>
-  <p:timing>
-    <p:tnLst>
-      <p:par>
-        <p:cTn id="1" dur="indefinite" restart="never" nodeType="tmRoot"/>
-      </p:par>
-    </p:tnLst>
-  </p:timing>
-</p:sld>
-</file>
-
-<file path=ppt/slides/slide9.xml><?xml version="1.0" encoding="utf-8"?>
-<p:sld xmlns:a="http://schemas.openxmlformats.org/drawingml/2006/main" xmlns:r="http://schemas.openxmlformats.org/officeDocument/2006/relationships" xmlns:p="http://schemas.openxmlformats.org/presentationml/2006/main">
-  <p:cSld>
-    <p:spTree>
-      <p:nvGrpSpPr>
-        <p:cNvPr id="1" name=""/>
-        <p:cNvGrpSpPr/>
-        <p:nvPr/>
-      </p:nvGrpSpPr>
-      <p:grpSpPr>
-        <a:xfrm>
-          <a:off x="0" y="0"/>
-          <a:ext cx="0" cy="0"/>
-          <a:chOff x="0" y="0"/>
-          <a:chExt cx="0" cy="0"/>
-        </a:xfrm>
-      </p:grpSpPr>
-      <p:sp>
-        <p:nvSpPr>
-          <p:cNvPr id="2" name="Tytuł 1"/>
-          <p:cNvSpPr>
-            <a:spLocks noGrp="1"/>
-          </p:cNvSpPr>
-          <p:nvPr>
-            <p:ph type="title"/>
-          </p:nvPr>
-        </p:nvSpPr>
-        <p:spPr>
-          <a:xfrm>
-            <a:off x="467544" y="5661248"/>
-            <a:ext cx="8183880" cy="691520"/>
-          </a:xfrm>
-        </p:spPr>
-        <p:txBody>
-          <a:bodyPr>
-            <a:normAutofit/>
-          </a:bodyPr>
-          <a:lstStyle/>
-          <a:p>
-            <a:r>
-              <a:rPr lang="pl-PL" sz="1400" dirty="0" smtClean="0"/>
-              <a:t>Rafał Sowiak – „Testowalność aplikacji mobilnych na platformę Android”</a:t>
-            </a:r>
-            <a:endParaRPr lang="pl-PL" sz="1400" dirty="0"/>
-          </a:p>
-        </p:txBody>
-      </p:sp>
-      <p:sp>
-        <p:nvSpPr>
-          <p:cNvPr id="3" name="Symbol zastępczy zawartości 2"/>
-          <p:cNvSpPr>
-            <a:spLocks noGrp="1"/>
-          </p:cNvSpPr>
-          <p:nvPr>
-            <p:ph idx="1"/>
-          </p:nvPr>
-        </p:nvSpPr>
-        <p:spPr>
-          <a:xfrm>
-            <a:off x="502920" y="530352"/>
-            <a:ext cx="8183880" cy="5346920"/>
-          </a:xfrm>
-        </p:spPr>
-        <p:txBody>
-          <a:bodyPr>
-            <a:normAutofit/>
-          </a:bodyPr>
-          <a:lstStyle/>
-          <a:p>
-            <a:r>
-              <a:rPr lang="pl-PL" dirty="0" smtClean="0"/>
-              <a:t>Korzyści z testowania oprogramowania (c.d.)</a:t>
-            </a:r>
-          </a:p>
-          <a:p>
-            <a:pPr marL="0" indent="0">
-              <a:buNone/>
-            </a:pPr>
-            <a:endParaRPr lang="pl-PL" sz="2400" dirty="0" smtClean="0"/>
-          </a:p>
-        </p:txBody>
-      </p:sp>
-      <p:pic>
-        <p:nvPicPr>
-          <p:cNvPr id="4" name="Picture 2"/>
-          <p:cNvPicPr>
-            <a:picLocks noChangeAspect="1" noChangeArrowheads="1"/>
-          </p:cNvPicPr>
-          <p:nvPr/>
-        </p:nvPicPr>
-        <p:blipFill>
-          <a:blip r:embed="rId3">
-            <a:extLst>
-              <a:ext uri="{28A0092B-C50C-407E-A947-70E740481C1C}">
-                <a14:useLocalDpi xmlns:a14="http://schemas.microsoft.com/office/drawing/2010/main" val="0"/>
-              </a:ext>
-            </a:extLst>
-          </a:blip>
-          <a:srcRect/>
-          <a:stretch>
-            <a:fillRect/>
-          </a:stretch>
-        </p:blipFill>
-        <p:spPr bwMode="auto">
-          <a:xfrm>
-            <a:off x="1104767" y="1628799"/>
-            <a:ext cx="6995625" cy="3708375"/>
-          </a:xfrm>
-          <a:prstGeom prst="rect">
-            <a:avLst/>
-          </a:prstGeom>
-          <a:noFill/>
-          <a:ln>
-            <a:noFill/>
-          </a:ln>
-          <a:effectLst/>
-          <a:extLst>
-            <a:ext uri="{909E8E84-426E-40DD-AFC4-6F175D3DCCD1}">
-              <a14:hiddenFill xmlns:a14="http://schemas.microsoft.com/office/drawing/2010/main">
-                <a:solidFill>
-                  <a:schemeClr val="accent1"/>
-                </a:solidFill>
-              </a14:hiddenFill>
-            </a:ext>
-            <a:ext uri="{91240B29-F687-4F45-9708-019B960494DF}">
-              <a14:hiddenLine xmlns:a14="http://schemas.microsoft.com/office/drawing/2010/main" w="9525">
-                <a:solidFill>
-                  <a:schemeClr val="tx1"/>
-                </a:solidFill>
-                <a:miter lim="800000"/>
-                <a:headEnd/>
-                <a:tailEnd/>
-              </a14:hiddenLine>
-            </a:ext>
-            <a:ext uri="{AF507438-7753-43E0-B8FC-AC1667EBCBE1}">
-              <a14:hiddenEffects xmlns:a14="http://schemas.microsoft.com/office/drawing/2010/main">
-                <a:effectLst>
-                  <a:outerShdw dist="35921" dir="2700000" algn="ctr" rotWithShape="0">
-                    <a:schemeClr val="bg2"/>
-                  </a:outerShdw>
-                </a:effectLst>
-              </a14:hiddenEffects>
-            </a:ext>
-          </a:extLst>
-        </p:spPr>
-      </p:pic>
-    </p:spTree>
-    <p:extLst>
-      <p:ext uri="{BB962C8B-B14F-4D97-AF65-F5344CB8AC3E}">
-        <p14:creationId xmlns:p14="http://schemas.microsoft.com/office/powerpoint/2010/main" val="1377015515"/>
+        <p14:creationId xmlns:p14="http://schemas.microsoft.com/office/powerpoint/2010/main" val="2443778310"/>
       </p:ext>
     </p:extLst>
   </p:cSld>

--- a/rafal-sowiak-prezentacja-v1.pptx
+++ b/rafal-sowiak-prezentacja-v1.pptx
@@ -1,11 +1,11 @@
 
 <file path=ppt/presentation.xml><?xml version="1.0" encoding="utf-8"?>
-<p:presentation xmlns:a="http://schemas.openxmlformats.org/drawingml/2006/main" xmlns:r="http://schemas.openxmlformats.org/officeDocument/2006/relationships" xmlns:p="http://schemas.openxmlformats.org/presentationml/2006/main" saveSubsetFonts="1">
+<p:presentation xmlns:a="http://schemas.openxmlformats.org/drawingml/2006/main" xmlns:r="http://schemas.openxmlformats.org/officeDocument/2006/relationships" xmlns:p="http://schemas.openxmlformats.org/presentationml/2006/main" showSpecialPlsOnTitleSld="0" saveSubsetFonts="1">
   <p:sldMasterIdLst>
     <p:sldMasterId id="2147483780" r:id="rId1"/>
   </p:sldMasterIdLst>
   <p:notesMasterIdLst>
-    <p:notesMasterId r:id="rId14"/>
+    <p:notesMasterId r:id="rId15"/>
   </p:notesMasterIdLst>
   <p:sldIdLst>
     <p:sldId id="256" r:id="rId2"/>
@@ -17,9 +17,10 @@
     <p:sldId id="285" r:id="rId8"/>
     <p:sldId id="278" r:id="rId9"/>
     <p:sldId id="283" r:id="rId10"/>
-    <p:sldId id="287" r:id="rId11"/>
-    <p:sldId id="289" r:id="rId12"/>
-    <p:sldId id="290" r:id="rId13"/>
+    <p:sldId id="291" r:id="rId11"/>
+    <p:sldId id="287" r:id="rId12"/>
+    <p:sldId id="289" r:id="rId13"/>
+    <p:sldId id="290" r:id="rId14"/>
   </p:sldIdLst>
   <p:sldSz cx="9144000" cy="6858000" type="screen4x3"/>
   <p:notesSz cx="6858000" cy="9144000"/>
@@ -203,7 +204,7 @@
           <a:p>
             <a:fld id="{5126046C-41AF-4C30-B587-8D347D278FB8}" type="datetimeFigureOut">
               <a:rPr lang="pl-PL" smtClean="0"/>
-              <a:t>2016-05-03</a:t>
+              <a:t>2016-05-04</a:t>
             </a:fld>
             <a:endParaRPr lang="pl-PL"/>
           </a:p>
@@ -639,6 +640,90 @@
 </p:notes>
 </file>
 
+<file path=ppt/notesSlides/notesSlide11.xml><?xml version="1.0" encoding="utf-8"?>
+<p:notes xmlns:a="http://schemas.openxmlformats.org/drawingml/2006/main" xmlns:r="http://schemas.openxmlformats.org/officeDocument/2006/relationships" xmlns:p="http://schemas.openxmlformats.org/presentationml/2006/main">
+  <p:cSld>
+    <p:spTree>
+      <p:nvGrpSpPr>
+        <p:cNvPr id="1" name=""/>
+        <p:cNvGrpSpPr/>
+        <p:nvPr/>
+      </p:nvGrpSpPr>
+      <p:grpSpPr>
+        <a:xfrm>
+          <a:off x="0" y="0"/>
+          <a:ext cx="0" cy="0"/>
+          <a:chOff x="0" y="0"/>
+          <a:chExt cx="0" cy="0"/>
+        </a:xfrm>
+      </p:grpSpPr>
+      <p:sp>
+        <p:nvSpPr>
+          <p:cNvPr id="2" name="Symbol zastępczy obrazu slajdu 1"/>
+          <p:cNvSpPr>
+            <a:spLocks noGrp="1" noRot="1" noChangeAspect="1"/>
+          </p:cNvSpPr>
+          <p:nvPr>
+            <p:ph type="sldImg"/>
+          </p:nvPr>
+        </p:nvSpPr>
+        <p:spPr/>
+      </p:sp>
+      <p:sp>
+        <p:nvSpPr>
+          <p:cNvPr id="3" name="Symbol zastępczy notatek 2"/>
+          <p:cNvSpPr>
+            <a:spLocks noGrp="1"/>
+          </p:cNvSpPr>
+          <p:nvPr>
+            <p:ph type="body" idx="1"/>
+          </p:nvPr>
+        </p:nvSpPr>
+        <p:spPr/>
+        <p:txBody>
+          <a:bodyPr/>
+          <a:lstStyle/>
+          <a:p>
+            <a:endParaRPr lang="pl-PL" dirty="0"/>
+          </a:p>
+        </p:txBody>
+      </p:sp>
+      <p:sp>
+        <p:nvSpPr>
+          <p:cNvPr id="4" name="Symbol zastępczy numeru slajdu 3"/>
+          <p:cNvSpPr>
+            <a:spLocks noGrp="1"/>
+          </p:cNvSpPr>
+          <p:nvPr>
+            <p:ph type="sldNum" sz="quarter" idx="10"/>
+          </p:nvPr>
+        </p:nvSpPr>
+        <p:spPr/>
+        <p:txBody>
+          <a:bodyPr/>
+          <a:lstStyle/>
+          <a:p>
+            <a:fld id="{22743367-B784-4F71-8C29-C0F62797FE66}" type="slidenum">
+              <a:rPr lang="pl-PL" smtClean="0"/>
+              <a:t>13</a:t>
+            </a:fld>
+            <a:endParaRPr lang="pl-PL"/>
+          </a:p>
+        </p:txBody>
+      </p:sp>
+    </p:spTree>
+    <p:extLst>
+      <p:ext uri="{BB962C8B-B14F-4D97-AF65-F5344CB8AC3E}">
+        <p14:creationId xmlns:p14="http://schemas.microsoft.com/office/powerpoint/2010/main" val="2236322427"/>
+      </p:ext>
+    </p:extLst>
+  </p:cSld>
+  <p:clrMapOvr>
+    <a:masterClrMapping/>
+  </p:clrMapOvr>
+</p:notes>
+</file>
+
 <file path=ppt/notesSlides/notesSlide2.xml><?xml version="1.0" encoding="utf-8"?>
 <p:notes xmlns:a="http://schemas.openxmlformats.org/drawingml/2006/main" xmlns:r="http://schemas.openxmlformats.org/officeDocument/2006/relationships" xmlns:p="http://schemas.openxmlformats.org/presentationml/2006/main">
   <p:cSld>
@@ -938,133 +1023,6 @@
         <p:txBody>
           <a:bodyPr/>
           <a:lstStyle/>
-          <a:p>
-            <a:r>
-              <a:rPr lang="en-US" b="1" dirty="0" smtClean="0"/>
-              <a:t>Android Architecture</a:t>
-            </a:r>
-          </a:p>
-          <a:p>
-            <a:r>
-              <a:rPr lang="en-US" dirty="0" smtClean="0"/>
-              <a:t>The objective is the </a:t>
-            </a:r>
-            <a:r>
-              <a:rPr lang="en-US" sz="1200" b="1" kern="1200" dirty="0" smtClean="0">
-                <a:solidFill>
-                  <a:schemeClr val="tx1"/>
-                </a:solidFill>
-                <a:effectLst/>
-                <a:latin typeface="+mn-lt"/>
-                <a:ea typeface="+mn-ea"/>
-                <a:cs typeface="+mn-cs"/>
-              </a:rPr>
-              <a:t>separation of concerns</a:t>
-            </a:r>
-            <a:r>
-              <a:rPr lang="en-US" dirty="0" smtClean="0"/>
-              <a:t> by keeping the business rules not knowing anything at all about the outside world, thus, they can </a:t>
-            </a:r>
-            <a:r>
-              <a:rPr lang="en-US" dirty="0" err="1" smtClean="0"/>
-              <a:t>can</a:t>
-            </a:r>
-            <a:r>
-              <a:rPr lang="en-US" dirty="0" smtClean="0"/>
-              <a:t> be tested without any dependency to any external element.</a:t>
-            </a:r>
-            <a:br>
-              <a:rPr lang="en-US" dirty="0" smtClean="0"/>
-            </a:br>
-            <a:r>
-              <a:rPr lang="en-US" dirty="0" smtClean="0"/>
-              <a:t>To achieve this, </a:t>
-            </a:r>
-            <a:r>
-              <a:rPr lang="en-US" sz="1200" b="1" kern="1200" dirty="0" smtClean="0">
-                <a:solidFill>
-                  <a:schemeClr val="tx1"/>
-                </a:solidFill>
-                <a:effectLst/>
-                <a:latin typeface="+mn-lt"/>
-                <a:ea typeface="+mn-ea"/>
-                <a:cs typeface="+mn-cs"/>
-              </a:rPr>
-              <a:t>my proposal is about breaking up the project into 3 different layers,</a:t>
-            </a:r>
-            <a:r>
-              <a:rPr lang="en-US" dirty="0" smtClean="0"/>
-              <a:t> in which each one has its own purpose and works separately from the others.</a:t>
-            </a:r>
-            <a:br>
-              <a:rPr lang="en-US" dirty="0" smtClean="0"/>
-            </a:br>
-            <a:r>
-              <a:rPr lang="en-US" dirty="0" smtClean="0"/>
-              <a:t>It is worth mentioning that each layer uses its own data model so this independence can be reached (you will see in code that a data mapper is needed in order to accomplish data transformation, a price to be paid if you do not want to cross the use of your models over the entire application).</a:t>
-            </a:r>
-            <a:br>
-              <a:rPr lang="en-US" dirty="0" smtClean="0"/>
-            </a:br>
-            <a:r>
-              <a:rPr lang="en-US" dirty="0" smtClean="0"/>
-              <a:t>Here is an schema so you can see how it looks like:</a:t>
-            </a:r>
-          </a:p>
-          <a:p>
-            <a:endParaRPr lang="pl-PL" dirty="0" smtClean="0"/>
-          </a:p>
-          <a:p>
-            <a:endParaRPr lang="pl-PL" dirty="0" smtClean="0"/>
-          </a:p>
-          <a:p>
-            <a:pPr marL="0" marR="0" indent="0" algn="l" defTabSz="914400" rtl="0" eaLnBrk="1" fontAlgn="auto" latinLnBrk="0" hangingPunct="1">
-              <a:lnSpc>
-                <a:spcPct val="100000"/>
-              </a:lnSpc>
-              <a:spcBef>
-                <a:spcPts val="0"/>
-              </a:spcBef>
-              <a:spcAft>
-                <a:spcPts val="0"/>
-              </a:spcAft>
-              <a:buClrTx/>
-              <a:buSzTx/>
-              <a:buFontTx/>
-              <a:buNone/>
-              <a:tabLst/>
-              <a:defRPr/>
-            </a:pPr>
-            <a:r>
-              <a:rPr lang="pl-PL" altLang="pl-PL" sz="1200" dirty="0" smtClean="0"/>
-              <a:t>Czy nowoczesne podejście do programowania w Android, tzw. </a:t>
-            </a:r>
-            <a:r>
-              <a:rPr lang="pl-PL" sz="1200" b="1" dirty="0" smtClean="0"/>
-              <a:t>“the </a:t>
-            </a:r>
-            <a:r>
-              <a:rPr lang="pl-PL" sz="1200" b="1" dirty="0" err="1" smtClean="0"/>
-              <a:t>clean</a:t>
-            </a:r>
-            <a:r>
-              <a:rPr lang="pl-PL" sz="1200" b="1" dirty="0" smtClean="0"/>
-              <a:t> </a:t>
-            </a:r>
-            <a:r>
-              <a:rPr lang="pl-PL" sz="1200" b="1" dirty="0" err="1" smtClean="0"/>
-              <a:t>architecture</a:t>
-            </a:r>
-            <a:r>
-              <a:rPr lang="pl-PL" sz="1200" b="1" dirty="0" smtClean="0"/>
-              <a:t>”</a:t>
-            </a:r>
-            <a:r>
-              <a:rPr lang="pl-PL" sz="1200" dirty="0" smtClean="0"/>
-              <a:t>, będzie miało wpływ na poprawienie testowalności i pielęgnowalności aplikacji</a:t>
-            </a:r>
-            <a:endParaRPr lang="pl-PL" altLang="pl-PL" sz="1200" dirty="0" smtClean="0"/>
-          </a:p>
           <a:p>
             <a:endParaRPr lang="pl-PL" dirty="0"/>
           </a:p>
@@ -1621,9 +1579,9 @@
           <a:bodyPr/>
           <a:lstStyle/>
           <a:p>
-            <a:fld id="{50135757-D3A2-4B58-B5BC-E38DD5A76FD6}" type="datetimeFigureOut">
-              <a:rPr lang="pl-PL" smtClean="0"/>
-              <a:t>2016-05-03</a:t>
+            <a:fld id="{9F70678E-9E38-45F7-8110-201147B37521}" type="datetime1">
+              <a:rPr lang="pl-PL" smtClean="0"/>
+              <a:t>2016-05-04</a:t>
             </a:fld>
             <a:endParaRPr lang="pl-PL"/>
           </a:p>
@@ -1791,9 +1749,9 @@
           <a:bodyPr/>
           <a:lstStyle/>
           <a:p>
-            <a:fld id="{50135757-D3A2-4B58-B5BC-E38DD5A76FD6}" type="datetimeFigureOut">
-              <a:rPr lang="pl-PL" smtClean="0"/>
-              <a:t>2016-05-03</a:t>
+            <a:fld id="{7A294B40-116A-4FF6-9854-5B580853A638}" type="datetime1">
+              <a:rPr lang="pl-PL" smtClean="0"/>
+              <a:t>2016-05-04</a:t>
             </a:fld>
             <a:endParaRPr lang="pl-PL"/>
           </a:p>
@@ -1971,9 +1929,9 @@
           <a:bodyPr/>
           <a:lstStyle/>
           <a:p>
-            <a:fld id="{50135757-D3A2-4B58-B5BC-E38DD5A76FD6}" type="datetimeFigureOut">
-              <a:rPr lang="pl-PL" smtClean="0"/>
-              <a:t>2016-05-03</a:t>
+            <a:fld id="{1598F987-B9CB-4906-B137-FE3F42E81245}" type="datetime1">
+              <a:rPr lang="pl-PL" smtClean="0"/>
+              <a:t>2016-05-04</a:t>
             </a:fld>
             <a:endParaRPr lang="pl-PL"/>
           </a:p>
@@ -2141,9 +2099,9 @@
           <a:bodyPr/>
           <a:lstStyle/>
           <a:p>
-            <a:fld id="{50135757-D3A2-4B58-B5BC-E38DD5A76FD6}" type="datetimeFigureOut">
-              <a:rPr lang="pl-PL" smtClean="0"/>
-              <a:t>2016-05-03</a:t>
+            <a:fld id="{489A5CD0-1741-4457-ADAC-4163060CC8B4}" type="datetime1">
+              <a:rPr lang="pl-PL" smtClean="0"/>
+              <a:t>2016-05-04</a:t>
             </a:fld>
             <a:endParaRPr lang="pl-PL"/>
           </a:p>
@@ -2387,9 +2345,9 @@
           <a:bodyPr/>
           <a:lstStyle/>
           <a:p>
-            <a:fld id="{50135757-D3A2-4B58-B5BC-E38DD5A76FD6}" type="datetimeFigureOut">
-              <a:rPr lang="pl-PL" smtClean="0"/>
-              <a:t>2016-05-03</a:t>
+            <a:fld id="{B820B01A-DE67-4975-A462-513FB139B6EC}" type="datetime1">
+              <a:rPr lang="pl-PL" smtClean="0"/>
+              <a:t>2016-05-04</a:t>
             </a:fld>
             <a:endParaRPr lang="pl-PL"/>
           </a:p>
@@ -2675,9 +2633,9 @@
           <a:bodyPr/>
           <a:lstStyle/>
           <a:p>
-            <a:fld id="{50135757-D3A2-4B58-B5BC-E38DD5A76FD6}" type="datetimeFigureOut">
-              <a:rPr lang="pl-PL" smtClean="0"/>
-              <a:t>2016-05-03</a:t>
+            <a:fld id="{98E17149-F746-4FEC-9980-0C5B3D1CD9FD}" type="datetime1">
+              <a:rPr lang="pl-PL" smtClean="0"/>
+              <a:t>2016-05-04</a:t>
             </a:fld>
             <a:endParaRPr lang="pl-PL"/>
           </a:p>
@@ -3097,9 +3055,9 @@
           <a:bodyPr/>
           <a:lstStyle/>
           <a:p>
-            <a:fld id="{50135757-D3A2-4B58-B5BC-E38DD5A76FD6}" type="datetimeFigureOut">
-              <a:rPr lang="pl-PL" smtClean="0"/>
-              <a:t>2016-05-03</a:t>
+            <a:fld id="{B5D19B47-DC89-433D-B8B8-10B06A48A81B}" type="datetime1">
+              <a:rPr lang="pl-PL" smtClean="0"/>
+              <a:t>2016-05-04</a:t>
             </a:fld>
             <a:endParaRPr lang="pl-PL"/>
           </a:p>
@@ -3215,9 +3173,9 @@
           <a:bodyPr/>
           <a:lstStyle/>
           <a:p>
-            <a:fld id="{50135757-D3A2-4B58-B5BC-E38DD5A76FD6}" type="datetimeFigureOut">
-              <a:rPr lang="pl-PL" smtClean="0"/>
-              <a:t>2016-05-03</a:t>
+            <a:fld id="{FFBBE788-E3FC-46B0-9C9D-E7ADF455EB2B}" type="datetime1">
+              <a:rPr lang="pl-PL" smtClean="0"/>
+              <a:t>2016-05-04</a:t>
             </a:fld>
             <a:endParaRPr lang="pl-PL"/>
           </a:p>
@@ -3310,9 +3268,9 @@
           <a:bodyPr/>
           <a:lstStyle/>
           <a:p>
-            <a:fld id="{50135757-D3A2-4B58-B5BC-E38DD5A76FD6}" type="datetimeFigureOut">
-              <a:rPr lang="pl-PL" smtClean="0"/>
-              <a:t>2016-05-03</a:t>
+            <a:fld id="{E04FBF6E-E462-4389-B6AD-0AF01DCB1890}" type="datetime1">
+              <a:rPr lang="pl-PL" smtClean="0"/>
+              <a:t>2016-05-04</a:t>
             </a:fld>
             <a:endParaRPr lang="pl-PL"/>
           </a:p>
@@ -3587,9 +3545,9 @@
           <a:bodyPr/>
           <a:lstStyle/>
           <a:p>
-            <a:fld id="{50135757-D3A2-4B58-B5BC-E38DD5A76FD6}" type="datetimeFigureOut">
-              <a:rPr lang="pl-PL" smtClean="0"/>
-              <a:t>2016-05-03</a:t>
+            <a:fld id="{2AF269F9-4D06-4566-8C63-2BB697FDDA0F}" type="datetime1">
+              <a:rPr lang="pl-PL" smtClean="0"/>
+              <a:t>2016-05-04</a:t>
             </a:fld>
             <a:endParaRPr lang="pl-PL"/>
           </a:p>
@@ -3840,9 +3798,9 @@
           <a:bodyPr/>
           <a:lstStyle/>
           <a:p>
-            <a:fld id="{50135757-D3A2-4B58-B5BC-E38DD5A76FD6}" type="datetimeFigureOut">
-              <a:rPr lang="pl-PL" smtClean="0"/>
-              <a:t>2016-05-03</a:t>
+            <a:fld id="{4BE9E310-F241-4B17-9E7A-D55D675E16DD}" type="datetime1">
+              <a:rPr lang="pl-PL" smtClean="0"/>
+              <a:t>2016-05-04</a:t>
             </a:fld>
             <a:endParaRPr lang="pl-PL"/>
           </a:p>
@@ -4053,9 +4011,9 @@
             </a:lvl1pPr>
           </a:lstStyle>
           <a:p>
-            <a:fld id="{50135757-D3A2-4B58-B5BC-E38DD5A76FD6}" type="datetimeFigureOut">
-              <a:rPr lang="pl-PL" smtClean="0"/>
-              <a:t>2016-05-03</a:t>
+            <a:fld id="{00892FE5-6019-4BCF-8F59-6769CFB356E1}" type="datetime1">
+              <a:rPr lang="pl-PL" smtClean="0"/>
+              <a:t>2016-05-04</a:t>
             </a:fld>
             <a:endParaRPr lang="pl-PL"/>
           </a:p>
@@ -4160,6 +4118,7 @@
     <p:sldLayoutId id="2147483790" r:id="rId10"/>
     <p:sldLayoutId id="2147483791" r:id="rId11"/>
   </p:sldLayoutIdLst>
+  <p:hf hdr="0" ftr="0" dt="0"/>
   <p:txStyles>
     <p:titleStyle>
       <a:lvl1pPr algn="ctr" defTabSz="914400" rtl="0" eaLnBrk="1" latinLnBrk="0" hangingPunct="1">
@@ -4623,6 +4582,329 @@
         <p:spPr>
           <a:xfrm>
             <a:off x="502920" y="530352"/>
+            <a:ext cx="8183880" cy="4410816"/>
+          </a:xfrm>
+        </p:spPr>
+        <p:txBody>
+          <a:bodyPr>
+            <a:normAutofit/>
+          </a:bodyPr>
+          <a:lstStyle/>
+          <a:p>
+            <a:r>
+              <a:rPr lang="pl-PL" dirty="0" smtClean="0"/>
+              <a:t>Porównanie testowalności na przykładzie wybranej aplikacji</a:t>
+            </a:r>
+            <a:endParaRPr lang="pl-PL" dirty="0" smtClean="0"/>
+          </a:p>
+          <a:p>
+            <a:pPr marL="0" indent="0">
+              <a:buNone/>
+            </a:pPr>
+            <a:endParaRPr lang="pl-PL" sz="2400" dirty="0" smtClean="0"/>
+          </a:p>
+          <a:p>
+            <a:pPr>
+              <a:buFont typeface="Wingdings" panose="05000000000000000000" pitchFamily="2" charset="2"/>
+              <a:buChar char="Ø"/>
+            </a:pPr>
+            <a:endParaRPr lang="pl-PL" sz="2400" dirty="0"/>
+          </a:p>
+        </p:txBody>
+      </p:sp>
+      <p:pic>
+        <p:nvPicPr>
+          <p:cNvPr id="4" name="Picture 2"/>
+          <p:cNvPicPr>
+            <a:picLocks noChangeAspect="1" noChangeArrowheads="1"/>
+          </p:cNvPicPr>
+          <p:nvPr/>
+        </p:nvPicPr>
+        <p:blipFill>
+          <a:blip r:embed="rId3">
+            <a:extLst>
+              <a:ext uri="{28A0092B-C50C-407E-A947-70E740481C1C}">
+                <a14:useLocalDpi xmlns:a14="http://schemas.microsoft.com/office/drawing/2010/main" val="0"/>
+              </a:ext>
+            </a:extLst>
+          </a:blip>
+          <a:srcRect/>
+          <a:stretch>
+            <a:fillRect/>
+          </a:stretch>
+        </p:blipFill>
+        <p:spPr bwMode="auto">
+          <a:xfrm>
+            <a:off x="1825352" y="1916832"/>
+            <a:ext cx="5482952" cy="2931856"/>
+          </a:xfrm>
+          <a:prstGeom prst="rect">
+            <a:avLst/>
+          </a:prstGeom>
+          <a:noFill/>
+          <a:ln>
+            <a:noFill/>
+          </a:ln>
+          <a:extLst>
+            <a:ext uri="{909E8E84-426E-40DD-AFC4-6F175D3DCCD1}">
+              <a14:hiddenFill xmlns:a14="http://schemas.microsoft.com/office/drawing/2010/main">
+                <a:solidFill>
+                  <a:schemeClr val="accent1"/>
+                </a:solidFill>
+              </a14:hiddenFill>
+            </a:ext>
+            <a:ext uri="{91240B29-F687-4F45-9708-019B960494DF}">
+              <a14:hiddenLine xmlns:a14="http://schemas.microsoft.com/office/drawing/2010/main" w="9525">
+                <a:solidFill>
+                  <a:schemeClr val="tx1"/>
+                </a:solidFill>
+                <a:miter lim="800000"/>
+                <a:headEnd/>
+                <a:tailEnd/>
+              </a14:hiddenLine>
+            </a:ext>
+          </a:extLst>
+        </p:spPr>
+      </p:pic>
+      <p:sp>
+        <p:nvSpPr>
+          <p:cNvPr id="8" name="TextBox 7"/>
+          <p:cNvSpPr txBox="1"/>
+          <p:nvPr/>
+        </p:nvSpPr>
+        <p:spPr>
+          <a:xfrm>
+            <a:off x="955876" y="4978042"/>
+            <a:ext cx="7432548" cy="923330"/>
+          </a:xfrm>
+          <a:prstGeom prst="rect">
+            <a:avLst/>
+          </a:prstGeom>
+          <a:noFill/>
+        </p:spPr>
+        <p:txBody>
+          <a:bodyPr wrap="none" rtlCol="0">
+            <a:spAutoFit/>
+          </a:bodyPr>
+          <a:lstStyle/>
+          <a:p>
+            <a:r>
+              <a:rPr lang="sv-SE" i="1" dirty="0"/>
+              <a:t>JSON Web Token Authentication for Android </a:t>
+            </a:r>
+            <a:r>
+              <a:rPr lang="pl-PL" dirty="0" smtClean="0"/>
+              <a:t>autorstwa Victora Albertosa</a:t>
+            </a:r>
+          </a:p>
+          <a:p>
+            <a:r>
+              <a:rPr lang="sv-SE" dirty="0" smtClean="0"/>
+              <a:t>po</a:t>
+            </a:r>
+            <a:r>
+              <a:rPr lang="pl-PL" dirty="0" smtClean="0"/>
+              <a:t>ś</a:t>
+            </a:r>
+            <a:r>
+              <a:rPr lang="sv-SE" dirty="0" smtClean="0"/>
+              <a:t>wiadcza prawdziwo</a:t>
+            </a:r>
+            <a:r>
+              <a:rPr lang="pl-PL" dirty="0" smtClean="0"/>
+              <a:t>ść</a:t>
+            </a:r>
+            <a:r>
+              <a:rPr lang="sv-SE" dirty="0" smtClean="0"/>
+              <a:t> u</a:t>
+            </a:r>
+            <a:r>
+              <a:rPr lang="pl-PL" dirty="0" smtClean="0"/>
+              <a:t>ż</a:t>
+            </a:r>
+            <a:r>
+              <a:rPr lang="sv-SE" dirty="0" smtClean="0"/>
+              <a:t>ytkowników</a:t>
+            </a:r>
+            <a:r>
+              <a:rPr lang="pl-PL" dirty="0" smtClean="0"/>
+              <a:t> </a:t>
+            </a:r>
+            <a:r>
+              <a:rPr lang="sv-SE" dirty="0" smtClean="0"/>
+              <a:t>Androida </a:t>
+            </a:r>
+            <a:r>
+              <a:rPr lang="sv-SE" dirty="0"/>
+              <a:t>i iOS </a:t>
+            </a:r>
+            <a:r>
+              <a:rPr lang="sv-SE" dirty="0" smtClean="0"/>
+              <a:t>korzystaj</a:t>
+            </a:r>
+            <a:r>
+              <a:rPr lang="pl-PL" dirty="0" smtClean="0"/>
+              <a:t>ą</a:t>
+            </a:r>
+            <a:r>
+              <a:rPr lang="sv-SE" dirty="0" smtClean="0"/>
+              <a:t>c </a:t>
+            </a:r>
+            <a:r>
+              <a:rPr lang="sv-SE" dirty="0"/>
+              <a:t>z </a:t>
+            </a:r>
+            <a:r>
+              <a:rPr lang="sv-SE" i="1" dirty="0"/>
+              <a:t>REST API </a:t>
+            </a:r>
+            <a:endParaRPr lang="pl-PL" i="1" dirty="0" smtClean="0"/>
+          </a:p>
+          <a:p>
+            <a:r>
+              <a:rPr lang="sv-SE" dirty="0" smtClean="0"/>
+              <a:t>serwera </a:t>
+            </a:r>
+            <a:r>
+              <a:rPr lang="sv-SE" i="1" dirty="0"/>
+              <a:t>Parse </a:t>
+            </a:r>
+            <a:r>
+              <a:rPr lang="sv-SE" dirty="0"/>
+              <a:t>oraz </a:t>
+            </a:r>
+            <a:r>
+              <a:rPr lang="sv-SE" i="1" dirty="0"/>
+              <a:t>JSON</a:t>
+            </a:r>
+            <a:r>
+              <a:rPr lang="sv-SE" dirty="0"/>
+              <a:t>1 </a:t>
+            </a:r>
+            <a:r>
+              <a:rPr lang="sv-SE" i="1" dirty="0"/>
+              <a:t>Web Tokens (JWT)</a:t>
+            </a:r>
+            <a:r>
+              <a:rPr lang="sv-SE" dirty="0"/>
+              <a:t>.</a:t>
+            </a:r>
+            <a:endParaRPr lang="sv-SE" dirty="0"/>
+          </a:p>
+        </p:txBody>
+      </p:sp>
+      <p:sp>
+        <p:nvSpPr>
+          <p:cNvPr id="9" name="Slide Number Placeholder 8"/>
+          <p:cNvSpPr>
+            <a:spLocks noGrp="1"/>
+          </p:cNvSpPr>
+          <p:nvPr>
+            <p:ph type="sldNum" sz="quarter" idx="12"/>
+          </p:nvPr>
+        </p:nvSpPr>
+        <p:spPr/>
+        <p:txBody>
+          <a:bodyPr/>
+          <a:lstStyle/>
+          <a:p>
+            <a:fld id="{AE9DFB68-1D88-44DB-A12B-F9906A862B62}" type="slidenum">
+              <a:rPr lang="pl-PL" smtClean="0"/>
+              <a:t>10</a:t>
+            </a:fld>
+            <a:endParaRPr lang="pl-PL"/>
+          </a:p>
+        </p:txBody>
+      </p:sp>
+    </p:spTree>
+    <p:extLst>
+      <p:ext uri="{BB962C8B-B14F-4D97-AF65-F5344CB8AC3E}">
+        <p14:creationId xmlns:p14="http://schemas.microsoft.com/office/powerpoint/2010/main" val="2562237086"/>
+      </p:ext>
+    </p:extLst>
+  </p:cSld>
+  <p:clrMapOvr>
+    <a:masterClrMapping/>
+  </p:clrMapOvr>
+  <p:timing>
+    <p:tnLst>
+      <p:par>
+        <p:cTn id="1" dur="indefinite" restart="never" nodeType="tmRoot"/>
+      </p:par>
+    </p:tnLst>
+  </p:timing>
+</p:sld>
+</file>
+
+<file path=ppt/slides/slide11.xml><?xml version="1.0" encoding="utf-8"?>
+<p:sld xmlns:a="http://schemas.openxmlformats.org/drawingml/2006/main" xmlns:r="http://schemas.openxmlformats.org/officeDocument/2006/relationships" xmlns:p="http://schemas.openxmlformats.org/presentationml/2006/main">
+  <p:cSld>
+    <p:spTree>
+      <p:nvGrpSpPr>
+        <p:cNvPr id="1" name=""/>
+        <p:cNvGrpSpPr/>
+        <p:nvPr/>
+      </p:nvGrpSpPr>
+      <p:grpSpPr>
+        <a:xfrm>
+          <a:off x="0" y="0"/>
+          <a:ext cx="0" cy="0"/>
+          <a:chOff x="0" y="0"/>
+          <a:chExt cx="0" cy="0"/>
+        </a:xfrm>
+      </p:grpSpPr>
+      <p:sp>
+        <p:nvSpPr>
+          <p:cNvPr id="2" name="Tytuł 1"/>
+          <p:cNvSpPr>
+            <a:spLocks noGrp="1"/>
+          </p:cNvSpPr>
+          <p:nvPr>
+            <p:ph type="title"/>
+          </p:nvPr>
+        </p:nvSpPr>
+        <p:spPr>
+          <a:xfrm>
+            <a:off x="467544" y="6049848"/>
+            <a:ext cx="8183880" cy="691520"/>
+          </a:xfrm>
+        </p:spPr>
+        <p:txBody>
+          <a:bodyPr>
+            <a:normAutofit/>
+          </a:bodyPr>
+          <a:lstStyle/>
+          <a:p>
+            <a:r>
+              <a:rPr lang="pl-PL" sz="1400" dirty="0">
+                <a:ln w="0">
+                  <a:noFill/>
+                </a:ln>
+                <a:solidFill>
+                  <a:schemeClr val="bg1">
+                    <a:lumMod val="50000"/>
+                  </a:schemeClr>
+                </a:solidFill>
+              </a:rPr>
+              <a:t>Rafał Sowiak – „Testowalność aplikacji mobilnych na platformę Android”</a:t>
+            </a:r>
+            <a:endParaRPr lang="pl-PL" sz="1400" dirty="0"/>
+          </a:p>
+        </p:txBody>
+      </p:sp>
+      <p:sp>
+        <p:nvSpPr>
+          <p:cNvPr id="3" name="Symbol zastępczy zawartości 2"/>
+          <p:cNvSpPr>
+            <a:spLocks noGrp="1"/>
+          </p:cNvSpPr>
+          <p:nvPr>
+            <p:ph idx="1"/>
+          </p:nvPr>
+        </p:nvSpPr>
+        <p:spPr>
+          <a:xfrm>
+            <a:off x="502920" y="530352"/>
             <a:ext cx="8183880" cy="5346920"/>
           </a:xfrm>
         </p:spPr>
@@ -4653,7 +4935,15 @@
             </a:r>
             <a:r>
               <a:rPr lang="pl-PL" sz="1400" dirty="0" smtClean="0"/>
-              <a:t>, Autor: Wictor Albertos)</a:t>
+              <a:t>, Autor: </a:t>
+            </a:r>
+            <a:r>
+              <a:rPr lang="pl-PL" sz="1400" dirty="0" smtClean="0"/>
+              <a:t>Victor </a:t>
+            </a:r>
+            <a:r>
+              <a:rPr lang="pl-PL" sz="1400" dirty="0" smtClean="0"/>
+              <a:t>Albertos)</a:t>
             </a:r>
             <a:br>
               <a:rPr lang="pl-PL" sz="1400" dirty="0" smtClean="0"/>
@@ -4777,6 +5067,29 @@
           </a:extLst>
         </p:spPr>
       </p:pic>
+      <p:sp>
+        <p:nvSpPr>
+          <p:cNvPr id="4" name="Slide Number Placeholder 3"/>
+          <p:cNvSpPr>
+            <a:spLocks noGrp="1"/>
+          </p:cNvSpPr>
+          <p:nvPr>
+            <p:ph type="sldNum" sz="quarter" idx="12"/>
+          </p:nvPr>
+        </p:nvSpPr>
+        <p:spPr/>
+        <p:txBody>
+          <a:bodyPr/>
+          <a:lstStyle/>
+          <a:p>
+            <a:fld id="{AE9DFB68-1D88-44DB-A12B-F9906A862B62}" type="slidenum">
+              <a:rPr lang="pl-PL" smtClean="0"/>
+              <a:t>11</a:t>
+            </a:fld>
+            <a:endParaRPr lang="pl-PL"/>
+          </a:p>
+        </p:txBody>
+      </p:sp>
     </p:spTree>
     <p:extLst>
       <p:ext uri="{BB962C8B-B14F-4D97-AF65-F5344CB8AC3E}">
@@ -4797,7 +5110,7 @@
 </p:sld>
 </file>
 
-<file path=ppt/slides/slide11.xml><?xml version="1.0" encoding="utf-8"?>
+<file path=ppt/slides/slide12.xml><?xml version="1.0" encoding="utf-8"?>
 <p:sld xmlns:a="http://schemas.openxmlformats.org/drawingml/2006/main" xmlns:r="http://schemas.openxmlformats.org/officeDocument/2006/relationships" xmlns:p="http://schemas.openxmlformats.org/presentationml/2006/main">
   <p:cSld>
     <p:spTree>
@@ -4896,7 +5209,15 @@
             </a:r>
             <a:r>
               <a:rPr lang="pl-PL" sz="1400" dirty="0" smtClean="0"/>
-              <a:t>, Autor: Wictor Albertos)</a:t>
+              <a:t>, Autor: </a:t>
+            </a:r>
+            <a:r>
+              <a:rPr lang="pl-PL" sz="1400" dirty="0" smtClean="0"/>
+              <a:t>Victor </a:t>
+            </a:r>
+            <a:r>
+              <a:rPr lang="pl-PL" sz="1400" dirty="0" smtClean="0"/>
+              <a:t>Albertos)</a:t>
             </a:r>
             <a:br>
               <a:rPr lang="pl-PL" sz="1400" dirty="0" smtClean="0"/>
@@ -4966,6 +5287,29 @@
           </a:extLst>
         </p:spPr>
       </p:pic>
+      <p:sp>
+        <p:nvSpPr>
+          <p:cNvPr id="4" name="Slide Number Placeholder 3"/>
+          <p:cNvSpPr>
+            <a:spLocks noGrp="1"/>
+          </p:cNvSpPr>
+          <p:nvPr>
+            <p:ph type="sldNum" sz="quarter" idx="12"/>
+          </p:nvPr>
+        </p:nvSpPr>
+        <p:spPr/>
+        <p:txBody>
+          <a:bodyPr/>
+          <a:lstStyle/>
+          <a:p>
+            <a:fld id="{AE9DFB68-1D88-44DB-A12B-F9906A862B62}" type="slidenum">
+              <a:rPr lang="pl-PL" smtClean="0"/>
+              <a:t>12</a:t>
+            </a:fld>
+            <a:endParaRPr lang="pl-PL"/>
+          </a:p>
+        </p:txBody>
+      </p:sp>
     </p:spTree>
     <p:extLst>
       <p:ext uri="{BB962C8B-B14F-4D97-AF65-F5344CB8AC3E}">
@@ -4986,7 +5330,7 @@
 </p:sld>
 </file>
 
-<file path=ppt/slides/slide12.xml><?xml version="1.0" encoding="utf-8"?>
+<file path=ppt/slides/slide13.xml><?xml version="1.0" encoding="utf-8"?>
 <p:sld xmlns:a="http://schemas.openxmlformats.org/drawingml/2006/main" xmlns:r="http://schemas.openxmlformats.org/officeDocument/2006/relationships" xmlns:p="http://schemas.openxmlformats.org/presentationml/2006/main">
   <p:cSld>
     <p:spTree>
@@ -5076,58 +5420,68 @@
             <a:endParaRPr lang="pl-PL" sz="2400" dirty="0" smtClean="0"/>
           </a:p>
           <a:p>
+            <a:pPr marL="0" indent="0">
+              <a:buNone/>
+            </a:pPr>
+            <a:r>
+              <a:rPr lang="pl-PL" sz="2400" dirty="0" smtClean="0"/>
+              <a:t>Przeprowadzone badania pokazują, że wykorzystanie </a:t>
+            </a:r>
+            <a:r>
+              <a:rPr lang="pl-PL" sz="2400" i="1" dirty="0" smtClean="0"/>
+              <a:t>The Clean Architecture</a:t>
+            </a:r>
+            <a:r>
+              <a:rPr lang="pl-PL" sz="2400" dirty="0" smtClean="0"/>
+              <a:t> oraz </a:t>
+            </a:r>
+            <a:r>
+              <a:rPr lang="pl-PL" sz="2400" i="1" dirty="0" smtClean="0"/>
+              <a:t>Test Triven Development</a:t>
+            </a:r>
+            <a:r>
+              <a:rPr lang="pl-PL" sz="2400" dirty="0" smtClean="0"/>
+              <a:t> wydaje się właściwe dla polepszenia testowalności badanej aplikacji:</a:t>
+            </a:r>
+          </a:p>
+          <a:p>
             <a:pPr>
               <a:buFont typeface="Wingdings" panose="05000000000000000000" pitchFamily="2" charset="2"/>
               <a:buChar char="ü"/>
             </a:pPr>
-            <a:r>
-              <a:rPr lang="pl-PL" sz="2400" dirty="0" smtClean="0"/>
-              <a:t>Przeprowadzone badania pokazują, że wykorzystanie </a:t>
-            </a:r>
-            <a:r>
-              <a:rPr lang="pl-PL" sz="2400" i="1" dirty="0" smtClean="0"/>
-              <a:t>The Clean Architecture</a:t>
-            </a:r>
-            <a:r>
-              <a:rPr lang="pl-PL" sz="2400" dirty="0" smtClean="0"/>
-              <a:t> oraz </a:t>
-            </a:r>
-            <a:r>
-              <a:rPr lang="pl-PL" sz="2400" i="1" dirty="0" smtClean="0"/>
-              <a:t>Test Triven Development</a:t>
-            </a:r>
-            <a:r>
-              <a:rPr lang="pl-PL" sz="2400" dirty="0" smtClean="0"/>
-              <a:t> wydaje się właściwe dla polepszenia testowalności badanej aplikacji:</a:t>
-            </a:r>
+            <a:endParaRPr lang="pl-PL" sz="2400" dirty="0" smtClean="0"/>
           </a:p>
           <a:p>
             <a:pPr>
               <a:buFont typeface="Wingdings" panose="05000000000000000000" pitchFamily="2" charset="2"/>
-              <a:buChar char="q"/>
+              <a:buChar char="ü"/>
             </a:pPr>
             <a:r>
-              <a:rPr lang="pl-PL" sz="1900" dirty="0" smtClean="0"/>
-              <a:t>ilość testów jednostkowych zmalała sześciokrotnie</a:t>
+              <a:rPr lang="pl-PL" sz="2400" dirty="0" smtClean="0"/>
+              <a:t>ilość </a:t>
+            </a:r>
+            <a:r>
+              <a:rPr lang="pl-PL" sz="2400" dirty="0" smtClean="0"/>
+              <a:t>testów jednostkowych zmalała sześciokrotnie</a:t>
             </a:r>
           </a:p>
           <a:p>
             <a:pPr>
               <a:buFont typeface="Wingdings" panose="05000000000000000000" pitchFamily="2" charset="2"/>
-              <a:buChar char="q"/>
+              <a:buChar char="ü"/>
             </a:pPr>
             <a:r>
-              <a:rPr lang="pl-PL" sz="1900" dirty="0" smtClean="0"/>
+              <a:rPr lang="pl-PL" sz="2400" dirty="0" smtClean="0"/>
               <a:t>czas wykonania testów jednostkowych został skrócony trzykrotnie</a:t>
             </a:r>
           </a:p>
           <a:p>
             <a:pPr>
               <a:buFont typeface="Wingdings" panose="05000000000000000000" pitchFamily="2" charset="2"/>
-              <a:buChar char="q"/>
+              <a:buChar char="ü"/>
             </a:pPr>
             <a:r>
-              <a:rPr lang="pl-PL" sz="1900" dirty="0" smtClean="0"/>
+              <a:rPr lang="pl-PL" sz="2400" dirty="0" smtClean="0"/>
               <a:t>przewidywany zysk w zakresie czasu wykonania testów integracyjnych może być nawet czterdziestokrotnie krótszy</a:t>
             </a:r>
           </a:p>
@@ -5138,20 +5492,28 @@
             </a:pPr>
             <a:endParaRPr lang="pl-PL" sz="2400" dirty="0"/>
           </a:p>
-          <a:p>
-            <a:pPr>
-              <a:buFont typeface="Wingdings" panose="05000000000000000000" pitchFamily="2" charset="2"/>
-              <a:buChar char="ü"/>
-            </a:pPr>
-            <a:r>
-              <a:rPr lang="pl-PL" sz="2400" dirty="0" smtClean="0"/>
-              <a:t>Planowane jest przeprowadzenie badań w zakresie testów systemowych i </a:t>
-            </a:r>
-            <a:r>
-              <a:rPr lang="pl-PL" sz="2400" dirty="0" smtClean="0"/>
-              <a:t>akceptacyjnych</a:t>
-            </a:r>
-            <a:endParaRPr lang="pl-PL" sz="1300" dirty="0"/>
+        </p:txBody>
+      </p:sp>
+      <p:sp>
+        <p:nvSpPr>
+          <p:cNvPr id="4" name="Slide Number Placeholder 3"/>
+          <p:cNvSpPr>
+            <a:spLocks noGrp="1"/>
+          </p:cNvSpPr>
+          <p:nvPr>
+            <p:ph type="sldNum" sz="quarter" idx="12"/>
+          </p:nvPr>
+        </p:nvSpPr>
+        <p:spPr/>
+        <p:txBody>
+          <a:bodyPr/>
+          <a:lstStyle/>
+          <a:p>
+            <a:fld id="{AE9DFB68-1D88-44DB-A12B-F9906A862B62}" type="slidenum">
+              <a:rPr lang="pl-PL" smtClean="0"/>
+              <a:t>13</a:t>
+            </a:fld>
+            <a:endParaRPr lang="pl-PL"/>
           </a:p>
         </p:txBody>
       </p:sp>
@@ -5282,7 +5644,27 @@
             </a:pPr>
             <a:r>
               <a:rPr lang="pl-PL" sz="2400" dirty="0" smtClean="0"/>
-              <a:t>Temat automatycznego testowania opracowywanych aplikacji dla systemu Android jest pomijany w literaturze</a:t>
+              <a:t>Temat automatycznego testowania opracowywanych aplikacji dla systemu Android jest </a:t>
+            </a:r>
+            <a:r>
+              <a:rPr lang="sv-SE" sz="2400" dirty="0" smtClean="0"/>
+              <a:t>cz</a:t>
+            </a:r>
+            <a:r>
+              <a:rPr lang="pl-PL" sz="2400" dirty="0" smtClean="0"/>
+              <a:t>ę</a:t>
+            </a:r>
+            <a:r>
+              <a:rPr lang="sv-SE" sz="2400" dirty="0" smtClean="0"/>
+              <a:t>sto </a:t>
+            </a:r>
+            <a:r>
+              <a:rPr lang="pl-PL" sz="2400" dirty="0" smtClean="0"/>
+              <a:t>pomijany </a:t>
+            </a:r>
+            <a:r>
+              <a:rPr lang="pl-PL" sz="2400" dirty="0" smtClean="0"/>
+              <a:t>w literaturze</a:t>
             </a:r>
           </a:p>
           <a:p>
@@ -5483,8 +5865,36 @@
             </a:pPr>
             <a:r>
               <a:rPr lang="pl-PL" sz="2400" dirty="0" smtClean="0"/>
-              <a:t>Przebadanie różnych podejść do architektury aplikacji z przeznaczeniem dla systemu Android i sprawdzenie jak wpływają one na testowalność systemu</a:t>
-            </a:r>
+              <a:t>Przebadanie różnych podejść do architektury aplikacji z przeznaczeniem dla systemu Android i sprawdzenie jak wpływają one na testowalność </a:t>
+            </a:r>
+            <a:r>
+              <a:rPr lang="pl-PL" sz="2400" dirty="0" smtClean="0"/>
+              <a:t>aplikacji</a:t>
+            </a:r>
+            <a:endParaRPr lang="pl-PL" sz="2400" dirty="0" smtClean="0"/>
+          </a:p>
+        </p:txBody>
+      </p:sp>
+      <p:sp>
+        <p:nvSpPr>
+          <p:cNvPr id="5" name="Slide Number Placeholder 4"/>
+          <p:cNvSpPr>
+            <a:spLocks noGrp="1"/>
+          </p:cNvSpPr>
+          <p:nvPr>
+            <p:ph type="sldNum" sz="quarter" idx="12"/>
+          </p:nvPr>
+        </p:nvSpPr>
+        <p:spPr/>
+        <p:txBody>
+          <a:bodyPr/>
+          <a:lstStyle/>
+          <a:p>
+            <a:fld id="{AE9DFB68-1D88-44DB-A12B-F9906A862B62}" type="slidenum">
+              <a:rPr lang="pl-PL" smtClean="0"/>
+              <a:t>2</a:t>
+            </a:fld>
+            <a:endParaRPr lang="pl-PL"/>
           </a:p>
         </p:txBody>
       </p:sp>
@@ -5809,6 +6219,29 @@
           </a:p>
         </p:txBody>
       </p:sp>
+      <p:sp>
+        <p:nvSpPr>
+          <p:cNvPr id="8" name="Slide Number Placeholder 7"/>
+          <p:cNvSpPr>
+            <a:spLocks noGrp="1"/>
+          </p:cNvSpPr>
+          <p:nvPr>
+            <p:ph type="sldNum" sz="quarter" idx="12"/>
+          </p:nvPr>
+        </p:nvSpPr>
+        <p:spPr/>
+        <p:txBody>
+          <a:bodyPr/>
+          <a:lstStyle/>
+          <a:p>
+            <a:fld id="{AE9DFB68-1D88-44DB-A12B-F9906A862B62}" type="slidenum">
+              <a:rPr lang="pl-PL" smtClean="0"/>
+              <a:t>3</a:t>
+            </a:fld>
+            <a:endParaRPr lang="pl-PL"/>
+          </a:p>
+        </p:txBody>
+      </p:sp>
     </p:spTree>
     <p:extLst>
       <p:ext uri="{BB962C8B-B14F-4D97-AF65-F5344CB8AC3E}">
@@ -5983,13 +6416,32 @@
             </a:pPr>
             <a:r>
               <a:rPr lang="pl-PL" sz="2400" dirty="0" smtClean="0"/>
-              <a:t>Najpopularniejszymi językami programowania dla aplikacji Android są Java oraz C</a:t>
-            </a:r>
-            <a:r>
-              <a:rPr lang="pl-PL" sz="2400" dirty="0" smtClean="0"/>
-              <a:t>++.</a:t>
+              <a:t>Najpopularniejszymi językami programowania dla aplikacji Android są Java oraz C++.</a:t>
             </a:r>
             <a:endParaRPr lang="pl-PL" sz="1300" dirty="0"/>
+          </a:p>
+        </p:txBody>
+      </p:sp>
+      <p:sp>
+        <p:nvSpPr>
+          <p:cNvPr id="4" name="Slide Number Placeholder 3"/>
+          <p:cNvSpPr>
+            <a:spLocks noGrp="1"/>
+          </p:cNvSpPr>
+          <p:nvPr>
+            <p:ph type="sldNum" sz="quarter" idx="12"/>
+          </p:nvPr>
+        </p:nvSpPr>
+        <p:spPr/>
+        <p:txBody>
+          <a:bodyPr/>
+          <a:lstStyle/>
+          <a:p>
+            <a:fld id="{AE9DFB68-1D88-44DB-A12B-F9906A862B62}" type="slidenum">
+              <a:rPr lang="pl-PL" smtClean="0"/>
+              <a:t>4</a:t>
+            </a:fld>
+            <a:endParaRPr lang="pl-PL"/>
           </a:p>
         </p:txBody>
       </p:sp>
@@ -6218,6 +6670,29 @@
           </a:extLst>
         </p:spPr>
       </p:pic>
+      <p:sp>
+        <p:nvSpPr>
+          <p:cNvPr id="5" name="Slide Number Placeholder 4"/>
+          <p:cNvSpPr>
+            <a:spLocks noGrp="1"/>
+          </p:cNvSpPr>
+          <p:nvPr>
+            <p:ph type="sldNum" sz="quarter" idx="12"/>
+          </p:nvPr>
+        </p:nvSpPr>
+        <p:spPr/>
+        <p:txBody>
+          <a:bodyPr/>
+          <a:lstStyle/>
+          <a:p>
+            <a:fld id="{AE9DFB68-1D88-44DB-A12B-F9906A862B62}" type="slidenum">
+              <a:rPr lang="pl-PL" smtClean="0"/>
+              <a:t>5</a:t>
+            </a:fld>
+            <a:endParaRPr lang="pl-PL"/>
+          </a:p>
+        </p:txBody>
+      </p:sp>
     </p:spTree>
     <p:extLst>
       <p:ext uri="{BB962C8B-B14F-4D97-AF65-F5344CB8AC3E}">
@@ -6329,11 +6804,7 @@
             </a:br>
             <a:r>
               <a:rPr lang="pl-PL" dirty="0" smtClean="0"/>
-              <a:t>dla </a:t>
-            </a:r>
-            <a:r>
-              <a:rPr lang="pl-PL" dirty="0" smtClean="0"/>
-              <a:t>systemu Android</a:t>
+              <a:t>dla systemu Android</a:t>
             </a:r>
           </a:p>
           <a:p>
@@ -6405,6 +6876,29 @@
           </a:extLst>
         </p:spPr>
       </p:pic>
+      <p:sp>
+        <p:nvSpPr>
+          <p:cNvPr id="4" name="Slide Number Placeholder 3"/>
+          <p:cNvSpPr>
+            <a:spLocks noGrp="1"/>
+          </p:cNvSpPr>
+          <p:nvPr>
+            <p:ph type="sldNum" sz="quarter" idx="12"/>
+          </p:nvPr>
+        </p:nvSpPr>
+        <p:spPr/>
+        <p:txBody>
+          <a:bodyPr/>
+          <a:lstStyle/>
+          <a:p>
+            <a:fld id="{AE9DFB68-1D88-44DB-A12B-F9906A862B62}" type="slidenum">
+              <a:rPr lang="pl-PL" smtClean="0"/>
+              <a:t>6</a:t>
+            </a:fld>
+            <a:endParaRPr lang="pl-PL"/>
+          </a:p>
+        </p:txBody>
+      </p:sp>
     </p:spTree>
     <p:extLst>
       <p:ext uri="{BB962C8B-B14F-4D97-AF65-F5344CB8AC3E}">
@@ -6678,6 +7172,29 @@
           </a:extLst>
         </p:spPr>
       </p:pic>
+      <p:sp>
+        <p:nvSpPr>
+          <p:cNvPr id="5" name="Slide Number Placeholder 4"/>
+          <p:cNvSpPr>
+            <a:spLocks noGrp="1"/>
+          </p:cNvSpPr>
+          <p:nvPr>
+            <p:ph type="sldNum" sz="quarter" idx="12"/>
+          </p:nvPr>
+        </p:nvSpPr>
+        <p:spPr/>
+        <p:txBody>
+          <a:bodyPr/>
+          <a:lstStyle/>
+          <a:p>
+            <a:fld id="{AE9DFB68-1D88-44DB-A12B-F9906A862B62}" type="slidenum">
+              <a:rPr lang="pl-PL" smtClean="0"/>
+              <a:t>7</a:t>
+            </a:fld>
+            <a:endParaRPr lang="pl-PL"/>
+          </a:p>
+        </p:txBody>
+      </p:sp>
     </p:spTree>
     <p:extLst>
       <p:ext uri="{BB962C8B-B14F-4D97-AF65-F5344CB8AC3E}">
@@ -6850,6 +7367,29 @@
           </a:extLst>
         </p:spPr>
       </p:pic>
+      <p:sp>
+        <p:nvSpPr>
+          <p:cNvPr id="4" name="Slide Number Placeholder 3"/>
+          <p:cNvSpPr>
+            <a:spLocks noGrp="1"/>
+          </p:cNvSpPr>
+          <p:nvPr>
+            <p:ph type="sldNum" sz="quarter" idx="12"/>
+          </p:nvPr>
+        </p:nvSpPr>
+        <p:spPr/>
+        <p:txBody>
+          <a:bodyPr/>
+          <a:lstStyle/>
+          <a:p>
+            <a:fld id="{AE9DFB68-1D88-44DB-A12B-F9906A862B62}" type="slidenum">
+              <a:rPr lang="pl-PL" smtClean="0"/>
+              <a:t>8</a:t>
+            </a:fld>
+            <a:endParaRPr lang="pl-PL"/>
+          </a:p>
+        </p:txBody>
+      </p:sp>
     </p:spTree>
     <p:extLst>
       <p:ext uri="{BB962C8B-B14F-4D97-AF65-F5344CB8AC3E}">
@@ -7116,7 +7656,7 @@
         <p:spPr>
           <a:xfrm>
             <a:off x="4886352" y="4994012"/>
-            <a:ext cx="3456384" cy="523220"/>
+            <a:ext cx="3456384" cy="461665"/>
           </a:xfrm>
           <a:prstGeom prst="rect">
             <a:avLst/>
@@ -7137,55 +7677,30 @@
             <a:br>
               <a:rPr lang="pl-PL" sz="1400" dirty="0" smtClean="0"/>
             </a:br>
-            <a:r>
-              <a:rPr lang="pl-PL" sz="1400" dirty="0" smtClean="0"/>
-              <a:t>(</a:t>
-            </a:r>
-            <a:r>
-              <a:rPr lang="pl-PL" sz="1000" dirty="0" smtClean="0"/>
-              <a:t>Źródło: </a:t>
-            </a:r>
-            <a:r>
-              <a:rPr lang="en-US" sz="1000" dirty="0"/>
-              <a:t>Robert Cecil </a:t>
-            </a:r>
-            <a:r>
-              <a:rPr lang="en-US" sz="1000" dirty="0" smtClean="0"/>
-              <a:t>Martin</a:t>
-            </a:r>
-            <a:r>
-              <a:rPr lang="pl-PL" sz="1000" dirty="0" smtClean="0"/>
-              <a:t>,</a:t>
-            </a:r>
-            <a:r>
-              <a:rPr lang="en-US" sz="1000" dirty="0" smtClean="0"/>
-              <a:t> </a:t>
-            </a:r>
-            <a:r>
-              <a:rPr lang="pl-PL" sz="1000" dirty="0" smtClean="0"/>
-              <a:t>„</a:t>
-            </a:r>
-            <a:r>
-              <a:rPr lang="en-US" sz="1000" dirty="0" smtClean="0"/>
-              <a:t>The </a:t>
-            </a:r>
-            <a:r>
-              <a:rPr lang="en-US" sz="1000" dirty="0"/>
-              <a:t>clean </a:t>
-            </a:r>
-            <a:r>
-              <a:rPr lang="en-US" sz="1000" dirty="0" smtClean="0"/>
-              <a:t>architecture</a:t>
-            </a:r>
-            <a:r>
-              <a:rPr lang="pl-PL" sz="1000" dirty="0" smtClean="0"/>
-              <a:t>”</a:t>
-            </a:r>
-            <a:r>
-              <a:rPr lang="pl-PL" sz="1400" dirty="0" smtClean="0"/>
-              <a:t>)</a:t>
-            </a:r>
             <a:endParaRPr lang="sv-SE" sz="1000" dirty="0"/>
+          </a:p>
+        </p:txBody>
+      </p:sp>
+      <p:sp>
+        <p:nvSpPr>
+          <p:cNvPr id="4" name="Slide Number Placeholder 3"/>
+          <p:cNvSpPr>
+            <a:spLocks noGrp="1"/>
+          </p:cNvSpPr>
+          <p:nvPr>
+            <p:ph type="sldNum" sz="quarter" idx="12"/>
+          </p:nvPr>
+        </p:nvSpPr>
+        <p:spPr/>
+        <p:txBody>
+          <a:bodyPr/>
+          <a:lstStyle/>
+          <a:p>
+            <a:fld id="{AE9DFB68-1D88-44DB-A12B-F9906A862B62}" type="slidenum">
+              <a:rPr lang="pl-PL" smtClean="0"/>
+              <a:t>9</a:t>
+            </a:fld>
+            <a:endParaRPr lang="pl-PL"/>
           </a:p>
         </p:txBody>
       </p:sp>
